--- a/Undulator 1 Pulsed-Wire Alignment Dec. 2022.pptx
+++ b/Undulator 1 Pulsed-Wire Alignment Dec. 2022.pptx
@@ -7,7 +7,11 @@
   <p:sldIdLst>
     <p:sldId id="256" r:id="rId2"/>
     <p:sldId id="257" r:id="rId3"/>
-    <p:sldId id="258" r:id="rId4"/>
+    <p:sldId id="259" r:id="rId4"/>
+    <p:sldId id="261" r:id="rId5"/>
+    <p:sldId id="258" r:id="rId6"/>
+    <p:sldId id="260" r:id="rId7"/>
+    <p:sldId id="262" r:id="rId8"/>
   </p:sldIdLst>
   <p:sldSz cx="12192000" cy="6858000"/>
   <p:notesSz cx="6858000" cy="9144000"/>
@@ -108,7 +112,7 @@
   </p:defaultTextStyle>
   <p:extLst>
     <p:ext uri="{EFAFB233-063F-42B5-8137-9DF3F51BA10A}">
-      <p15:sldGuideLst xmlns:p15="http://schemas.microsoft.com/office/powerpoint/2012/main"/>
+      <p15:sldGuideLst xmlns:p15="http://schemas.microsoft.com/office/powerpoint/2012/main" xmlns=""/>
     </p:ext>
   </p:extLst>
 </p:presentation>
@@ -136,7 +140,7 @@
           <p:cNvPr id="2" name="Title 1">
             <a:extLst>
               <a:ext uri="{FF2B5EF4-FFF2-40B4-BE49-F238E27FC236}">
-                <a16:creationId xmlns:a16="http://schemas.microsoft.com/office/drawing/2014/main" id="{00E0886F-A4C3-DB2A-ABB8-03005E281B8C}"/>
+                <a16:creationId xmlns:a16="http://schemas.microsoft.com/office/drawing/2014/main" xmlns="" id="{00E0886F-A4C3-DB2A-ABB8-03005E281B8C}"/>
               </a:ext>
             </a:extLst>
           </p:cNvPr>
@@ -173,7 +177,7 @@
           <p:cNvPr id="3" name="Subtitle 2">
             <a:extLst>
               <a:ext uri="{FF2B5EF4-FFF2-40B4-BE49-F238E27FC236}">
-                <a16:creationId xmlns:a16="http://schemas.microsoft.com/office/drawing/2014/main" id="{75A50426-015C-D0A4-586B-9D71DC20713F}"/>
+                <a16:creationId xmlns:a16="http://schemas.microsoft.com/office/drawing/2014/main" xmlns="" id="{75A50426-015C-D0A4-586B-9D71DC20713F}"/>
               </a:ext>
             </a:extLst>
           </p:cNvPr>
@@ -243,7 +247,7 @@
           <p:cNvPr id="4" name="Date Placeholder 3">
             <a:extLst>
               <a:ext uri="{FF2B5EF4-FFF2-40B4-BE49-F238E27FC236}">
-                <a16:creationId xmlns:a16="http://schemas.microsoft.com/office/drawing/2014/main" id="{A41699CF-EDB2-851E-8F58-27CCF7577C5E}"/>
+                <a16:creationId xmlns:a16="http://schemas.microsoft.com/office/drawing/2014/main" xmlns="" id="{A41699CF-EDB2-851E-8F58-27CCF7577C5E}"/>
               </a:ext>
             </a:extLst>
           </p:cNvPr>
@@ -261,7 +265,7 @@
           <a:p>
             <a:fld id="{CC723744-7631-45EC-9413-1AE502D85CB6}" type="datetimeFigureOut">
               <a:rPr lang="en-US" smtClean="0"/>
-              <a:t>12/19/2022</a:t>
+              <a:t>12/21/2022</a:t>
             </a:fld>
             <a:endParaRPr lang="en-US"/>
           </a:p>
@@ -272,7 +276,7 @@
           <p:cNvPr id="5" name="Footer Placeholder 4">
             <a:extLst>
               <a:ext uri="{FF2B5EF4-FFF2-40B4-BE49-F238E27FC236}">
-                <a16:creationId xmlns:a16="http://schemas.microsoft.com/office/drawing/2014/main" id="{F4896356-F1DD-8679-076D-62EFF294C520}"/>
+                <a16:creationId xmlns:a16="http://schemas.microsoft.com/office/drawing/2014/main" xmlns="" id="{F4896356-F1DD-8679-076D-62EFF294C520}"/>
               </a:ext>
             </a:extLst>
           </p:cNvPr>
@@ -297,7 +301,7 @@
           <p:cNvPr id="6" name="Slide Number Placeholder 5">
             <a:extLst>
               <a:ext uri="{FF2B5EF4-FFF2-40B4-BE49-F238E27FC236}">
-                <a16:creationId xmlns:a16="http://schemas.microsoft.com/office/drawing/2014/main" id="{53440E42-9547-FA0A-646E-2633E1BC0F8C}"/>
+                <a16:creationId xmlns:a16="http://schemas.microsoft.com/office/drawing/2014/main" xmlns="" id="{53440E42-9547-FA0A-646E-2633E1BC0F8C}"/>
               </a:ext>
             </a:extLst>
           </p:cNvPr>
@@ -356,7 +360,7 @@
           <p:cNvPr id="2" name="Title 1">
             <a:extLst>
               <a:ext uri="{FF2B5EF4-FFF2-40B4-BE49-F238E27FC236}">
-                <a16:creationId xmlns:a16="http://schemas.microsoft.com/office/drawing/2014/main" id="{948E065B-36C9-0F6C-94C0-82E53BFBDB9E}"/>
+                <a16:creationId xmlns:a16="http://schemas.microsoft.com/office/drawing/2014/main" xmlns="" id="{948E065B-36C9-0F6C-94C0-82E53BFBDB9E}"/>
               </a:ext>
             </a:extLst>
           </p:cNvPr>
@@ -384,7 +388,7 @@
           <p:cNvPr id="3" name="Vertical Text Placeholder 2">
             <a:extLst>
               <a:ext uri="{FF2B5EF4-FFF2-40B4-BE49-F238E27FC236}">
-                <a16:creationId xmlns:a16="http://schemas.microsoft.com/office/drawing/2014/main" id="{F60495E1-73B2-BF67-4009-492EC08AC59D}"/>
+                <a16:creationId xmlns:a16="http://schemas.microsoft.com/office/drawing/2014/main" xmlns="" id="{F60495E1-73B2-BF67-4009-492EC08AC59D}"/>
               </a:ext>
             </a:extLst>
           </p:cNvPr>
@@ -441,7 +445,7 @@
           <p:cNvPr id="4" name="Date Placeholder 3">
             <a:extLst>
               <a:ext uri="{FF2B5EF4-FFF2-40B4-BE49-F238E27FC236}">
-                <a16:creationId xmlns:a16="http://schemas.microsoft.com/office/drawing/2014/main" id="{CC1D4D07-DB59-E12F-3452-D51EA4F55E26}"/>
+                <a16:creationId xmlns:a16="http://schemas.microsoft.com/office/drawing/2014/main" xmlns="" id="{CC1D4D07-DB59-E12F-3452-D51EA4F55E26}"/>
               </a:ext>
             </a:extLst>
           </p:cNvPr>
@@ -459,7 +463,7 @@
           <a:p>
             <a:fld id="{CC723744-7631-45EC-9413-1AE502D85CB6}" type="datetimeFigureOut">
               <a:rPr lang="en-US" smtClean="0"/>
-              <a:t>12/19/2022</a:t>
+              <a:t>12/21/2022</a:t>
             </a:fld>
             <a:endParaRPr lang="en-US"/>
           </a:p>
@@ -470,7 +474,7 @@
           <p:cNvPr id="5" name="Footer Placeholder 4">
             <a:extLst>
               <a:ext uri="{FF2B5EF4-FFF2-40B4-BE49-F238E27FC236}">
-                <a16:creationId xmlns:a16="http://schemas.microsoft.com/office/drawing/2014/main" id="{8DD0D4E7-3392-C135-EF59-703CADE3B415}"/>
+                <a16:creationId xmlns:a16="http://schemas.microsoft.com/office/drawing/2014/main" xmlns="" id="{8DD0D4E7-3392-C135-EF59-703CADE3B415}"/>
               </a:ext>
             </a:extLst>
           </p:cNvPr>
@@ -495,7 +499,7 @@
           <p:cNvPr id="6" name="Slide Number Placeholder 5">
             <a:extLst>
               <a:ext uri="{FF2B5EF4-FFF2-40B4-BE49-F238E27FC236}">
-                <a16:creationId xmlns:a16="http://schemas.microsoft.com/office/drawing/2014/main" id="{0ED03BEC-CD27-DE8D-877B-90889B5B1E3B}"/>
+                <a16:creationId xmlns:a16="http://schemas.microsoft.com/office/drawing/2014/main" xmlns="" id="{0ED03BEC-CD27-DE8D-877B-90889B5B1E3B}"/>
               </a:ext>
             </a:extLst>
           </p:cNvPr>
@@ -554,7 +558,7 @@
           <p:cNvPr id="2" name="Vertical Title 1">
             <a:extLst>
               <a:ext uri="{FF2B5EF4-FFF2-40B4-BE49-F238E27FC236}">
-                <a16:creationId xmlns:a16="http://schemas.microsoft.com/office/drawing/2014/main" id="{845584A6-E0F2-F7EE-0775-B0F877B8D38A}"/>
+                <a16:creationId xmlns:a16="http://schemas.microsoft.com/office/drawing/2014/main" xmlns="" id="{845584A6-E0F2-F7EE-0775-B0F877B8D38A}"/>
               </a:ext>
             </a:extLst>
           </p:cNvPr>
@@ -587,7 +591,7 @@
           <p:cNvPr id="3" name="Vertical Text Placeholder 2">
             <a:extLst>
               <a:ext uri="{FF2B5EF4-FFF2-40B4-BE49-F238E27FC236}">
-                <a16:creationId xmlns:a16="http://schemas.microsoft.com/office/drawing/2014/main" id="{13539F1D-FAC6-0F52-24CE-6C97F8FF5469}"/>
+                <a16:creationId xmlns:a16="http://schemas.microsoft.com/office/drawing/2014/main" xmlns="" id="{13539F1D-FAC6-0F52-24CE-6C97F8FF5469}"/>
               </a:ext>
             </a:extLst>
           </p:cNvPr>
@@ -649,7 +653,7 @@
           <p:cNvPr id="4" name="Date Placeholder 3">
             <a:extLst>
               <a:ext uri="{FF2B5EF4-FFF2-40B4-BE49-F238E27FC236}">
-                <a16:creationId xmlns:a16="http://schemas.microsoft.com/office/drawing/2014/main" id="{A74CB834-33F8-532D-96E4-7271032C28F9}"/>
+                <a16:creationId xmlns:a16="http://schemas.microsoft.com/office/drawing/2014/main" xmlns="" id="{A74CB834-33F8-532D-96E4-7271032C28F9}"/>
               </a:ext>
             </a:extLst>
           </p:cNvPr>
@@ -667,7 +671,7 @@
           <a:p>
             <a:fld id="{CC723744-7631-45EC-9413-1AE502D85CB6}" type="datetimeFigureOut">
               <a:rPr lang="en-US" smtClean="0"/>
-              <a:t>12/19/2022</a:t>
+              <a:t>12/21/2022</a:t>
             </a:fld>
             <a:endParaRPr lang="en-US"/>
           </a:p>
@@ -678,7 +682,7 @@
           <p:cNvPr id="5" name="Footer Placeholder 4">
             <a:extLst>
               <a:ext uri="{FF2B5EF4-FFF2-40B4-BE49-F238E27FC236}">
-                <a16:creationId xmlns:a16="http://schemas.microsoft.com/office/drawing/2014/main" id="{927EEB16-5306-DBF0-2AD0-55D7D8DFB4E7}"/>
+                <a16:creationId xmlns:a16="http://schemas.microsoft.com/office/drawing/2014/main" xmlns="" id="{927EEB16-5306-DBF0-2AD0-55D7D8DFB4E7}"/>
               </a:ext>
             </a:extLst>
           </p:cNvPr>
@@ -703,7 +707,7 @@
           <p:cNvPr id="6" name="Slide Number Placeholder 5">
             <a:extLst>
               <a:ext uri="{FF2B5EF4-FFF2-40B4-BE49-F238E27FC236}">
-                <a16:creationId xmlns:a16="http://schemas.microsoft.com/office/drawing/2014/main" id="{D04D3E4F-E3CE-8F5C-82EC-436876439BE7}"/>
+                <a16:creationId xmlns:a16="http://schemas.microsoft.com/office/drawing/2014/main" xmlns="" id="{D04D3E4F-E3CE-8F5C-82EC-436876439BE7}"/>
               </a:ext>
             </a:extLst>
           </p:cNvPr>
@@ -762,7 +766,7 @@
           <p:cNvPr id="2" name="Title 1">
             <a:extLst>
               <a:ext uri="{FF2B5EF4-FFF2-40B4-BE49-F238E27FC236}">
-                <a16:creationId xmlns:a16="http://schemas.microsoft.com/office/drawing/2014/main" id="{F264C621-5FED-B1EB-C60C-7AD2CD2C24FF}"/>
+                <a16:creationId xmlns:a16="http://schemas.microsoft.com/office/drawing/2014/main" xmlns="" id="{F264C621-5FED-B1EB-C60C-7AD2CD2C24FF}"/>
               </a:ext>
             </a:extLst>
           </p:cNvPr>
@@ -790,7 +794,7 @@
           <p:cNvPr id="3" name="Content Placeholder 2">
             <a:extLst>
               <a:ext uri="{FF2B5EF4-FFF2-40B4-BE49-F238E27FC236}">
-                <a16:creationId xmlns:a16="http://schemas.microsoft.com/office/drawing/2014/main" id="{A71A0D82-642F-1FD6-8D64-3F4761DDE6D8}"/>
+                <a16:creationId xmlns:a16="http://schemas.microsoft.com/office/drawing/2014/main" xmlns="" id="{A71A0D82-642F-1FD6-8D64-3F4761DDE6D8}"/>
               </a:ext>
             </a:extLst>
           </p:cNvPr>
@@ -847,7 +851,7 @@
           <p:cNvPr id="4" name="Date Placeholder 3">
             <a:extLst>
               <a:ext uri="{FF2B5EF4-FFF2-40B4-BE49-F238E27FC236}">
-                <a16:creationId xmlns:a16="http://schemas.microsoft.com/office/drawing/2014/main" id="{1F15F1D2-5193-387D-E445-A74B2F1B9DBA}"/>
+                <a16:creationId xmlns:a16="http://schemas.microsoft.com/office/drawing/2014/main" xmlns="" id="{1F15F1D2-5193-387D-E445-A74B2F1B9DBA}"/>
               </a:ext>
             </a:extLst>
           </p:cNvPr>
@@ -865,7 +869,7 @@
           <a:p>
             <a:fld id="{CC723744-7631-45EC-9413-1AE502D85CB6}" type="datetimeFigureOut">
               <a:rPr lang="en-US" smtClean="0"/>
-              <a:t>12/19/2022</a:t>
+              <a:t>12/21/2022</a:t>
             </a:fld>
             <a:endParaRPr lang="en-US"/>
           </a:p>
@@ -876,7 +880,7 @@
           <p:cNvPr id="5" name="Footer Placeholder 4">
             <a:extLst>
               <a:ext uri="{FF2B5EF4-FFF2-40B4-BE49-F238E27FC236}">
-                <a16:creationId xmlns:a16="http://schemas.microsoft.com/office/drawing/2014/main" id="{F0AC27BF-F849-C8B2-15C9-21A9D2BCD60D}"/>
+                <a16:creationId xmlns:a16="http://schemas.microsoft.com/office/drawing/2014/main" xmlns="" id="{F0AC27BF-F849-C8B2-15C9-21A9D2BCD60D}"/>
               </a:ext>
             </a:extLst>
           </p:cNvPr>
@@ -901,7 +905,7 @@
           <p:cNvPr id="6" name="Slide Number Placeholder 5">
             <a:extLst>
               <a:ext uri="{FF2B5EF4-FFF2-40B4-BE49-F238E27FC236}">
-                <a16:creationId xmlns:a16="http://schemas.microsoft.com/office/drawing/2014/main" id="{B0817472-324F-A359-4DE1-DF505B1CC5A6}"/>
+                <a16:creationId xmlns:a16="http://schemas.microsoft.com/office/drawing/2014/main" xmlns="" id="{B0817472-324F-A359-4DE1-DF505B1CC5A6}"/>
               </a:ext>
             </a:extLst>
           </p:cNvPr>
@@ -960,7 +964,7 @@
           <p:cNvPr id="2" name="Title 1">
             <a:extLst>
               <a:ext uri="{FF2B5EF4-FFF2-40B4-BE49-F238E27FC236}">
-                <a16:creationId xmlns:a16="http://schemas.microsoft.com/office/drawing/2014/main" id="{4133880C-6F34-013B-6AB3-1D28B01DB719}"/>
+                <a16:creationId xmlns:a16="http://schemas.microsoft.com/office/drawing/2014/main" xmlns="" id="{4133880C-6F34-013B-6AB3-1D28B01DB719}"/>
               </a:ext>
             </a:extLst>
           </p:cNvPr>
@@ -997,7 +1001,7 @@
           <p:cNvPr id="3" name="Text Placeholder 2">
             <a:extLst>
               <a:ext uri="{FF2B5EF4-FFF2-40B4-BE49-F238E27FC236}">
-                <a16:creationId xmlns:a16="http://schemas.microsoft.com/office/drawing/2014/main" id="{A3BF6C2F-709E-448E-50DC-F034E694E659}"/>
+                <a16:creationId xmlns:a16="http://schemas.microsoft.com/office/drawing/2014/main" xmlns="" id="{A3BF6C2F-709E-448E-50DC-F034E694E659}"/>
               </a:ext>
             </a:extLst>
           </p:cNvPr>
@@ -1122,7 +1126,7 @@
           <p:cNvPr id="4" name="Date Placeholder 3">
             <a:extLst>
               <a:ext uri="{FF2B5EF4-FFF2-40B4-BE49-F238E27FC236}">
-                <a16:creationId xmlns:a16="http://schemas.microsoft.com/office/drawing/2014/main" id="{88A33129-33B4-7359-8349-53E7476E2830}"/>
+                <a16:creationId xmlns:a16="http://schemas.microsoft.com/office/drawing/2014/main" xmlns="" id="{88A33129-33B4-7359-8349-53E7476E2830}"/>
               </a:ext>
             </a:extLst>
           </p:cNvPr>
@@ -1140,7 +1144,7 @@
           <a:p>
             <a:fld id="{CC723744-7631-45EC-9413-1AE502D85CB6}" type="datetimeFigureOut">
               <a:rPr lang="en-US" smtClean="0"/>
-              <a:t>12/19/2022</a:t>
+              <a:t>12/21/2022</a:t>
             </a:fld>
             <a:endParaRPr lang="en-US"/>
           </a:p>
@@ -1151,7 +1155,7 @@
           <p:cNvPr id="5" name="Footer Placeholder 4">
             <a:extLst>
               <a:ext uri="{FF2B5EF4-FFF2-40B4-BE49-F238E27FC236}">
-                <a16:creationId xmlns:a16="http://schemas.microsoft.com/office/drawing/2014/main" id="{0B6537FD-296A-C1F0-3F37-C58177C849A4}"/>
+                <a16:creationId xmlns:a16="http://schemas.microsoft.com/office/drawing/2014/main" xmlns="" id="{0B6537FD-296A-C1F0-3F37-C58177C849A4}"/>
               </a:ext>
             </a:extLst>
           </p:cNvPr>
@@ -1176,7 +1180,7 @@
           <p:cNvPr id="6" name="Slide Number Placeholder 5">
             <a:extLst>
               <a:ext uri="{FF2B5EF4-FFF2-40B4-BE49-F238E27FC236}">
-                <a16:creationId xmlns:a16="http://schemas.microsoft.com/office/drawing/2014/main" id="{D1DD27D3-820C-41B8-6EAD-98E0870839AC}"/>
+                <a16:creationId xmlns:a16="http://schemas.microsoft.com/office/drawing/2014/main" xmlns="" id="{D1DD27D3-820C-41B8-6EAD-98E0870839AC}"/>
               </a:ext>
             </a:extLst>
           </p:cNvPr>
@@ -1235,7 +1239,7 @@
           <p:cNvPr id="2" name="Title 1">
             <a:extLst>
               <a:ext uri="{FF2B5EF4-FFF2-40B4-BE49-F238E27FC236}">
-                <a16:creationId xmlns:a16="http://schemas.microsoft.com/office/drawing/2014/main" id="{2969FE45-F3B1-FEFD-7C23-C14A51EA72FD}"/>
+                <a16:creationId xmlns:a16="http://schemas.microsoft.com/office/drawing/2014/main" xmlns="" id="{2969FE45-F3B1-FEFD-7C23-C14A51EA72FD}"/>
               </a:ext>
             </a:extLst>
           </p:cNvPr>
@@ -1263,7 +1267,7 @@
           <p:cNvPr id="3" name="Content Placeholder 2">
             <a:extLst>
               <a:ext uri="{FF2B5EF4-FFF2-40B4-BE49-F238E27FC236}">
-                <a16:creationId xmlns:a16="http://schemas.microsoft.com/office/drawing/2014/main" id="{80B0DC5C-D76C-3508-304A-B902A598B716}"/>
+                <a16:creationId xmlns:a16="http://schemas.microsoft.com/office/drawing/2014/main" xmlns="" id="{80B0DC5C-D76C-3508-304A-B902A598B716}"/>
               </a:ext>
             </a:extLst>
           </p:cNvPr>
@@ -1325,7 +1329,7 @@
           <p:cNvPr id="4" name="Content Placeholder 3">
             <a:extLst>
               <a:ext uri="{FF2B5EF4-FFF2-40B4-BE49-F238E27FC236}">
-                <a16:creationId xmlns:a16="http://schemas.microsoft.com/office/drawing/2014/main" id="{9BFDE647-44AF-0332-535D-BCD8E8B92DC0}"/>
+                <a16:creationId xmlns:a16="http://schemas.microsoft.com/office/drawing/2014/main" xmlns="" id="{9BFDE647-44AF-0332-535D-BCD8E8B92DC0}"/>
               </a:ext>
             </a:extLst>
           </p:cNvPr>
@@ -1387,7 +1391,7 @@
           <p:cNvPr id="5" name="Date Placeholder 4">
             <a:extLst>
               <a:ext uri="{FF2B5EF4-FFF2-40B4-BE49-F238E27FC236}">
-                <a16:creationId xmlns:a16="http://schemas.microsoft.com/office/drawing/2014/main" id="{3F207661-C2C8-2C88-1AF1-2CDBECFEE40C}"/>
+                <a16:creationId xmlns:a16="http://schemas.microsoft.com/office/drawing/2014/main" xmlns="" id="{3F207661-C2C8-2C88-1AF1-2CDBECFEE40C}"/>
               </a:ext>
             </a:extLst>
           </p:cNvPr>
@@ -1405,7 +1409,7 @@
           <a:p>
             <a:fld id="{CC723744-7631-45EC-9413-1AE502D85CB6}" type="datetimeFigureOut">
               <a:rPr lang="en-US" smtClean="0"/>
-              <a:t>12/19/2022</a:t>
+              <a:t>12/21/2022</a:t>
             </a:fld>
             <a:endParaRPr lang="en-US"/>
           </a:p>
@@ -1416,7 +1420,7 @@
           <p:cNvPr id="6" name="Footer Placeholder 5">
             <a:extLst>
               <a:ext uri="{FF2B5EF4-FFF2-40B4-BE49-F238E27FC236}">
-                <a16:creationId xmlns:a16="http://schemas.microsoft.com/office/drawing/2014/main" id="{87845FDF-8453-FA97-80BE-DE07220BCF38}"/>
+                <a16:creationId xmlns:a16="http://schemas.microsoft.com/office/drawing/2014/main" xmlns="" id="{87845FDF-8453-FA97-80BE-DE07220BCF38}"/>
               </a:ext>
             </a:extLst>
           </p:cNvPr>
@@ -1441,7 +1445,7 @@
           <p:cNvPr id="7" name="Slide Number Placeholder 6">
             <a:extLst>
               <a:ext uri="{FF2B5EF4-FFF2-40B4-BE49-F238E27FC236}">
-                <a16:creationId xmlns:a16="http://schemas.microsoft.com/office/drawing/2014/main" id="{61D59091-6BF3-FEA9-0B00-8439FAC4FCEA}"/>
+                <a16:creationId xmlns:a16="http://schemas.microsoft.com/office/drawing/2014/main" xmlns="" id="{61D59091-6BF3-FEA9-0B00-8439FAC4FCEA}"/>
               </a:ext>
             </a:extLst>
           </p:cNvPr>
@@ -1500,7 +1504,7 @@
           <p:cNvPr id="2" name="Title 1">
             <a:extLst>
               <a:ext uri="{FF2B5EF4-FFF2-40B4-BE49-F238E27FC236}">
-                <a16:creationId xmlns:a16="http://schemas.microsoft.com/office/drawing/2014/main" id="{21AE0E60-490C-2FAA-CAFA-EAA2AFD7BEDD}"/>
+                <a16:creationId xmlns:a16="http://schemas.microsoft.com/office/drawing/2014/main" xmlns="" id="{21AE0E60-490C-2FAA-CAFA-EAA2AFD7BEDD}"/>
               </a:ext>
             </a:extLst>
           </p:cNvPr>
@@ -1533,7 +1537,7 @@
           <p:cNvPr id="3" name="Text Placeholder 2">
             <a:extLst>
               <a:ext uri="{FF2B5EF4-FFF2-40B4-BE49-F238E27FC236}">
-                <a16:creationId xmlns:a16="http://schemas.microsoft.com/office/drawing/2014/main" id="{8A4F0CB0-CE7F-5EFC-9BCA-A661E4A7FDD9}"/>
+                <a16:creationId xmlns:a16="http://schemas.microsoft.com/office/drawing/2014/main" xmlns="" id="{8A4F0CB0-CE7F-5EFC-9BCA-A661E4A7FDD9}"/>
               </a:ext>
             </a:extLst>
           </p:cNvPr>
@@ -1604,7 +1608,7 @@
           <p:cNvPr id="4" name="Content Placeholder 3">
             <a:extLst>
               <a:ext uri="{FF2B5EF4-FFF2-40B4-BE49-F238E27FC236}">
-                <a16:creationId xmlns:a16="http://schemas.microsoft.com/office/drawing/2014/main" id="{880385B8-4417-BCFF-9D7B-3726D9A49E71}"/>
+                <a16:creationId xmlns:a16="http://schemas.microsoft.com/office/drawing/2014/main" xmlns="" id="{880385B8-4417-BCFF-9D7B-3726D9A49E71}"/>
               </a:ext>
             </a:extLst>
           </p:cNvPr>
@@ -1666,7 +1670,7 @@
           <p:cNvPr id="5" name="Text Placeholder 4">
             <a:extLst>
               <a:ext uri="{FF2B5EF4-FFF2-40B4-BE49-F238E27FC236}">
-                <a16:creationId xmlns:a16="http://schemas.microsoft.com/office/drawing/2014/main" id="{3E320428-EDA4-C0BF-F97C-62C0B618BB79}"/>
+                <a16:creationId xmlns:a16="http://schemas.microsoft.com/office/drawing/2014/main" xmlns="" id="{3E320428-EDA4-C0BF-F97C-62C0B618BB79}"/>
               </a:ext>
             </a:extLst>
           </p:cNvPr>
@@ -1737,7 +1741,7 @@
           <p:cNvPr id="6" name="Content Placeholder 5">
             <a:extLst>
               <a:ext uri="{FF2B5EF4-FFF2-40B4-BE49-F238E27FC236}">
-                <a16:creationId xmlns:a16="http://schemas.microsoft.com/office/drawing/2014/main" id="{6E20F4F7-3061-F4E0-0F05-1F398D5983CA}"/>
+                <a16:creationId xmlns:a16="http://schemas.microsoft.com/office/drawing/2014/main" xmlns="" id="{6E20F4F7-3061-F4E0-0F05-1F398D5983CA}"/>
               </a:ext>
             </a:extLst>
           </p:cNvPr>
@@ -1799,7 +1803,7 @@
           <p:cNvPr id="7" name="Date Placeholder 6">
             <a:extLst>
               <a:ext uri="{FF2B5EF4-FFF2-40B4-BE49-F238E27FC236}">
-                <a16:creationId xmlns:a16="http://schemas.microsoft.com/office/drawing/2014/main" id="{F4EA3360-1512-2F66-9F55-525A8366CB48}"/>
+                <a16:creationId xmlns:a16="http://schemas.microsoft.com/office/drawing/2014/main" xmlns="" id="{F4EA3360-1512-2F66-9F55-525A8366CB48}"/>
               </a:ext>
             </a:extLst>
           </p:cNvPr>
@@ -1817,7 +1821,7 @@
           <a:p>
             <a:fld id="{CC723744-7631-45EC-9413-1AE502D85CB6}" type="datetimeFigureOut">
               <a:rPr lang="en-US" smtClean="0"/>
-              <a:t>12/19/2022</a:t>
+              <a:t>12/21/2022</a:t>
             </a:fld>
             <a:endParaRPr lang="en-US"/>
           </a:p>
@@ -1828,7 +1832,7 @@
           <p:cNvPr id="8" name="Footer Placeholder 7">
             <a:extLst>
               <a:ext uri="{FF2B5EF4-FFF2-40B4-BE49-F238E27FC236}">
-                <a16:creationId xmlns:a16="http://schemas.microsoft.com/office/drawing/2014/main" id="{0F39389A-FAF9-BD65-D8CD-156D45A12F56}"/>
+                <a16:creationId xmlns:a16="http://schemas.microsoft.com/office/drawing/2014/main" xmlns="" id="{0F39389A-FAF9-BD65-D8CD-156D45A12F56}"/>
               </a:ext>
             </a:extLst>
           </p:cNvPr>
@@ -1853,7 +1857,7 @@
           <p:cNvPr id="9" name="Slide Number Placeholder 8">
             <a:extLst>
               <a:ext uri="{FF2B5EF4-FFF2-40B4-BE49-F238E27FC236}">
-                <a16:creationId xmlns:a16="http://schemas.microsoft.com/office/drawing/2014/main" id="{FFFBF88B-C81E-4789-028F-439B2B326EF6}"/>
+                <a16:creationId xmlns:a16="http://schemas.microsoft.com/office/drawing/2014/main" xmlns="" id="{FFFBF88B-C81E-4789-028F-439B2B326EF6}"/>
               </a:ext>
             </a:extLst>
           </p:cNvPr>
@@ -1912,7 +1916,7 @@
           <p:cNvPr id="2" name="Title 1">
             <a:extLst>
               <a:ext uri="{FF2B5EF4-FFF2-40B4-BE49-F238E27FC236}">
-                <a16:creationId xmlns:a16="http://schemas.microsoft.com/office/drawing/2014/main" id="{592A1A8C-4916-835A-60A0-6CF7B2A9FDC2}"/>
+                <a16:creationId xmlns:a16="http://schemas.microsoft.com/office/drawing/2014/main" xmlns="" id="{592A1A8C-4916-835A-60A0-6CF7B2A9FDC2}"/>
               </a:ext>
             </a:extLst>
           </p:cNvPr>
@@ -1940,7 +1944,7 @@
           <p:cNvPr id="3" name="Date Placeholder 2">
             <a:extLst>
               <a:ext uri="{FF2B5EF4-FFF2-40B4-BE49-F238E27FC236}">
-                <a16:creationId xmlns:a16="http://schemas.microsoft.com/office/drawing/2014/main" id="{25DFB5C5-C63A-1AEA-AFDD-A41091F191C8}"/>
+                <a16:creationId xmlns:a16="http://schemas.microsoft.com/office/drawing/2014/main" xmlns="" id="{25DFB5C5-C63A-1AEA-AFDD-A41091F191C8}"/>
               </a:ext>
             </a:extLst>
           </p:cNvPr>
@@ -1958,7 +1962,7 @@
           <a:p>
             <a:fld id="{CC723744-7631-45EC-9413-1AE502D85CB6}" type="datetimeFigureOut">
               <a:rPr lang="en-US" smtClean="0"/>
-              <a:t>12/19/2022</a:t>
+              <a:t>12/21/2022</a:t>
             </a:fld>
             <a:endParaRPr lang="en-US"/>
           </a:p>
@@ -1969,7 +1973,7 @@
           <p:cNvPr id="4" name="Footer Placeholder 3">
             <a:extLst>
               <a:ext uri="{FF2B5EF4-FFF2-40B4-BE49-F238E27FC236}">
-                <a16:creationId xmlns:a16="http://schemas.microsoft.com/office/drawing/2014/main" id="{F54AC235-5133-27FC-93C5-0E928184E465}"/>
+                <a16:creationId xmlns:a16="http://schemas.microsoft.com/office/drawing/2014/main" xmlns="" id="{F54AC235-5133-27FC-93C5-0E928184E465}"/>
               </a:ext>
             </a:extLst>
           </p:cNvPr>
@@ -1994,7 +1998,7 @@
           <p:cNvPr id="5" name="Slide Number Placeholder 4">
             <a:extLst>
               <a:ext uri="{FF2B5EF4-FFF2-40B4-BE49-F238E27FC236}">
-                <a16:creationId xmlns:a16="http://schemas.microsoft.com/office/drawing/2014/main" id="{55E9208B-53E3-8821-AF1E-D60237FFF5CA}"/>
+                <a16:creationId xmlns:a16="http://schemas.microsoft.com/office/drawing/2014/main" xmlns="" id="{55E9208B-53E3-8821-AF1E-D60237FFF5CA}"/>
               </a:ext>
             </a:extLst>
           </p:cNvPr>
@@ -2053,7 +2057,7 @@
           <p:cNvPr id="2" name="Date Placeholder 1">
             <a:extLst>
               <a:ext uri="{FF2B5EF4-FFF2-40B4-BE49-F238E27FC236}">
-                <a16:creationId xmlns:a16="http://schemas.microsoft.com/office/drawing/2014/main" id="{6A3E0B53-8EF6-353D-FBA0-388384AF8C00}"/>
+                <a16:creationId xmlns:a16="http://schemas.microsoft.com/office/drawing/2014/main" xmlns="" id="{6A3E0B53-8EF6-353D-FBA0-388384AF8C00}"/>
               </a:ext>
             </a:extLst>
           </p:cNvPr>
@@ -2071,7 +2075,7 @@
           <a:p>
             <a:fld id="{CC723744-7631-45EC-9413-1AE502D85CB6}" type="datetimeFigureOut">
               <a:rPr lang="en-US" smtClean="0"/>
-              <a:t>12/19/2022</a:t>
+              <a:t>12/21/2022</a:t>
             </a:fld>
             <a:endParaRPr lang="en-US"/>
           </a:p>
@@ -2082,7 +2086,7 @@
           <p:cNvPr id="3" name="Footer Placeholder 2">
             <a:extLst>
               <a:ext uri="{FF2B5EF4-FFF2-40B4-BE49-F238E27FC236}">
-                <a16:creationId xmlns:a16="http://schemas.microsoft.com/office/drawing/2014/main" id="{0D42A1CC-AE7F-03EF-065D-AF2F33051F0F}"/>
+                <a16:creationId xmlns:a16="http://schemas.microsoft.com/office/drawing/2014/main" xmlns="" id="{0D42A1CC-AE7F-03EF-065D-AF2F33051F0F}"/>
               </a:ext>
             </a:extLst>
           </p:cNvPr>
@@ -2107,7 +2111,7 @@
           <p:cNvPr id="4" name="Slide Number Placeholder 3">
             <a:extLst>
               <a:ext uri="{FF2B5EF4-FFF2-40B4-BE49-F238E27FC236}">
-                <a16:creationId xmlns:a16="http://schemas.microsoft.com/office/drawing/2014/main" id="{49FC0077-6E69-F304-03E5-4129CDF2933E}"/>
+                <a16:creationId xmlns:a16="http://schemas.microsoft.com/office/drawing/2014/main" xmlns="" id="{49FC0077-6E69-F304-03E5-4129CDF2933E}"/>
               </a:ext>
             </a:extLst>
           </p:cNvPr>
@@ -2166,7 +2170,7 @@
           <p:cNvPr id="2" name="Title 1">
             <a:extLst>
               <a:ext uri="{FF2B5EF4-FFF2-40B4-BE49-F238E27FC236}">
-                <a16:creationId xmlns:a16="http://schemas.microsoft.com/office/drawing/2014/main" id="{C90CEA5D-6631-7135-813A-31138565330C}"/>
+                <a16:creationId xmlns:a16="http://schemas.microsoft.com/office/drawing/2014/main" xmlns="" id="{C90CEA5D-6631-7135-813A-31138565330C}"/>
               </a:ext>
             </a:extLst>
           </p:cNvPr>
@@ -2203,7 +2207,7 @@
           <p:cNvPr id="3" name="Content Placeholder 2">
             <a:extLst>
               <a:ext uri="{FF2B5EF4-FFF2-40B4-BE49-F238E27FC236}">
-                <a16:creationId xmlns:a16="http://schemas.microsoft.com/office/drawing/2014/main" id="{98FF2403-1CD2-CCD3-1BDB-7E9942D02B7D}"/>
+                <a16:creationId xmlns:a16="http://schemas.microsoft.com/office/drawing/2014/main" xmlns="" id="{98FF2403-1CD2-CCD3-1BDB-7E9942D02B7D}"/>
               </a:ext>
             </a:extLst>
           </p:cNvPr>
@@ -2293,7 +2297,7 @@
           <p:cNvPr id="4" name="Text Placeholder 3">
             <a:extLst>
               <a:ext uri="{FF2B5EF4-FFF2-40B4-BE49-F238E27FC236}">
-                <a16:creationId xmlns:a16="http://schemas.microsoft.com/office/drawing/2014/main" id="{F8A59947-03C5-1D2D-13CB-EC1E151DC989}"/>
+                <a16:creationId xmlns:a16="http://schemas.microsoft.com/office/drawing/2014/main" xmlns="" id="{F8A59947-03C5-1D2D-13CB-EC1E151DC989}"/>
               </a:ext>
             </a:extLst>
           </p:cNvPr>
@@ -2364,7 +2368,7 @@
           <p:cNvPr id="5" name="Date Placeholder 4">
             <a:extLst>
               <a:ext uri="{FF2B5EF4-FFF2-40B4-BE49-F238E27FC236}">
-                <a16:creationId xmlns:a16="http://schemas.microsoft.com/office/drawing/2014/main" id="{27660445-B618-0E02-A0A3-C5885508276A}"/>
+                <a16:creationId xmlns:a16="http://schemas.microsoft.com/office/drawing/2014/main" xmlns="" id="{27660445-B618-0E02-A0A3-C5885508276A}"/>
               </a:ext>
             </a:extLst>
           </p:cNvPr>
@@ -2382,7 +2386,7 @@
           <a:p>
             <a:fld id="{CC723744-7631-45EC-9413-1AE502D85CB6}" type="datetimeFigureOut">
               <a:rPr lang="en-US" smtClean="0"/>
-              <a:t>12/19/2022</a:t>
+              <a:t>12/21/2022</a:t>
             </a:fld>
             <a:endParaRPr lang="en-US"/>
           </a:p>
@@ -2393,7 +2397,7 @@
           <p:cNvPr id="6" name="Footer Placeholder 5">
             <a:extLst>
               <a:ext uri="{FF2B5EF4-FFF2-40B4-BE49-F238E27FC236}">
-                <a16:creationId xmlns:a16="http://schemas.microsoft.com/office/drawing/2014/main" id="{4052884B-9111-F3F7-7DF3-30A8DE2470CC}"/>
+                <a16:creationId xmlns:a16="http://schemas.microsoft.com/office/drawing/2014/main" xmlns="" id="{4052884B-9111-F3F7-7DF3-30A8DE2470CC}"/>
               </a:ext>
             </a:extLst>
           </p:cNvPr>
@@ -2418,7 +2422,7 @@
           <p:cNvPr id="7" name="Slide Number Placeholder 6">
             <a:extLst>
               <a:ext uri="{FF2B5EF4-FFF2-40B4-BE49-F238E27FC236}">
-                <a16:creationId xmlns:a16="http://schemas.microsoft.com/office/drawing/2014/main" id="{CB0570B3-4B5B-253A-D7A9-FC43B985954F}"/>
+                <a16:creationId xmlns:a16="http://schemas.microsoft.com/office/drawing/2014/main" xmlns="" id="{CB0570B3-4B5B-253A-D7A9-FC43B985954F}"/>
               </a:ext>
             </a:extLst>
           </p:cNvPr>
@@ -2477,7 +2481,7 @@
           <p:cNvPr id="2" name="Title 1">
             <a:extLst>
               <a:ext uri="{FF2B5EF4-FFF2-40B4-BE49-F238E27FC236}">
-                <a16:creationId xmlns:a16="http://schemas.microsoft.com/office/drawing/2014/main" id="{5B4C1B6D-A7FD-4D63-02EE-09D41DA222A2}"/>
+                <a16:creationId xmlns:a16="http://schemas.microsoft.com/office/drawing/2014/main" xmlns="" id="{5B4C1B6D-A7FD-4D63-02EE-09D41DA222A2}"/>
               </a:ext>
             </a:extLst>
           </p:cNvPr>
@@ -2514,7 +2518,7 @@
           <p:cNvPr id="3" name="Picture Placeholder 2">
             <a:extLst>
               <a:ext uri="{FF2B5EF4-FFF2-40B4-BE49-F238E27FC236}">
-                <a16:creationId xmlns:a16="http://schemas.microsoft.com/office/drawing/2014/main" id="{8F604FD7-0D4D-87E3-0F52-1E9BE5F97436}"/>
+                <a16:creationId xmlns:a16="http://schemas.microsoft.com/office/drawing/2014/main" xmlns="" id="{8F604FD7-0D4D-87E3-0F52-1E9BE5F97436}"/>
               </a:ext>
             </a:extLst>
           </p:cNvPr>
@@ -2581,7 +2585,7 @@
           <p:cNvPr id="4" name="Text Placeholder 3">
             <a:extLst>
               <a:ext uri="{FF2B5EF4-FFF2-40B4-BE49-F238E27FC236}">
-                <a16:creationId xmlns:a16="http://schemas.microsoft.com/office/drawing/2014/main" id="{6EC1A05E-F8A8-012D-8C12-A6AB49E3AA57}"/>
+                <a16:creationId xmlns:a16="http://schemas.microsoft.com/office/drawing/2014/main" xmlns="" id="{6EC1A05E-F8A8-012D-8C12-A6AB49E3AA57}"/>
               </a:ext>
             </a:extLst>
           </p:cNvPr>
@@ -2652,7 +2656,7 @@
           <p:cNvPr id="5" name="Date Placeholder 4">
             <a:extLst>
               <a:ext uri="{FF2B5EF4-FFF2-40B4-BE49-F238E27FC236}">
-                <a16:creationId xmlns:a16="http://schemas.microsoft.com/office/drawing/2014/main" id="{4882D62F-9FFB-0741-D493-E84E7D3164B8}"/>
+                <a16:creationId xmlns:a16="http://schemas.microsoft.com/office/drawing/2014/main" xmlns="" id="{4882D62F-9FFB-0741-D493-E84E7D3164B8}"/>
               </a:ext>
             </a:extLst>
           </p:cNvPr>
@@ -2670,7 +2674,7 @@
           <a:p>
             <a:fld id="{CC723744-7631-45EC-9413-1AE502D85CB6}" type="datetimeFigureOut">
               <a:rPr lang="en-US" smtClean="0"/>
-              <a:t>12/19/2022</a:t>
+              <a:t>12/21/2022</a:t>
             </a:fld>
             <a:endParaRPr lang="en-US"/>
           </a:p>
@@ -2681,7 +2685,7 @@
           <p:cNvPr id="6" name="Footer Placeholder 5">
             <a:extLst>
               <a:ext uri="{FF2B5EF4-FFF2-40B4-BE49-F238E27FC236}">
-                <a16:creationId xmlns:a16="http://schemas.microsoft.com/office/drawing/2014/main" id="{9B73645A-2100-BBAF-5BB0-A1B1FDB94382}"/>
+                <a16:creationId xmlns:a16="http://schemas.microsoft.com/office/drawing/2014/main" xmlns="" id="{9B73645A-2100-BBAF-5BB0-A1B1FDB94382}"/>
               </a:ext>
             </a:extLst>
           </p:cNvPr>
@@ -2706,7 +2710,7 @@
           <p:cNvPr id="7" name="Slide Number Placeholder 6">
             <a:extLst>
               <a:ext uri="{FF2B5EF4-FFF2-40B4-BE49-F238E27FC236}">
-                <a16:creationId xmlns:a16="http://schemas.microsoft.com/office/drawing/2014/main" id="{A096F40B-F5A5-2BA7-22FF-10E2AB9F80EB}"/>
+                <a16:creationId xmlns:a16="http://schemas.microsoft.com/office/drawing/2014/main" xmlns="" id="{A096F40B-F5A5-2BA7-22FF-10E2AB9F80EB}"/>
               </a:ext>
             </a:extLst>
           </p:cNvPr>
@@ -2770,7 +2774,7 @@
           <p:cNvPr id="2" name="Title Placeholder 1">
             <a:extLst>
               <a:ext uri="{FF2B5EF4-FFF2-40B4-BE49-F238E27FC236}">
-                <a16:creationId xmlns:a16="http://schemas.microsoft.com/office/drawing/2014/main" id="{0FC70D25-C3F3-8F59-35C8-00312F5266CB}"/>
+                <a16:creationId xmlns:a16="http://schemas.microsoft.com/office/drawing/2014/main" xmlns="" id="{0FC70D25-C3F3-8F59-35C8-00312F5266CB}"/>
               </a:ext>
             </a:extLst>
           </p:cNvPr>
@@ -2808,7 +2812,7 @@
           <p:cNvPr id="3" name="Text Placeholder 2">
             <a:extLst>
               <a:ext uri="{FF2B5EF4-FFF2-40B4-BE49-F238E27FC236}">
-                <a16:creationId xmlns:a16="http://schemas.microsoft.com/office/drawing/2014/main" id="{9E994A6B-D34D-8E01-EE9B-BA3781420FCB}"/>
+                <a16:creationId xmlns:a16="http://schemas.microsoft.com/office/drawing/2014/main" xmlns="" id="{9E994A6B-D34D-8E01-EE9B-BA3781420FCB}"/>
               </a:ext>
             </a:extLst>
           </p:cNvPr>
@@ -2875,7 +2879,7 @@
           <p:cNvPr id="4" name="Date Placeholder 3">
             <a:extLst>
               <a:ext uri="{FF2B5EF4-FFF2-40B4-BE49-F238E27FC236}">
-                <a16:creationId xmlns:a16="http://schemas.microsoft.com/office/drawing/2014/main" id="{C9BD5823-83D1-0F27-3E44-8712825C4E17}"/>
+                <a16:creationId xmlns:a16="http://schemas.microsoft.com/office/drawing/2014/main" xmlns="" id="{C9BD5823-83D1-0F27-3E44-8712825C4E17}"/>
               </a:ext>
             </a:extLst>
           </p:cNvPr>
@@ -2911,7 +2915,7 @@
           <a:p>
             <a:fld id="{CC723744-7631-45EC-9413-1AE502D85CB6}" type="datetimeFigureOut">
               <a:rPr lang="en-US" smtClean="0"/>
-              <a:t>12/19/2022</a:t>
+              <a:t>12/21/2022</a:t>
             </a:fld>
             <a:endParaRPr lang="en-US"/>
           </a:p>
@@ -2922,7 +2926,7 @@
           <p:cNvPr id="5" name="Footer Placeholder 4">
             <a:extLst>
               <a:ext uri="{FF2B5EF4-FFF2-40B4-BE49-F238E27FC236}">
-                <a16:creationId xmlns:a16="http://schemas.microsoft.com/office/drawing/2014/main" id="{3D8FC6C2-1F4F-5233-E2C2-53ECF9AFF1C8}"/>
+                <a16:creationId xmlns:a16="http://schemas.microsoft.com/office/drawing/2014/main" xmlns="" id="{3D8FC6C2-1F4F-5233-E2C2-53ECF9AFF1C8}"/>
               </a:ext>
             </a:extLst>
           </p:cNvPr>
@@ -2965,7 +2969,7 @@
           <p:cNvPr id="6" name="Slide Number Placeholder 5">
             <a:extLst>
               <a:ext uri="{FF2B5EF4-FFF2-40B4-BE49-F238E27FC236}">
-                <a16:creationId xmlns:a16="http://schemas.microsoft.com/office/drawing/2014/main" id="{41522096-6DD3-2F10-AAA8-EC0CE442F7FC}"/>
+                <a16:creationId xmlns:a16="http://schemas.microsoft.com/office/drawing/2014/main" xmlns="" id="{41522096-6DD3-2F10-AAA8-EC0CE442F7FC}"/>
               </a:ext>
             </a:extLst>
           </p:cNvPr>
@@ -3333,7 +3337,7 @@
           <p:cNvPr id="2" name="Title 1">
             <a:extLst>
               <a:ext uri="{FF2B5EF4-FFF2-40B4-BE49-F238E27FC236}">
-                <a16:creationId xmlns:a16="http://schemas.microsoft.com/office/drawing/2014/main" id="{69E4034B-AAE5-434C-4F17-E5CBB3875D63}"/>
+                <a16:creationId xmlns:a16="http://schemas.microsoft.com/office/drawing/2014/main" xmlns="" id="{69E4034B-AAE5-434C-4F17-E5CBB3875D63}"/>
               </a:ext>
             </a:extLst>
           </p:cNvPr>
@@ -3361,7 +3365,7 @@
           <p:cNvPr id="3" name="Subtitle 2">
             <a:extLst>
               <a:ext uri="{FF2B5EF4-FFF2-40B4-BE49-F238E27FC236}">
-                <a16:creationId xmlns:a16="http://schemas.microsoft.com/office/drawing/2014/main" id="{C4954345-570C-863D-0318-9401BFA3F94A}"/>
+                <a16:creationId xmlns:a16="http://schemas.microsoft.com/office/drawing/2014/main" xmlns="" id="{C4954345-570C-863D-0318-9401BFA3F94A}"/>
               </a:ext>
             </a:extLst>
           </p:cNvPr>
@@ -3416,7 +3420,7 @@
           <p:cNvPr id="2" name="Title 1">
             <a:extLst>
               <a:ext uri="{FF2B5EF4-FFF2-40B4-BE49-F238E27FC236}">
-                <a16:creationId xmlns:a16="http://schemas.microsoft.com/office/drawing/2014/main" id="{EBC8FE42-5B69-3646-4465-CA90DA560DE6}"/>
+                <a16:creationId xmlns:a16="http://schemas.microsoft.com/office/drawing/2014/main" xmlns="" id="{EBC8FE42-5B69-3646-4465-CA90DA560DE6}"/>
               </a:ext>
             </a:extLst>
           </p:cNvPr>
@@ -3433,9 +3437,10 @@
           <a:lstStyle/>
           <a:p>
             <a:r>
-              <a:rPr lang="en-US" dirty="0"/>
-              <a:t>Initial Wire Position</a:t>
-            </a:r>
+              <a:rPr lang="en-US" dirty="0" smtClean="0"/>
+              <a:t>Wire Position 1</a:t>
+            </a:r>
+            <a:endParaRPr lang="en-US" dirty="0"/>
           </a:p>
         </p:txBody>
       </p:sp>
@@ -3444,7 +3449,7 @@
           <p:cNvPr id="3" name="Content Placeholder 2">
             <a:extLst>
               <a:ext uri="{FF2B5EF4-FFF2-40B4-BE49-F238E27FC236}">
-                <a16:creationId xmlns:a16="http://schemas.microsoft.com/office/drawing/2014/main" id="{CA83AA07-1277-6384-211A-45877720C484}"/>
+                <a16:creationId xmlns:a16="http://schemas.microsoft.com/office/drawing/2014/main" xmlns="" id="{CA83AA07-1277-6384-211A-45877720C484}"/>
               </a:ext>
             </a:extLst>
           </p:cNvPr>
@@ -3458,7 +3463,7 @@
         <p:spPr/>
         <p:txBody>
           <a:bodyPr>
-            <a:normAutofit lnSpcReduction="10000"/>
+            <a:normAutofit/>
           </a:bodyPr>
           <a:lstStyle/>
           <a:p>
@@ -3468,12 +3473,14 @@
             </a:r>
           </a:p>
           <a:p>
+            <a:pPr lvl="1"/>
             <a:r>
               <a:rPr lang="en-US" dirty="0"/>
               <a:t>X1,y1 = (12, 18)</a:t>
             </a:r>
           </a:p>
           <a:p>
+            <a:pPr lvl="1"/>
             <a:r>
               <a:rPr lang="en-US" dirty="0"/>
               <a:t>X2, y2 = (11, 12)</a:t>
@@ -3481,8 +3488,12 @@
           </a:p>
           <a:p>
             <a:r>
+              <a:rPr lang="en-US" dirty="0" smtClean="0"/>
+              <a:t>Use </a:t>
+            </a:r>
+            <a:r>
               <a:rPr lang="en-US" dirty="0"/>
-              <a:t>We will use “</a:t>
+              <a:t>“</a:t>
             </a:r>
             <a:r>
               <a:rPr lang="en-US" dirty="0" err="1"/>
@@ -3514,14 +3525,23 @@
             </a:r>
             <a:r>
               <a:rPr lang="en-US" dirty="0"/>
-              <a:t>” scans to measure magnetic axis along the undulator.</a:t>
-            </a:r>
-          </a:p>
-          <a:p>
-            <a:r>
-              <a:rPr lang="en-US" dirty="0"/>
-              <a:t>Because the linear region of the laser/photodiode pair can be small, we take measurements of the velocity (guaranteed flat signal) to calibrate mean signal (mV) vs Amplitude. This makes the ideal operating mV scope reading clear. </a:t>
-            </a:r>
+              <a:t>” </a:t>
+            </a:r>
+            <a:r>
+              <a:rPr lang="en-US" dirty="0" err="1" smtClean="0"/>
+              <a:t>wirescans</a:t>
+            </a:r>
+            <a:r>
+              <a:rPr lang="en-US" dirty="0" smtClean="0"/>
+              <a:t> to measure magnetic axis along undulator</a:t>
+            </a:r>
+          </a:p>
+          <a:p>
+            <a:r>
+              <a:rPr lang="en-US" dirty="0" smtClean="0"/>
+              <a:t>Use velocity signal (flat) to calibration amplitude vs voltage.</a:t>
+            </a:r>
+            <a:endParaRPr lang="en-US" dirty="0"/>
           </a:p>
         </p:txBody>
       </p:sp>
@@ -3557,13 +3577,7 @@
       </p:grpSpPr>
       <p:sp>
         <p:nvSpPr>
-          <p:cNvPr id="2" name="Title 1">
-            <a:extLst>
-              <a:ext uri="{FF2B5EF4-FFF2-40B4-BE49-F238E27FC236}">
-                <a16:creationId xmlns:a16="http://schemas.microsoft.com/office/drawing/2014/main" id="{80D8FB11-E7EC-4570-85E3-3D9D77794551}"/>
-              </a:ext>
-            </a:extLst>
-          </p:cNvPr>
+          <p:cNvPr id="2" name="Title 1"/>
           <p:cNvSpPr>
             <a:spLocks noGrp="1"/>
           </p:cNvSpPr>
@@ -3577,16 +3591,8 @@
           <a:lstStyle/>
           <a:p>
             <a:r>
-              <a:rPr lang="en-US" dirty="0" err="1"/>
-              <a:t>Xtraj</a:t>
-            </a:r>
-            <a:r>
-              <a:rPr lang="en-US" dirty="0"/>
-              <a:t> vs </a:t>
-            </a:r>
-            <a:r>
-              <a:rPr lang="en-US" dirty="0" err="1"/>
-              <a:t>Yoffset</a:t>
+              <a:rPr lang="en-US" dirty="0" smtClean="0"/>
+              <a:t>Calibration</a:t>
             </a:r>
             <a:endParaRPr lang="en-US" dirty="0"/>
           </a:p>
@@ -3594,13 +3600,7 @@
       </p:sp>
       <p:sp>
         <p:nvSpPr>
-          <p:cNvPr id="3" name="Content Placeholder 2">
-            <a:extLst>
-              <a:ext uri="{FF2B5EF4-FFF2-40B4-BE49-F238E27FC236}">
-                <a16:creationId xmlns:a16="http://schemas.microsoft.com/office/drawing/2014/main" id="{9D2872F6-FEEE-7854-2BAD-A14CD4EA438D}"/>
-              </a:ext>
-            </a:extLst>
-          </p:cNvPr>
+          <p:cNvPr id="3" name="Content Placeholder 2"/>
           <p:cNvSpPr>
             <a:spLocks noGrp="1"/>
           </p:cNvSpPr>
@@ -3611,7 +3611,7 @@
         <p:spPr>
           <a:xfrm>
             <a:off x="838200" y="1825625"/>
-            <a:ext cx="6788004" cy="3846513"/>
+            <a:ext cx="5113421" cy="3965575"/>
           </a:xfrm>
         </p:spPr>
         <p:txBody>
@@ -3619,68 +3619,1144 @@
           <a:lstStyle/>
           <a:p>
             <a:r>
-              <a:rPr lang="en-US" dirty="0" err="1"/>
-              <a:t>Create_laser_calibration_curve</a:t>
-            </a:r>
-            <a:r>
-              <a:rPr lang="en-US" dirty="0"/>
-              <a:t> computes the aggregate voltage and amplitude for a given number of trajectory (flat) signals.</a:t>
-            </a:r>
-          </a:p>
-          <a:p>
-            <a:pPr lvl="1"/>
-            <a:r>
-              <a:rPr lang="en-US" dirty="0"/>
-              <a:t>It is clear to see the nonlinearity of the “linear” region due to diffraction.</a:t>
-            </a:r>
-          </a:p>
-          <a:p>
-            <a:pPr lvl="1"/>
-            <a:r>
-              <a:rPr lang="en-US" dirty="0"/>
-              <a:t>A polynomial fit can be used as a correction for trajectory measurements.</a:t>
-            </a:r>
-          </a:p>
-          <a:p>
-            <a:pPr lvl="1"/>
+              <a:rPr lang="en-US" dirty="0" smtClean="0"/>
+              <a:t>Non-flat trajectories will sample voltages outside the linear region.</a:t>
+            </a:r>
+          </a:p>
+          <a:p>
+            <a:r>
+              <a:rPr lang="en-US" dirty="0" smtClean="0"/>
+              <a:t>Calibration curve allows us to correct for this error afterwards. </a:t>
+            </a:r>
+          </a:p>
+          <a:p>
+            <a:r>
+              <a:rPr lang="en-US" dirty="0" smtClean="0"/>
+              <a:t>Error in calibration data is &lt;0.5%</a:t>
+            </a:r>
             <a:endParaRPr lang="en-US" dirty="0"/>
           </a:p>
         </p:txBody>
       </p:sp>
       <p:pic>
         <p:nvPicPr>
-          <p:cNvPr id="5" name="Picture 4">
-            <a:extLst>
-              <a:ext uri="{FF2B5EF4-FFF2-40B4-BE49-F238E27FC236}">
-                <a16:creationId xmlns:a16="http://schemas.microsoft.com/office/drawing/2014/main" id="{5E33A1AE-6EBE-4E99-0611-562CAF3FF37F}"/>
-              </a:ext>
-            </a:extLst>
-          </p:cNvPr>
+          <p:cNvPr id="1026" name="Picture 2"/>
           <p:cNvPicPr>
-            <a:picLocks noChangeAspect="1"/>
+            <a:picLocks noChangeAspect="1" noChangeArrowheads="1"/>
           </p:cNvPicPr>
           <p:nvPr/>
         </p:nvPicPr>
         <p:blipFill>
-          <a:blip r:embed="rId2"/>
+          <a:blip r:embed="rId2">
+            <a:extLst>
+              <a:ext uri="{28A0092B-C50C-407E-A947-70E740481C1C}">
+                <a14:useLocalDpi xmlns:a14="http://schemas.microsoft.com/office/drawing/2010/main" val="0"/>
+              </a:ext>
+            </a:extLst>
+          </a:blip>
+          <a:srcRect/>
           <a:stretch>
             <a:fillRect/>
           </a:stretch>
         </p:blipFill>
-        <p:spPr>
+        <p:spPr bwMode="auto">
           <a:xfrm>
-            <a:off x="7626204" y="1452534"/>
-            <a:ext cx="4189559" cy="3009929"/>
+            <a:off x="6096000" y="1528512"/>
+            <a:ext cx="5857875" cy="4362450"/>
           </a:xfrm>
           <a:prstGeom prst="rect">
             <a:avLst/>
           </a:prstGeom>
+          <a:noFill/>
+          <a:ln>
+            <a:noFill/>
+          </a:ln>
+          <a:extLst>
+            <a:ext uri="{909E8E84-426E-40DD-AFC4-6F175D3DCCD1}">
+              <a14:hiddenFill xmlns:a14="http://schemas.microsoft.com/office/drawing/2010/main">
+                <a:solidFill>
+                  <a:schemeClr val="accent1"/>
+                </a:solidFill>
+              </a14:hiddenFill>
+            </a:ext>
+            <a:ext uri="{91240B29-F687-4F45-9708-019B960494DF}">
+              <a14:hiddenLine xmlns:a14="http://schemas.microsoft.com/office/drawing/2010/main" w="9525">
+                <a:solidFill>
+                  <a:schemeClr val="tx1"/>
+                </a:solidFill>
+                <a:miter lim="800000"/>
+                <a:headEnd/>
+                <a:tailEnd/>
+              </a14:hiddenLine>
+            </a:ext>
+          </a:extLst>
+        </p:spPr>
+      </p:pic>
+    </p:spTree>
+    <p:extLst>
+      <p:ext uri="{BB962C8B-B14F-4D97-AF65-F5344CB8AC3E}">
+        <p14:creationId xmlns:p14="http://schemas.microsoft.com/office/powerpoint/2010/main" val="2542769477"/>
+      </p:ext>
+    </p:extLst>
+  </p:cSld>
+  <p:clrMapOvr>
+    <a:masterClrMapping/>
+  </p:clrMapOvr>
+</p:sld>
+</file>
+
+<file path=ppt/slides/slide4.xml><?xml version="1.0" encoding="utf-8"?>
+<p:sld xmlns:a="http://schemas.openxmlformats.org/drawingml/2006/main" xmlns:r="http://schemas.openxmlformats.org/officeDocument/2006/relationships" xmlns:p="http://schemas.openxmlformats.org/presentationml/2006/main">
+  <p:cSld>
+    <p:spTree>
+      <p:nvGrpSpPr>
+        <p:cNvPr id="1" name=""/>
+        <p:cNvGrpSpPr/>
+        <p:nvPr/>
+      </p:nvGrpSpPr>
+      <p:grpSpPr>
+        <a:xfrm>
+          <a:off x="0" y="0"/>
+          <a:ext cx="0" cy="0"/>
+          <a:chOff x="0" y="0"/>
+          <a:chExt cx="0" cy="0"/>
+        </a:xfrm>
+      </p:grpSpPr>
+      <p:sp>
+        <p:nvSpPr>
+          <p:cNvPr id="2" name="Title 1"/>
+          <p:cNvSpPr>
+            <a:spLocks noGrp="1"/>
+          </p:cNvSpPr>
+          <p:nvPr>
+            <p:ph type="title"/>
+          </p:nvPr>
+        </p:nvSpPr>
+        <p:spPr/>
+        <p:txBody>
+          <a:bodyPr/>
+          <a:lstStyle/>
+          <a:p>
+            <a:r>
+              <a:rPr lang="en-US" dirty="0" smtClean="0"/>
+              <a:t>Frequency </a:t>
+            </a:r>
+            <a:r>
+              <a:rPr lang="en-US" dirty="0" err="1" smtClean="0"/>
+              <a:t>Lowpass</a:t>
+            </a:r>
+            <a:r>
+              <a:rPr lang="en-US" dirty="0" smtClean="0"/>
+              <a:t> Filter</a:t>
+            </a:r>
+            <a:endParaRPr lang="en-US" dirty="0"/>
+          </a:p>
+        </p:txBody>
+      </p:sp>
+      <p:sp>
+        <p:nvSpPr>
+          <p:cNvPr id="3" name="Content Placeholder 2"/>
+          <p:cNvSpPr>
+            <a:spLocks noGrp="1"/>
+          </p:cNvSpPr>
+          <p:nvPr>
+            <p:ph idx="1"/>
+          </p:nvPr>
+        </p:nvSpPr>
+        <p:spPr/>
+        <p:txBody>
+          <a:bodyPr/>
+          <a:lstStyle/>
+          <a:p>
+            <a:r>
+              <a:rPr lang="en-US" dirty="0" smtClean="0"/>
+              <a:t>One laser/photodiode pair has a very large signature at 50kHz. </a:t>
+            </a:r>
+          </a:p>
+          <a:p>
+            <a:r>
+              <a:rPr lang="en-US" dirty="0" smtClean="0"/>
+              <a:t>I have implemented a low pass filter where frequencies above a specified cutoff are set to zero amplitude.</a:t>
+            </a:r>
+          </a:p>
+          <a:p>
+            <a:r>
+              <a:rPr lang="en-US" dirty="0" smtClean="0"/>
+              <a:t>This introduces noise near the edges of the signal </a:t>
+            </a:r>
+          </a:p>
+          <a:p>
+            <a:pPr lvl="1"/>
+            <a:r>
+              <a:rPr lang="en-US" dirty="0" smtClean="0"/>
+              <a:t>1-2 percent of full window</a:t>
+            </a:r>
+          </a:p>
+          <a:p>
+            <a:pPr lvl="1"/>
+            <a:r>
+              <a:rPr lang="en-US" dirty="0" smtClean="0"/>
+              <a:t>Doesn’t affect measurement in the middle.</a:t>
+            </a:r>
+          </a:p>
+        </p:txBody>
+      </p:sp>
+    </p:spTree>
+    <p:extLst>
+      <p:ext uri="{BB962C8B-B14F-4D97-AF65-F5344CB8AC3E}">
+        <p14:creationId xmlns:p14="http://schemas.microsoft.com/office/powerpoint/2010/main" val="919049950"/>
+      </p:ext>
+    </p:extLst>
+  </p:cSld>
+  <p:clrMapOvr>
+    <a:masterClrMapping/>
+  </p:clrMapOvr>
+</p:sld>
+</file>
+
+<file path=ppt/slides/slide5.xml><?xml version="1.0" encoding="utf-8"?>
+<p:sld xmlns:a="http://schemas.openxmlformats.org/drawingml/2006/main" xmlns:r="http://schemas.openxmlformats.org/officeDocument/2006/relationships" xmlns:p="http://schemas.openxmlformats.org/presentationml/2006/main">
+  <p:cSld>
+    <p:spTree>
+      <p:nvGrpSpPr>
+        <p:cNvPr id="1" name=""/>
+        <p:cNvGrpSpPr/>
+        <p:nvPr/>
+      </p:nvGrpSpPr>
+      <p:grpSpPr>
+        <a:xfrm>
+          <a:off x="0" y="0"/>
+          <a:ext cx="0" cy="0"/>
+          <a:chOff x="0" y="0"/>
+          <a:chExt cx="0" cy="0"/>
+        </a:xfrm>
+      </p:grpSpPr>
+      <p:sp>
+        <p:nvSpPr>
+          <p:cNvPr id="2" name="Title 1">
+            <a:extLst>
+              <a:ext uri="{FF2B5EF4-FFF2-40B4-BE49-F238E27FC236}">
+                <a16:creationId xmlns:a16="http://schemas.microsoft.com/office/drawing/2014/main" xmlns="" id="{80D8FB11-E7EC-4570-85E3-3D9D77794551}"/>
+              </a:ext>
+            </a:extLst>
+          </p:cNvPr>
+          <p:cNvSpPr>
+            <a:spLocks noGrp="1"/>
+          </p:cNvSpPr>
+          <p:nvPr>
+            <p:ph type="title"/>
+          </p:nvPr>
+        </p:nvSpPr>
+        <p:spPr/>
+        <p:txBody>
+          <a:bodyPr/>
+          <a:lstStyle/>
+          <a:p>
+            <a:r>
+              <a:rPr lang="en-US" dirty="0" smtClean="0"/>
+              <a:t>Dec 19: </a:t>
+            </a:r>
+            <a:r>
+              <a:rPr lang="en-US" dirty="0" err="1" smtClean="0"/>
+              <a:t>Xtraj</a:t>
+            </a:r>
+            <a:r>
+              <a:rPr lang="en-US" dirty="0" smtClean="0"/>
+              <a:t> vs </a:t>
+            </a:r>
+            <a:r>
+              <a:rPr lang="en-US" dirty="0" err="1" smtClean="0"/>
+              <a:t>Yoffset</a:t>
+            </a:r>
+            <a:endParaRPr lang="en-US" dirty="0"/>
+          </a:p>
+        </p:txBody>
+      </p:sp>
+      <p:sp>
+        <p:nvSpPr>
+          <p:cNvPr id="3" name="Content Placeholder 2">
+            <a:extLst>
+              <a:ext uri="{FF2B5EF4-FFF2-40B4-BE49-F238E27FC236}">
+                <a16:creationId xmlns:a16="http://schemas.microsoft.com/office/drawing/2014/main" xmlns="" id="{9D2872F6-FEEE-7854-2BAD-A14CD4EA438D}"/>
+              </a:ext>
+            </a:extLst>
+          </p:cNvPr>
+          <p:cNvSpPr>
+            <a:spLocks noGrp="1"/>
+          </p:cNvSpPr>
+          <p:nvPr>
+            <p:ph idx="1"/>
+          </p:nvPr>
+        </p:nvSpPr>
+        <p:spPr>
+          <a:xfrm>
+            <a:off x="838200" y="1825626"/>
+            <a:ext cx="6100011" cy="2802522"/>
+          </a:xfrm>
+        </p:spPr>
+        <p:txBody>
+          <a:bodyPr>
+            <a:normAutofit fontScale="92500" lnSpcReduction="20000"/>
+          </a:bodyPr>
+          <a:lstStyle/>
+          <a:p>
+            <a:r>
+              <a:rPr lang="en-US" dirty="0" smtClean="0"/>
+              <a:t>First 5 peak concavities look very nice!</a:t>
+            </a:r>
+          </a:p>
+          <a:p>
+            <a:r>
+              <a:rPr lang="en-US" dirty="0" smtClean="0"/>
+              <a:t>Graph shows magnetic axis along undulator with color showing the error in quadratic fit.</a:t>
+            </a:r>
+          </a:p>
+          <a:p>
+            <a:pPr lvl="1"/>
+            <a:r>
+              <a:rPr lang="en-US" dirty="0" smtClean="0"/>
+              <a:t>Fit with line, weights given by 1/</a:t>
+            </a:r>
+            <a:r>
+              <a:rPr lang="en-US" dirty="0" err="1" smtClean="0"/>
+              <a:t>rmse</a:t>
+            </a:r>
+            <a:r>
+              <a:rPr lang="en-US" dirty="0" smtClean="0"/>
+              <a:t> </a:t>
+            </a:r>
+          </a:p>
+          <a:p>
+            <a:r>
+              <a:rPr lang="en-US" dirty="0"/>
+              <a:t>Suggested wire adjustment:</a:t>
+            </a:r>
+          </a:p>
+          <a:p>
+            <a:pPr lvl="1"/>
+            <a:r>
+              <a:rPr lang="en-US" dirty="0" smtClean="0"/>
+              <a:t>yP1 </a:t>
+            </a:r>
+            <a:r>
+              <a:rPr lang="en-US" dirty="0"/>
+              <a:t>= </a:t>
+            </a:r>
+            <a:r>
+              <a:rPr lang="en-US" dirty="0" smtClean="0"/>
+              <a:t>470um</a:t>
+            </a:r>
+            <a:endParaRPr lang="en-US" dirty="0"/>
+          </a:p>
+          <a:p>
+            <a:pPr lvl="1"/>
+            <a:r>
+              <a:rPr lang="en-US" dirty="0" smtClean="0"/>
+              <a:t>yP2 </a:t>
+            </a:r>
+            <a:r>
+              <a:rPr lang="en-US" dirty="0"/>
+              <a:t>= </a:t>
+            </a:r>
+            <a:r>
+              <a:rPr lang="en-US" dirty="0" smtClean="0"/>
+              <a:t>100um</a:t>
+            </a:r>
+            <a:endParaRPr lang="en-US" dirty="0"/>
+          </a:p>
+          <a:p>
+            <a:pPr lvl="2"/>
+            <a:endParaRPr lang="en-US" dirty="0" smtClean="0"/>
+          </a:p>
+          <a:p>
+            <a:pPr lvl="1"/>
+            <a:endParaRPr lang="en-US" dirty="0" smtClean="0"/>
+          </a:p>
+        </p:txBody>
+      </p:sp>
+      <p:pic>
+        <p:nvPicPr>
+          <p:cNvPr id="2050" name="Picture 2"/>
+          <p:cNvPicPr>
+            <a:picLocks noChangeAspect="1" noChangeArrowheads="1"/>
+          </p:cNvPicPr>
+          <p:nvPr/>
+        </p:nvPicPr>
+        <p:blipFill>
+          <a:blip r:embed="rId2">
+            <a:extLst>
+              <a:ext uri="{28A0092B-C50C-407E-A947-70E740481C1C}">
+                <a14:useLocalDpi xmlns:a14="http://schemas.microsoft.com/office/drawing/2010/main" val="0"/>
+              </a:ext>
+            </a:extLst>
+          </a:blip>
+          <a:srcRect/>
+          <a:stretch>
+            <a:fillRect/>
+          </a:stretch>
+        </p:blipFill>
+        <p:spPr bwMode="auto">
+          <a:xfrm>
+            <a:off x="4749108" y="4004009"/>
+            <a:ext cx="3853346" cy="2786564"/>
+          </a:xfrm>
+          <a:prstGeom prst="rect">
+            <a:avLst/>
+          </a:prstGeom>
+          <a:noFill/>
+          <a:ln>
+            <a:noFill/>
+          </a:ln>
+          <a:extLst>
+            <a:ext uri="{909E8E84-426E-40DD-AFC4-6F175D3DCCD1}">
+              <a14:hiddenFill xmlns:a14="http://schemas.microsoft.com/office/drawing/2010/main">
+                <a:solidFill>
+                  <a:schemeClr val="accent1"/>
+                </a:solidFill>
+              </a14:hiddenFill>
+            </a:ext>
+            <a:ext uri="{91240B29-F687-4F45-9708-019B960494DF}">
+              <a14:hiddenLine xmlns:a14="http://schemas.microsoft.com/office/drawing/2010/main" w="9525">
+                <a:solidFill>
+                  <a:schemeClr val="tx1"/>
+                </a:solidFill>
+                <a:miter lim="800000"/>
+                <a:headEnd/>
+                <a:tailEnd/>
+              </a14:hiddenLine>
+            </a:ext>
+          </a:extLst>
+        </p:spPr>
+      </p:pic>
+      <p:pic>
+        <p:nvPicPr>
+          <p:cNvPr id="2051" name="Picture 3"/>
+          <p:cNvPicPr>
+            <a:picLocks noChangeAspect="1" noChangeArrowheads="1"/>
+          </p:cNvPicPr>
+          <p:nvPr/>
+        </p:nvPicPr>
+        <p:blipFill>
+          <a:blip r:embed="rId3">
+            <a:extLst>
+              <a:ext uri="{28A0092B-C50C-407E-A947-70E740481C1C}">
+                <a14:useLocalDpi xmlns:a14="http://schemas.microsoft.com/office/drawing/2010/main" val="0"/>
+              </a:ext>
+            </a:extLst>
+          </a:blip>
+          <a:srcRect/>
+          <a:stretch>
+            <a:fillRect/>
+          </a:stretch>
+        </p:blipFill>
+        <p:spPr bwMode="auto">
+          <a:xfrm>
+            <a:off x="8825049" y="1"/>
+            <a:ext cx="2997983" cy="2181726"/>
+          </a:xfrm>
+          <a:prstGeom prst="rect">
+            <a:avLst/>
+          </a:prstGeom>
+          <a:noFill/>
+          <a:ln>
+            <a:noFill/>
+          </a:ln>
+          <a:extLst>
+            <a:ext uri="{909E8E84-426E-40DD-AFC4-6F175D3DCCD1}">
+              <a14:hiddenFill xmlns:a14="http://schemas.microsoft.com/office/drawing/2010/main">
+                <a:solidFill>
+                  <a:schemeClr val="accent1"/>
+                </a:solidFill>
+              </a14:hiddenFill>
+            </a:ext>
+            <a:ext uri="{91240B29-F687-4F45-9708-019B960494DF}">
+              <a14:hiddenLine xmlns:a14="http://schemas.microsoft.com/office/drawing/2010/main" w="9525">
+                <a:solidFill>
+                  <a:schemeClr val="tx1"/>
+                </a:solidFill>
+                <a:miter lim="800000"/>
+                <a:headEnd/>
+                <a:tailEnd/>
+              </a14:hiddenLine>
+            </a:ext>
+          </a:extLst>
+        </p:spPr>
+      </p:pic>
+      <p:pic>
+        <p:nvPicPr>
+          <p:cNvPr id="2052" name="Picture 4"/>
+          <p:cNvPicPr>
+            <a:picLocks noChangeAspect="1" noChangeArrowheads="1"/>
+          </p:cNvPicPr>
+          <p:nvPr/>
+        </p:nvPicPr>
+        <p:blipFill>
+          <a:blip r:embed="rId4">
+            <a:extLst>
+              <a:ext uri="{28A0092B-C50C-407E-A947-70E740481C1C}">
+                <a14:useLocalDpi xmlns:a14="http://schemas.microsoft.com/office/drawing/2010/main" val="0"/>
+              </a:ext>
+            </a:extLst>
+          </a:blip>
+          <a:srcRect/>
+          <a:stretch>
+            <a:fillRect/>
+          </a:stretch>
+        </p:blipFill>
+        <p:spPr bwMode="auto">
+          <a:xfrm>
+            <a:off x="8903444" y="2181727"/>
+            <a:ext cx="2919588" cy="2117557"/>
+          </a:xfrm>
+          <a:prstGeom prst="rect">
+            <a:avLst/>
+          </a:prstGeom>
+          <a:noFill/>
+          <a:ln>
+            <a:noFill/>
+          </a:ln>
+          <a:extLst>
+            <a:ext uri="{909E8E84-426E-40DD-AFC4-6F175D3DCCD1}">
+              <a14:hiddenFill xmlns:a14="http://schemas.microsoft.com/office/drawing/2010/main">
+                <a:solidFill>
+                  <a:schemeClr val="accent1"/>
+                </a:solidFill>
+              </a14:hiddenFill>
+            </a:ext>
+            <a:ext uri="{91240B29-F687-4F45-9708-019B960494DF}">
+              <a14:hiddenLine xmlns:a14="http://schemas.microsoft.com/office/drawing/2010/main" w="9525">
+                <a:solidFill>
+                  <a:schemeClr val="tx1"/>
+                </a:solidFill>
+                <a:miter lim="800000"/>
+                <a:headEnd/>
+                <a:tailEnd/>
+              </a14:hiddenLine>
+            </a:ext>
+          </a:extLst>
+        </p:spPr>
+      </p:pic>
+      <p:pic>
+        <p:nvPicPr>
+          <p:cNvPr id="2053" name="Picture 5"/>
+          <p:cNvPicPr>
+            <a:picLocks noChangeAspect="1" noChangeArrowheads="1"/>
+          </p:cNvPicPr>
+          <p:nvPr/>
+        </p:nvPicPr>
+        <p:blipFill>
+          <a:blip r:embed="rId5">
+            <a:extLst>
+              <a:ext uri="{28A0092B-C50C-407E-A947-70E740481C1C}">
+                <a14:useLocalDpi xmlns:a14="http://schemas.microsoft.com/office/drawing/2010/main" val="0"/>
+              </a:ext>
+            </a:extLst>
+          </a:blip>
+          <a:srcRect/>
+          <a:stretch>
+            <a:fillRect/>
+          </a:stretch>
+        </p:blipFill>
+        <p:spPr bwMode="auto">
+          <a:xfrm>
+            <a:off x="8825049" y="4392278"/>
+            <a:ext cx="3124134" cy="2261937"/>
+          </a:xfrm>
+          <a:prstGeom prst="rect">
+            <a:avLst/>
+          </a:prstGeom>
+          <a:noFill/>
+          <a:ln>
+            <a:noFill/>
+          </a:ln>
+          <a:extLst>
+            <a:ext uri="{909E8E84-426E-40DD-AFC4-6F175D3DCCD1}">
+              <a14:hiddenFill xmlns:a14="http://schemas.microsoft.com/office/drawing/2010/main">
+                <a:solidFill>
+                  <a:schemeClr val="accent1"/>
+                </a:solidFill>
+              </a14:hiddenFill>
+            </a:ext>
+            <a:ext uri="{91240B29-F687-4F45-9708-019B960494DF}">
+              <a14:hiddenLine xmlns:a14="http://schemas.microsoft.com/office/drawing/2010/main" w="9525">
+                <a:solidFill>
+                  <a:schemeClr val="tx1"/>
+                </a:solidFill>
+                <a:miter lim="800000"/>
+                <a:headEnd/>
+                <a:tailEnd/>
+              </a14:hiddenLine>
+            </a:ext>
+          </a:extLst>
         </p:spPr>
       </p:pic>
     </p:spTree>
     <p:extLst>
       <p:ext uri="{BB962C8B-B14F-4D97-AF65-F5344CB8AC3E}">
         <p14:creationId xmlns:p14="http://schemas.microsoft.com/office/powerpoint/2010/main" val="215970972"/>
+      </p:ext>
+    </p:extLst>
+  </p:cSld>
+  <p:clrMapOvr>
+    <a:masterClrMapping/>
+  </p:clrMapOvr>
+</p:sld>
+</file>
+
+<file path=ppt/slides/slide6.xml><?xml version="1.0" encoding="utf-8"?>
+<p:sld xmlns:a="http://schemas.openxmlformats.org/drawingml/2006/main" xmlns:r="http://schemas.openxmlformats.org/officeDocument/2006/relationships" xmlns:p="http://schemas.openxmlformats.org/presentationml/2006/main">
+  <p:cSld>
+    <p:spTree>
+      <p:nvGrpSpPr>
+        <p:cNvPr id="1" name=""/>
+        <p:cNvGrpSpPr/>
+        <p:nvPr/>
+      </p:nvGrpSpPr>
+      <p:grpSpPr>
+        <a:xfrm>
+          <a:off x="0" y="0"/>
+          <a:ext cx="0" cy="0"/>
+          <a:chOff x="0" y="0"/>
+          <a:chExt cx="0" cy="0"/>
+        </a:xfrm>
+      </p:grpSpPr>
+      <p:sp>
+        <p:nvSpPr>
+          <p:cNvPr id="2" name="Title 1"/>
+          <p:cNvSpPr>
+            <a:spLocks noGrp="1"/>
+          </p:cNvSpPr>
+          <p:nvPr>
+            <p:ph type="title"/>
+          </p:nvPr>
+        </p:nvSpPr>
+        <p:spPr/>
+        <p:txBody>
+          <a:bodyPr/>
+          <a:lstStyle/>
+          <a:p>
+            <a:r>
+              <a:rPr lang="en-US" dirty="0" smtClean="0"/>
+              <a:t>Dec 21: </a:t>
+            </a:r>
+            <a:r>
+              <a:rPr lang="en-US" dirty="0" err="1" smtClean="0"/>
+              <a:t>Ytraj</a:t>
+            </a:r>
+            <a:r>
+              <a:rPr lang="en-US" dirty="0" smtClean="0"/>
+              <a:t> vs </a:t>
+            </a:r>
+            <a:r>
+              <a:rPr lang="en-US" dirty="0" err="1" smtClean="0"/>
+              <a:t>Xoffset</a:t>
+            </a:r>
+            <a:endParaRPr lang="en-US" dirty="0"/>
+          </a:p>
+        </p:txBody>
+      </p:sp>
+      <p:sp>
+        <p:nvSpPr>
+          <p:cNvPr id="3" name="Content Placeholder 2"/>
+          <p:cNvSpPr>
+            <a:spLocks noGrp="1"/>
+          </p:cNvSpPr>
+          <p:nvPr>
+            <p:ph idx="1"/>
+          </p:nvPr>
+        </p:nvSpPr>
+        <p:spPr>
+          <a:xfrm>
+            <a:off x="838200" y="1825625"/>
+            <a:ext cx="4511842" cy="4687470"/>
+          </a:xfrm>
+        </p:spPr>
+        <p:txBody>
+          <a:bodyPr/>
+          <a:lstStyle/>
+          <a:p>
+            <a:r>
+              <a:rPr lang="en-US" dirty="0" smtClean="0"/>
+              <a:t>Nice linear trend for magnetic axis vs </a:t>
+            </a:r>
+            <a:r>
+              <a:rPr lang="en-US" dirty="0" err="1" smtClean="0"/>
+              <a:t>xoffset</a:t>
+            </a:r>
+            <a:r>
+              <a:rPr lang="en-US" dirty="0" smtClean="0"/>
+              <a:t>.</a:t>
+            </a:r>
+          </a:p>
+          <a:p>
+            <a:r>
+              <a:rPr lang="en-US" dirty="0" smtClean="0"/>
+              <a:t>Suggested wire adjustment:</a:t>
+            </a:r>
+          </a:p>
+          <a:p>
+            <a:pPr lvl="1"/>
+            <a:r>
+              <a:rPr lang="en-US" dirty="0" smtClean="0"/>
+              <a:t>xP1 = 970um</a:t>
+            </a:r>
+          </a:p>
+          <a:p>
+            <a:pPr lvl="1"/>
+            <a:r>
+              <a:rPr lang="en-US" dirty="0" smtClean="0"/>
+              <a:t>xP2 = -850um</a:t>
+            </a:r>
+          </a:p>
+          <a:p>
+            <a:r>
+              <a:rPr lang="en-US" dirty="0" smtClean="0"/>
+              <a:t>Not surprised there is more noise</a:t>
+            </a:r>
+          </a:p>
+          <a:p>
+            <a:pPr lvl="1"/>
+            <a:r>
+              <a:rPr lang="en-US" dirty="0" smtClean="0"/>
+              <a:t>Noise to signal ratio was 5x larger than for </a:t>
+            </a:r>
+            <a:r>
+              <a:rPr lang="en-US" dirty="0" err="1" smtClean="0"/>
+              <a:t>xtraj</a:t>
+            </a:r>
+            <a:r>
+              <a:rPr lang="en-US" dirty="0" smtClean="0"/>
+              <a:t>.</a:t>
+            </a:r>
+            <a:endParaRPr lang="en-US" dirty="0"/>
+          </a:p>
+        </p:txBody>
+      </p:sp>
+      <p:pic>
+        <p:nvPicPr>
+          <p:cNvPr id="3074" name="Picture 2"/>
+          <p:cNvPicPr>
+            <a:picLocks noChangeAspect="1" noChangeArrowheads="1"/>
+          </p:cNvPicPr>
+          <p:nvPr/>
+        </p:nvPicPr>
+        <p:blipFill>
+          <a:blip r:embed="rId2">
+            <a:extLst>
+              <a:ext uri="{28A0092B-C50C-407E-A947-70E740481C1C}">
+                <a14:useLocalDpi xmlns:a14="http://schemas.microsoft.com/office/drawing/2010/main" val="0"/>
+              </a:ext>
+            </a:extLst>
+          </a:blip>
+          <a:srcRect/>
+          <a:stretch>
+            <a:fillRect/>
+          </a:stretch>
+        </p:blipFill>
+        <p:spPr bwMode="auto">
+          <a:xfrm>
+            <a:off x="5350042" y="4021230"/>
+            <a:ext cx="3576386" cy="2652286"/>
+          </a:xfrm>
+          <a:prstGeom prst="rect">
+            <a:avLst/>
+          </a:prstGeom>
+          <a:noFill/>
+          <a:ln>
+            <a:noFill/>
+          </a:ln>
+          <a:extLst>
+            <a:ext uri="{909E8E84-426E-40DD-AFC4-6F175D3DCCD1}">
+              <a14:hiddenFill xmlns:a14="http://schemas.microsoft.com/office/drawing/2010/main">
+                <a:solidFill>
+                  <a:schemeClr val="accent1"/>
+                </a:solidFill>
+              </a14:hiddenFill>
+            </a:ext>
+            <a:ext uri="{91240B29-F687-4F45-9708-019B960494DF}">
+              <a14:hiddenLine xmlns:a14="http://schemas.microsoft.com/office/drawing/2010/main" w="9525">
+                <a:solidFill>
+                  <a:schemeClr val="tx1"/>
+                </a:solidFill>
+                <a:miter lim="800000"/>
+                <a:headEnd/>
+                <a:tailEnd/>
+              </a14:hiddenLine>
+            </a:ext>
+          </a:extLst>
+        </p:spPr>
+      </p:pic>
+      <p:pic>
+        <p:nvPicPr>
+          <p:cNvPr id="3075" name="Picture 3"/>
+          <p:cNvPicPr>
+            <a:picLocks noChangeAspect="1" noChangeArrowheads="1"/>
+          </p:cNvPicPr>
+          <p:nvPr/>
+        </p:nvPicPr>
+        <p:blipFill>
+          <a:blip r:embed="rId3">
+            <a:extLst>
+              <a:ext uri="{28A0092B-C50C-407E-A947-70E740481C1C}">
+                <a14:useLocalDpi xmlns:a14="http://schemas.microsoft.com/office/drawing/2010/main" val="0"/>
+              </a:ext>
+            </a:extLst>
+          </a:blip>
+          <a:srcRect/>
+          <a:stretch>
+            <a:fillRect/>
+          </a:stretch>
+        </p:blipFill>
+        <p:spPr bwMode="auto">
+          <a:xfrm>
+            <a:off x="9013907" y="96252"/>
+            <a:ext cx="3075573" cy="2201195"/>
+          </a:xfrm>
+          <a:prstGeom prst="rect">
+            <a:avLst/>
+          </a:prstGeom>
+          <a:noFill/>
+          <a:ln>
+            <a:noFill/>
+          </a:ln>
+          <a:extLst>
+            <a:ext uri="{909E8E84-426E-40DD-AFC4-6F175D3DCCD1}">
+              <a14:hiddenFill xmlns:a14="http://schemas.microsoft.com/office/drawing/2010/main">
+                <a:solidFill>
+                  <a:schemeClr val="accent1"/>
+                </a:solidFill>
+              </a14:hiddenFill>
+            </a:ext>
+            <a:ext uri="{91240B29-F687-4F45-9708-019B960494DF}">
+              <a14:hiddenLine xmlns:a14="http://schemas.microsoft.com/office/drawing/2010/main" w="9525">
+                <a:solidFill>
+                  <a:schemeClr val="tx1"/>
+                </a:solidFill>
+                <a:miter lim="800000"/>
+                <a:headEnd/>
+                <a:tailEnd/>
+              </a14:hiddenLine>
+            </a:ext>
+          </a:extLst>
+        </p:spPr>
+      </p:pic>
+      <p:pic>
+        <p:nvPicPr>
+          <p:cNvPr id="3076" name="Picture 4"/>
+          <p:cNvPicPr>
+            <a:picLocks noChangeAspect="1" noChangeArrowheads="1"/>
+          </p:cNvPicPr>
+          <p:nvPr/>
+        </p:nvPicPr>
+        <p:blipFill>
+          <a:blip r:embed="rId4">
+            <a:extLst>
+              <a:ext uri="{28A0092B-C50C-407E-A947-70E740481C1C}">
+                <a14:useLocalDpi xmlns:a14="http://schemas.microsoft.com/office/drawing/2010/main" val="0"/>
+              </a:ext>
+            </a:extLst>
+          </a:blip>
+          <a:srcRect/>
+          <a:stretch>
+            <a:fillRect/>
+          </a:stretch>
+        </p:blipFill>
+        <p:spPr bwMode="auto">
+          <a:xfrm>
+            <a:off x="9082961" y="4527049"/>
+            <a:ext cx="2962023" cy="2146467"/>
+          </a:xfrm>
+          <a:prstGeom prst="rect">
+            <a:avLst/>
+          </a:prstGeom>
+          <a:noFill/>
+          <a:ln>
+            <a:noFill/>
+          </a:ln>
+          <a:extLst>
+            <a:ext uri="{909E8E84-426E-40DD-AFC4-6F175D3DCCD1}">
+              <a14:hiddenFill xmlns:a14="http://schemas.microsoft.com/office/drawing/2010/main">
+                <a:solidFill>
+                  <a:schemeClr val="accent1"/>
+                </a:solidFill>
+              </a14:hiddenFill>
+            </a:ext>
+            <a:ext uri="{91240B29-F687-4F45-9708-019B960494DF}">
+              <a14:hiddenLine xmlns:a14="http://schemas.microsoft.com/office/drawing/2010/main" w="9525">
+                <a:solidFill>
+                  <a:schemeClr val="tx1"/>
+                </a:solidFill>
+                <a:miter lim="800000"/>
+                <a:headEnd/>
+                <a:tailEnd/>
+              </a14:hiddenLine>
+            </a:ext>
+          </a:extLst>
+        </p:spPr>
+      </p:pic>
+      <p:pic>
+        <p:nvPicPr>
+          <p:cNvPr id="3077" name="Picture 5"/>
+          <p:cNvPicPr>
+            <a:picLocks noChangeAspect="1" noChangeArrowheads="1"/>
+          </p:cNvPicPr>
+          <p:nvPr/>
+        </p:nvPicPr>
+        <p:blipFill>
+          <a:blip r:embed="rId5">
+            <a:extLst>
+              <a:ext uri="{28A0092B-C50C-407E-A947-70E740481C1C}">
+                <a14:useLocalDpi xmlns:a14="http://schemas.microsoft.com/office/drawing/2010/main" val="0"/>
+              </a:ext>
+            </a:extLst>
+          </a:blip>
+          <a:srcRect/>
+          <a:stretch>
+            <a:fillRect/>
+          </a:stretch>
+        </p:blipFill>
+        <p:spPr bwMode="auto">
+          <a:xfrm>
+            <a:off x="9094994" y="2297447"/>
+            <a:ext cx="2913397" cy="2143075"/>
+          </a:xfrm>
+          <a:prstGeom prst="rect">
+            <a:avLst/>
+          </a:prstGeom>
+          <a:noFill/>
+          <a:ln>
+            <a:noFill/>
+          </a:ln>
+          <a:extLst>
+            <a:ext uri="{909E8E84-426E-40DD-AFC4-6F175D3DCCD1}">
+              <a14:hiddenFill xmlns:a14="http://schemas.microsoft.com/office/drawing/2010/main">
+                <a:solidFill>
+                  <a:schemeClr val="accent1"/>
+                </a:solidFill>
+              </a14:hiddenFill>
+            </a:ext>
+            <a:ext uri="{91240B29-F687-4F45-9708-019B960494DF}">
+              <a14:hiddenLine xmlns:a14="http://schemas.microsoft.com/office/drawing/2010/main" w="9525">
+                <a:solidFill>
+                  <a:schemeClr val="tx1"/>
+                </a:solidFill>
+                <a:miter lim="800000"/>
+                <a:headEnd/>
+                <a:tailEnd/>
+              </a14:hiddenLine>
+            </a:ext>
+          </a:extLst>
+        </p:spPr>
+      </p:pic>
+    </p:spTree>
+    <p:extLst>
+      <p:ext uri="{BB962C8B-B14F-4D97-AF65-F5344CB8AC3E}">
+        <p14:creationId xmlns:p14="http://schemas.microsoft.com/office/powerpoint/2010/main" val="2076196477"/>
+      </p:ext>
+    </p:extLst>
+  </p:cSld>
+  <p:clrMapOvr>
+    <a:masterClrMapping/>
+  </p:clrMapOvr>
+</p:sld>
+</file>
+
+<file path=ppt/slides/slide7.xml><?xml version="1.0" encoding="utf-8"?>
+<p:sld xmlns:a="http://schemas.openxmlformats.org/drawingml/2006/main" xmlns:r="http://schemas.openxmlformats.org/officeDocument/2006/relationships" xmlns:p="http://schemas.openxmlformats.org/presentationml/2006/main">
+  <p:cSld>
+    <p:spTree>
+      <p:nvGrpSpPr>
+        <p:cNvPr id="1" name=""/>
+        <p:cNvGrpSpPr/>
+        <p:nvPr/>
+      </p:nvGrpSpPr>
+      <p:grpSpPr>
+        <a:xfrm>
+          <a:off x="0" y="0"/>
+          <a:ext cx="0" cy="0"/>
+          <a:chOff x="0" y="0"/>
+          <a:chExt cx="0" cy="0"/>
+        </a:xfrm>
+      </p:grpSpPr>
+      <p:sp>
+        <p:nvSpPr>
+          <p:cNvPr id="2" name="Title 1"/>
+          <p:cNvSpPr>
+            <a:spLocks noGrp="1"/>
+          </p:cNvSpPr>
+          <p:nvPr>
+            <p:ph type="title"/>
+          </p:nvPr>
+        </p:nvSpPr>
+        <p:spPr/>
+        <p:txBody>
+          <a:bodyPr/>
+          <a:lstStyle/>
+          <a:p>
+            <a:r>
+              <a:rPr lang="en-US" dirty="0" smtClean="0"/>
+              <a:t>Wire Position 2</a:t>
+            </a:r>
+            <a:endParaRPr lang="en-US" dirty="0"/>
+          </a:p>
+        </p:txBody>
+      </p:sp>
+      <p:sp>
+        <p:nvSpPr>
+          <p:cNvPr id="3" name="Content Placeholder 2"/>
+          <p:cNvSpPr>
+            <a:spLocks noGrp="1"/>
+          </p:cNvSpPr>
+          <p:nvPr>
+            <p:ph idx="1"/>
+          </p:nvPr>
+        </p:nvSpPr>
+        <p:spPr/>
+        <p:txBody>
+          <a:bodyPr>
+            <a:normAutofit lnSpcReduction="10000"/>
+          </a:bodyPr>
+          <a:lstStyle/>
+          <a:p>
+            <a:r>
+              <a:rPr lang="en-US" dirty="0" smtClean="0"/>
+              <a:t>Old Positions:</a:t>
+            </a:r>
+          </a:p>
+          <a:p>
+            <a:pPr lvl="1"/>
+            <a:r>
+              <a:rPr lang="en-US" dirty="0" smtClean="0"/>
+              <a:t>X1,y1 </a:t>
+            </a:r>
+            <a:r>
+              <a:rPr lang="en-US" dirty="0"/>
+              <a:t>= (12, 18)</a:t>
+            </a:r>
+          </a:p>
+          <a:p>
+            <a:pPr lvl="1"/>
+            <a:r>
+              <a:rPr lang="en-US" dirty="0"/>
+              <a:t>X2, y2 = (11, 12</a:t>
+            </a:r>
+            <a:r>
+              <a:rPr lang="en-US" dirty="0" smtClean="0"/>
+              <a:t>)</a:t>
+            </a:r>
+          </a:p>
+          <a:p>
+            <a:r>
+              <a:rPr lang="en-US" dirty="0" smtClean="0"/>
+              <a:t>Adjustments:</a:t>
+            </a:r>
+          </a:p>
+          <a:p>
+            <a:pPr lvl="1"/>
+            <a:r>
+              <a:rPr lang="en-US" dirty="0" smtClean="0"/>
+              <a:t>xP1 </a:t>
+            </a:r>
+            <a:r>
+              <a:rPr lang="en-US" dirty="0"/>
+              <a:t>= </a:t>
+            </a:r>
+            <a:r>
+              <a:rPr lang="en-US" dirty="0" smtClean="0"/>
+              <a:t>970um</a:t>
+            </a:r>
+          </a:p>
+          <a:p>
+            <a:pPr lvl="1"/>
+            <a:r>
+              <a:rPr lang="en-US" dirty="0"/>
+              <a:t>yP1 = </a:t>
+            </a:r>
+            <a:r>
+              <a:rPr lang="en-US" dirty="0" smtClean="0"/>
+              <a:t>470um</a:t>
+            </a:r>
+          </a:p>
+          <a:p>
+            <a:pPr lvl="1"/>
+            <a:r>
+              <a:rPr lang="en-US" dirty="0"/>
+              <a:t>xP2 = -</a:t>
+            </a:r>
+            <a:r>
+              <a:rPr lang="en-US" dirty="0" smtClean="0"/>
+              <a:t>850um</a:t>
+            </a:r>
+            <a:endParaRPr lang="en-US" dirty="0"/>
+          </a:p>
+          <a:p>
+            <a:pPr lvl="1"/>
+            <a:r>
+              <a:rPr lang="en-US" dirty="0"/>
+              <a:t>yP2 = 100um</a:t>
+            </a:r>
+          </a:p>
+          <a:p>
+            <a:r>
+              <a:rPr lang="en-US" dirty="0" smtClean="0"/>
+              <a:t>New Positions:</a:t>
+            </a:r>
+          </a:p>
+          <a:p>
+            <a:pPr lvl="1"/>
+            <a:r>
+              <a:rPr lang="en-US" dirty="0"/>
+              <a:t>X1,y1 = (</a:t>
+            </a:r>
+            <a:r>
+              <a:rPr lang="en-US" dirty="0" smtClean="0"/>
+              <a:t>12.97, 18.47)</a:t>
+            </a:r>
+            <a:endParaRPr lang="en-US" dirty="0"/>
+          </a:p>
+          <a:p>
+            <a:pPr lvl="1"/>
+            <a:r>
+              <a:rPr lang="en-US" dirty="0"/>
+              <a:t>X2, y2 = (</a:t>
+            </a:r>
+            <a:r>
+              <a:rPr lang="en-US" dirty="0" smtClean="0"/>
+              <a:t>10.15, 12.10)</a:t>
+            </a:r>
+            <a:endParaRPr lang="en-US" dirty="0"/>
+          </a:p>
+          <a:p>
+            <a:pPr marL="0" indent="0">
+              <a:buNone/>
+            </a:pPr>
+            <a:endParaRPr lang="en-US" dirty="0" smtClean="0"/>
+          </a:p>
+          <a:p>
+            <a:pPr lvl="1"/>
+            <a:endParaRPr lang="en-US" dirty="0" smtClean="0"/>
+          </a:p>
+          <a:p>
+            <a:pPr lvl="1"/>
+            <a:endParaRPr lang="en-US" dirty="0"/>
+          </a:p>
+          <a:p>
+            <a:pPr lvl="1"/>
+            <a:endParaRPr lang="en-US" dirty="0"/>
+          </a:p>
+          <a:p>
+            <a:pPr lvl="1"/>
+            <a:endParaRPr lang="en-US" dirty="0"/>
+          </a:p>
+          <a:p>
+            <a:endParaRPr lang="en-US" dirty="0"/>
+          </a:p>
+        </p:txBody>
+      </p:sp>
+    </p:spTree>
+    <p:extLst>
+      <p:ext uri="{BB962C8B-B14F-4D97-AF65-F5344CB8AC3E}">
+        <p14:creationId xmlns:p14="http://schemas.microsoft.com/office/powerpoint/2010/main" val="4069291664"/>
       </p:ext>
     </p:extLst>
   </p:cSld>
@@ -3979,7 +5055,7 @@
   <a:extraClrSchemeLst/>
   <a:extLst>
     <a:ext uri="{05A4C25C-085E-4340-85A3-A5531E510DB2}">
-      <thm15:themeFamily xmlns:thm15="http://schemas.microsoft.com/office/thememl/2012/main" name="Office Theme" id="{62F939B6-93AF-4DB8-9C6B-D6C7DFDC589F}" vid="{4A3C46E8-61CC-4603-A589-7422A47A8E4A}"/>
+      <thm15:themeFamily xmlns:thm15="http://schemas.microsoft.com/office/thememl/2012/main" xmlns="" name="Office Theme" id="{62F939B6-93AF-4DB8-9C6B-D6C7DFDC589F}" vid="{4A3C46E8-61CC-4603-A589-7422A47A8E4A}"/>
     </a:ext>
   </a:extLst>
 </a:theme>

--- a/Undulator 1 Pulsed-Wire Alignment Dec. 2022.pptx
+++ b/Undulator 1 Pulsed-Wire Alignment Dec. 2022.pptx
@@ -12,6 +12,8 @@
     <p:sldId id="258" r:id="rId6"/>
     <p:sldId id="260" r:id="rId7"/>
     <p:sldId id="262" r:id="rId8"/>
+    <p:sldId id="263" r:id="rId9"/>
+    <p:sldId id="264" r:id="rId10"/>
   </p:sldIdLst>
   <p:sldSz cx="12192000" cy="6858000"/>
   <p:notesSz cx="6858000" cy="9144000"/>
@@ -112,7 +114,18 @@
   </p:defaultTextStyle>
   <p:extLst>
     <p:ext uri="{EFAFB233-063F-42B5-8137-9DF3F51BA10A}">
-      <p15:sldGuideLst xmlns:p15="http://schemas.microsoft.com/office/powerpoint/2012/main" xmlns=""/>
+      <p15:sldGuideLst xmlns:p15="http://schemas.microsoft.com/office/powerpoint/2012/main">
+        <p15:guide id="1" orient="horz" pos="2160">
+          <p15:clr>
+            <a:srgbClr val="A4A3A4"/>
+          </p15:clr>
+        </p15:guide>
+        <p15:guide id="2" pos="3840">
+          <p15:clr>
+            <a:srgbClr val="A4A3A4"/>
+          </p15:clr>
+        </p15:guide>
+      </p15:sldGuideLst>
     </p:ext>
   </p:extLst>
 </p:presentation>
@@ -140,7 +153,7 @@
           <p:cNvPr id="2" name="Title 1">
             <a:extLst>
               <a:ext uri="{FF2B5EF4-FFF2-40B4-BE49-F238E27FC236}">
-                <a16:creationId xmlns:a16="http://schemas.microsoft.com/office/drawing/2014/main" xmlns="" id="{00E0886F-A4C3-DB2A-ABB8-03005E281B8C}"/>
+                <a16:creationId xmlns:a16="http://schemas.microsoft.com/office/drawing/2014/main" id="{00E0886F-A4C3-DB2A-ABB8-03005E281B8C}"/>
               </a:ext>
             </a:extLst>
           </p:cNvPr>
@@ -177,7 +190,7 @@
           <p:cNvPr id="3" name="Subtitle 2">
             <a:extLst>
               <a:ext uri="{FF2B5EF4-FFF2-40B4-BE49-F238E27FC236}">
-                <a16:creationId xmlns:a16="http://schemas.microsoft.com/office/drawing/2014/main" xmlns="" id="{75A50426-015C-D0A4-586B-9D71DC20713F}"/>
+                <a16:creationId xmlns:a16="http://schemas.microsoft.com/office/drawing/2014/main" id="{75A50426-015C-D0A4-586B-9D71DC20713F}"/>
               </a:ext>
             </a:extLst>
           </p:cNvPr>
@@ -247,7 +260,7 @@
           <p:cNvPr id="4" name="Date Placeholder 3">
             <a:extLst>
               <a:ext uri="{FF2B5EF4-FFF2-40B4-BE49-F238E27FC236}">
-                <a16:creationId xmlns:a16="http://schemas.microsoft.com/office/drawing/2014/main" xmlns="" id="{A41699CF-EDB2-851E-8F58-27CCF7577C5E}"/>
+                <a16:creationId xmlns:a16="http://schemas.microsoft.com/office/drawing/2014/main" id="{A41699CF-EDB2-851E-8F58-27CCF7577C5E}"/>
               </a:ext>
             </a:extLst>
           </p:cNvPr>
@@ -276,7 +289,7 @@
           <p:cNvPr id="5" name="Footer Placeholder 4">
             <a:extLst>
               <a:ext uri="{FF2B5EF4-FFF2-40B4-BE49-F238E27FC236}">
-                <a16:creationId xmlns:a16="http://schemas.microsoft.com/office/drawing/2014/main" xmlns="" id="{F4896356-F1DD-8679-076D-62EFF294C520}"/>
+                <a16:creationId xmlns:a16="http://schemas.microsoft.com/office/drawing/2014/main" id="{F4896356-F1DD-8679-076D-62EFF294C520}"/>
               </a:ext>
             </a:extLst>
           </p:cNvPr>
@@ -301,7 +314,7 @@
           <p:cNvPr id="6" name="Slide Number Placeholder 5">
             <a:extLst>
               <a:ext uri="{FF2B5EF4-FFF2-40B4-BE49-F238E27FC236}">
-                <a16:creationId xmlns:a16="http://schemas.microsoft.com/office/drawing/2014/main" xmlns="" id="{53440E42-9547-FA0A-646E-2633E1BC0F8C}"/>
+                <a16:creationId xmlns:a16="http://schemas.microsoft.com/office/drawing/2014/main" id="{53440E42-9547-FA0A-646E-2633E1BC0F8C}"/>
               </a:ext>
             </a:extLst>
           </p:cNvPr>
@@ -360,7 +373,7 @@
           <p:cNvPr id="2" name="Title 1">
             <a:extLst>
               <a:ext uri="{FF2B5EF4-FFF2-40B4-BE49-F238E27FC236}">
-                <a16:creationId xmlns:a16="http://schemas.microsoft.com/office/drawing/2014/main" xmlns="" id="{948E065B-36C9-0F6C-94C0-82E53BFBDB9E}"/>
+                <a16:creationId xmlns:a16="http://schemas.microsoft.com/office/drawing/2014/main" id="{948E065B-36C9-0F6C-94C0-82E53BFBDB9E}"/>
               </a:ext>
             </a:extLst>
           </p:cNvPr>
@@ -388,7 +401,7 @@
           <p:cNvPr id="3" name="Vertical Text Placeholder 2">
             <a:extLst>
               <a:ext uri="{FF2B5EF4-FFF2-40B4-BE49-F238E27FC236}">
-                <a16:creationId xmlns:a16="http://schemas.microsoft.com/office/drawing/2014/main" xmlns="" id="{F60495E1-73B2-BF67-4009-492EC08AC59D}"/>
+                <a16:creationId xmlns:a16="http://schemas.microsoft.com/office/drawing/2014/main" id="{F60495E1-73B2-BF67-4009-492EC08AC59D}"/>
               </a:ext>
             </a:extLst>
           </p:cNvPr>
@@ -445,7 +458,7 @@
           <p:cNvPr id="4" name="Date Placeholder 3">
             <a:extLst>
               <a:ext uri="{FF2B5EF4-FFF2-40B4-BE49-F238E27FC236}">
-                <a16:creationId xmlns:a16="http://schemas.microsoft.com/office/drawing/2014/main" xmlns="" id="{CC1D4D07-DB59-E12F-3452-D51EA4F55E26}"/>
+                <a16:creationId xmlns:a16="http://schemas.microsoft.com/office/drawing/2014/main" id="{CC1D4D07-DB59-E12F-3452-D51EA4F55E26}"/>
               </a:ext>
             </a:extLst>
           </p:cNvPr>
@@ -474,7 +487,7 @@
           <p:cNvPr id="5" name="Footer Placeholder 4">
             <a:extLst>
               <a:ext uri="{FF2B5EF4-FFF2-40B4-BE49-F238E27FC236}">
-                <a16:creationId xmlns:a16="http://schemas.microsoft.com/office/drawing/2014/main" xmlns="" id="{8DD0D4E7-3392-C135-EF59-703CADE3B415}"/>
+                <a16:creationId xmlns:a16="http://schemas.microsoft.com/office/drawing/2014/main" id="{8DD0D4E7-3392-C135-EF59-703CADE3B415}"/>
               </a:ext>
             </a:extLst>
           </p:cNvPr>
@@ -499,7 +512,7 @@
           <p:cNvPr id="6" name="Slide Number Placeholder 5">
             <a:extLst>
               <a:ext uri="{FF2B5EF4-FFF2-40B4-BE49-F238E27FC236}">
-                <a16:creationId xmlns:a16="http://schemas.microsoft.com/office/drawing/2014/main" xmlns="" id="{0ED03BEC-CD27-DE8D-877B-90889B5B1E3B}"/>
+                <a16:creationId xmlns:a16="http://schemas.microsoft.com/office/drawing/2014/main" id="{0ED03BEC-CD27-DE8D-877B-90889B5B1E3B}"/>
               </a:ext>
             </a:extLst>
           </p:cNvPr>
@@ -558,7 +571,7 @@
           <p:cNvPr id="2" name="Vertical Title 1">
             <a:extLst>
               <a:ext uri="{FF2B5EF4-FFF2-40B4-BE49-F238E27FC236}">
-                <a16:creationId xmlns:a16="http://schemas.microsoft.com/office/drawing/2014/main" xmlns="" id="{845584A6-E0F2-F7EE-0775-B0F877B8D38A}"/>
+                <a16:creationId xmlns:a16="http://schemas.microsoft.com/office/drawing/2014/main" id="{845584A6-E0F2-F7EE-0775-B0F877B8D38A}"/>
               </a:ext>
             </a:extLst>
           </p:cNvPr>
@@ -591,7 +604,7 @@
           <p:cNvPr id="3" name="Vertical Text Placeholder 2">
             <a:extLst>
               <a:ext uri="{FF2B5EF4-FFF2-40B4-BE49-F238E27FC236}">
-                <a16:creationId xmlns:a16="http://schemas.microsoft.com/office/drawing/2014/main" xmlns="" id="{13539F1D-FAC6-0F52-24CE-6C97F8FF5469}"/>
+                <a16:creationId xmlns:a16="http://schemas.microsoft.com/office/drawing/2014/main" id="{13539F1D-FAC6-0F52-24CE-6C97F8FF5469}"/>
               </a:ext>
             </a:extLst>
           </p:cNvPr>
@@ -653,7 +666,7 @@
           <p:cNvPr id="4" name="Date Placeholder 3">
             <a:extLst>
               <a:ext uri="{FF2B5EF4-FFF2-40B4-BE49-F238E27FC236}">
-                <a16:creationId xmlns:a16="http://schemas.microsoft.com/office/drawing/2014/main" xmlns="" id="{A74CB834-33F8-532D-96E4-7271032C28F9}"/>
+                <a16:creationId xmlns:a16="http://schemas.microsoft.com/office/drawing/2014/main" id="{A74CB834-33F8-532D-96E4-7271032C28F9}"/>
               </a:ext>
             </a:extLst>
           </p:cNvPr>
@@ -682,7 +695,7 @@
           <p:cNvPr id="5" name="Footer Placeholder 4">
             <a:extLst>
               <a:ext uri="{FF2B5EF4-FFF2-40B4-BE49-F238E27FC236}">
-                <a16:creationId xmlns:a16="http://schemas.microsoft.com/office/drawing/2014/main" xmlns="" id="{927EEB16-5306-DBF0-2AD0-55D7D8DFB4E7}"/>
+                <a16:creationId xmlns:a16="http://schemas.microsoft.com/office/drawing/2014/main" id="{927EEB16-5306-DBF0-2AD0-55D7D8DFB4E7}"/>
               </a:ext>
             </a:extLst>
           </p:cNvPr>
@@ -707,7 +720,7 @@
           <p:cNvPr id="6" name="Slide Number Placeholder 5">
             <a:extLst>
               <a:ext uri="{FF2B5EF4-FFF2-40B4-BE49-F238E27FC236}">
-                <a16:creationId xmlns:a16="http://schemas.microsoft.com/office/drawing/2014/main" xmlns="" id="{D04D3E4F-E3CE-8F5C-82EC-436876439BE7}"/>
+                <a16:creationId xmlns:a16="http://schemas.microsoft.com/office/drawing/2014/main" id="{D04D3E4F-E3CE-8F5C-82EC-436876439BE7}"/>
               </a:ext>
             </a:extLst>
           </p:cNvPr>
@@ -766,7 +779,7 @@
           <p:cNvPr id="2" name="Title 1">
             <a:extLst>
               <a:ext uri="{FF2B5EF4-FFF2-40B4-BE49-F238E27FC236}">
-                <a16:creationId xmlns:a16="http://schemas.microsoft.com/office/drawing/2014/main" xmlns="" id="{F264C621-5FED-B1EB-C60C-7AD2CD2C24FF}"/>
+                <a16:creationId xmlns:a16="http://schemas.microsoft.com/office/drawing/2014/main" id="{F264C621-5FED-B1EB-C60C-7AD2CD2C24FF}"/>
               </a:ext>
             </a:extLst>
           </p:cNvPr>
@@ -794,7 +807,7 @@
           <p:cNvPr id="3" name="Content Placeholder 2">
             <a:extLst>
               <a:ext uri="{FF2B5EF4-FFF2-40B4-BE49-F238E27FC236}">
-                <a16:creationId xmlns:a16="http://schemas.microsoft.com/office/drawing/2014/main" xmlns="" id="{A71A0D82-642F-1FD6-8D64-3F4761DDE6D8}"/>
+                <a16:creationId xmlns:a16="http://schemas.microsoft.com/office/drawing/2014/main" id="{A71A0D82-642F-1FD6-8D64-3F4761DDE6D8}"/>
               </a:ext>
             </a:extLst>
           </p:cNvPr>
@@ -851,7 +864,7 @@
           <p:cNvPr id="4" name="Date Placeholder 3">
             <a:extLst>
               <a:ext uri="{FF2B5EF4-FFF2-40B4-BE49-F238E27FC236}">
-                <a16:creationId xmlns:a16="http://schemas.microsoft.com/office/drawing/2014/main" xmlns="" id="{1F15F1D2-5193-387D-E445-A74B2F1B9DBA}"/>
+                <a16:creationId xmlns:a16="http://schemas.microsoft.com/office/drawing/2014/main" id="{1F15F1D2-5193-387D-E445-A74B2F1B9DBA}"/>
               </a:ext>
             </a:extLst>
           </p:cNvPr>
@@ -880,7 +893,7 @@
           <p:cNvPr id="5" name="Footer Placeholder 4">
             <a:extLst>
               <a:ext uri="{FF2B5EF4-FFF2-40B4-BE49-F238E27FC236}">
-                <a16:creationId xmlns:a16="http://schemas.microsoft.com/office/drawing/2014/main" xmlns="" id="{F0AC27BF-F849-C8B2-15C9-21A9D2BCD60D}"/>
+                <a16:creationId xmlns:a16="http://schemas.microsoft.com/office/drawing/2014/main" id="{F0AC27BF-F849-C8B2-15C9-21A9D2BCD60D}"/>
               </a:ext>
             </a:extLst>
           </p:cNvPr>
@@ -905,7 +918,7 @@
           <p:cNvPr id="6" name="Slide Number Placeholder 5">
             <a:extLst>
               <a:ext uri="{FF2B5EF4-FFF2-40B4-BE49-F238E27FC236}">
-                <a16:creationId xmlns:a16="http://schemas.microsoft.com/office/drawing/2014/main" xmlns="" id="{B0817472-324F-A359-4DE1-DF505B1CC5A6}"/>
+                <a16:creationId xmlns:a16="http://schemas.microsoft.com/office/drawing/2014/main" id="{B0817472-324F-A359-4DE1-DF505B1CC5A6}"/>
               </a:ext>
             </a:extLst>
           </p:cNvPr>
@@ -964,7 +977,7 @@
           <p:cNvPr id="2" name="Title 1">
             <a:extLst>
               <a:ext uri="{FF2B5EF4-FFF2-40B4-BE49-F238E27FC236}">
-                <a16:creationId xmlns:a16="http://schemas.microsoft.com/office/drawing/2014/main" xmlns="" id="{4133880C-6F34-013B-6AB3-1D28B01DB719}"/>
+                <a16:creationId xmlns:a16="http://schemas.microsoft.com/office/drawing/2014/main" id="{4133880C-6F34-013B-6AB3-1D28B01DB719}"/>
               </a:ext>
             </a:extLst>
           </p:cNvPr>
@@ -1001,7 +1014,7 @@
           <p:cNvPr id="3" name="Text Placeholder 2">
             <a:extLst>
               <a:ext uri="{FF2B5EF4-FFF2-40B4-BE49-F238E27FC236}">
-                <a16:creationId xmlns:a16="http://schemas.microsoft.com/office/drawing/2014/main" xmlns="" id="{A3BF6C2F-709E-448E-50DC-F034E694E659}"/>
+                <a16:creationId xmlns:a16="http://schemas.microsoft.com/office/drawing/2014/main" id="{A3BF6C2F-709E-448E-50DC-F034E694E659}"/>
               </a:ext>
             </a:extLst>
           </p:cNvPr>
@@ -1126,7 +1139,7 @@
           <p:cNvPr id="4" name="Date Placeholder 3">
             <a:extLst>
               <a:ext uri="{FF2B5EF4-FFF2-40B4-BE49-F238E27FC236}">
-                <a16:creationId xmlns:a16="http://schemas.microsoft.com/office/drawing/2014/main" xmlns="" id="{88A33129-33B4-7359-8349-53E7476E2830}"/>
+                <a16:creationId xmlns:a16="http://schemas.microsoft.com/office/drawing/2014/main" id="{88A33129-33B4-7359-8349-53E7476E2830}"/>
               </a:ext>
             </a:extLst>
           </p:cNvPr>
@@ -1155,7 +1168,7 @@
           <p:cNvPr id="5" name="Footer Placeholder 4">
             <a:extLst>
               <a:ext uri="{FF2B5EF4-FFF2-40B4-BE49-F238E27FC236}">
-                <a16:creationId xmlns:a16="http://schemas.microsoft.com/office/drawing/2014/main" xmlns="" id="{0B6537FD-296A-C1F0-3F37-C58177C849A4}"/>
+                <a16:creationId xmlns:a16="http://schemas.microsoft.com/office/drawing/2014/main" id="{0B6537FD-296A-C1F0-3F37-C58177C849A4}"/>
               </a:ext>
             </a:extLst>
           </p:cNvPr>
@@ -1180,7 +1193,7 @@
           <p:cNvPr id="6" name="Slide Number Placeholder 5">
             <a:extLst>
               <a:ext uri="{FF2B5EF4-FFF2-40B4-BE49-F238E27FC236}">
-                <a16:creationId xmlns:a16="http://schemas.microsoft.com/office/drawing/2014/main" xmlns="" id="{D1DD27D3-820C-41B8-6EAD-98E0870839AC}"/>
+                <a16:creationId xmlns:a16="http://schemas.microsoft.com/office/drawing/2014/main" id="{D1DD27D3-820C-41B8-6EAD-98E0870839AC}"/>
               </a:ext>
             </a:extLst>
           </p:cNvPr>
@@ -1239,7 +1252,7 @@
           <p:cNvPr id="2" name="Title 1">
             <a:extLst>
               <a:ext uri="{FF2B5EF4-FFF2-40B4-BE49-F238E27FC236}">
-                <a16:creationId xmlns:a16="http://schemas.microsoft.com/office/drawing/2014/main" xmlns="" id="{2969FE45-F3B1-FEFD-7C23-C14A51EA72FD}"/>
+                <a16:creationId xmlns:a16="http://schemas.microsoft.com/office/drawing/2014/main" id="{2969FE45-F3B1-FEFD-7C23-C14A51EA72FD}"/>
               </a:ext>
             </a:extLst>
           </p:cNvPr>
@@ -1267,7 +1280,7 @@
           <p:cNvPr id="3" name="Content Placeholder 2">
             <a:extLst>
               <a:ext uri="{FF2B5EF4-FFF2-40B4-BE49-F238E27FC236}">
-                <a16:creationId xmlns:a16="http://schemas.microsoft.com/office/drawing/2014/main" xmlns="" id="{80B0DC5C-D76C-3508-304A-B902A598B716}"/>
+                <a16:creationId xmlns:a16="http://schemas.microsoft.com/office/drawing/2014/main" id="{80B0DC5C-D76C-3508-304A-B902A598B716}"/>
               </a:ext>
             </a:extLst>
           </p:cNvPr>
@@ -1329,7 +1342,7 @@
           <p:cNvPr id="4" name="Content Placeholder 3">
             <a:extLst>
               <a:ext uri="{FF2B5EF4-FFF2-40B4-BE49-F238E27FC236}">
-                <a16:creationId xmlns:a16="http://schemas.microsoft.com/office/drawing/2014/main" xmlns="" id="{9BFDE647-44AF-0332-535D-BCD8E8B92DC0}"/>
+                <a16:creationId xmlns:a16="http://schemas.microsoft.com/office/drawing/2014/main" id="{9BFDE647-44AF-0332-535D-BCD8E8B92DC0}"/>
               </a:ext>
             </a:extLst>
           </p:cNvPr>
@@ -1391,7 +1404,7 @@
           <p:cNvPr id="5" name="Date Placeholder 4">
             <a:extLst>
               <a:ext uri="{FF2B5EF4-FFF2-40B4-BE49-F238E27FC236}">
-                <a16:creationId xmlns:a16="http://schemas.microsoft.com/office/drawing/2014/main" xmlns="" id="{3F207661-C2C8-2C88-1AF1-2CDBECFEE40C}"/>
+                <a16:creationId xmlns:a16="http://schemas.microsoft.com/office/drawing/2014/main" id="{3F207661-C2C8-2C88-1AF1-2CDBECFEE40C}"/>
               </a:ext>
             </a:extLst>
           </p:cNvPr>
@@ -1420,7 +1433,7 @@
           <p:cNvPr id="6" name="Footer Placeholder 5">
             <a:extLst>
               <a:ext uri="{FF2B5EF4-FFF2-40B4-BE49-F238E27FC236}">
-                <a16:creationId xmlns:a16="http://schemas.microsoft.com/office/drawing/2014/main" xmlns="" id="{87845FDF-8453-FA97-80BE-DE07220BCF38}"/>
+                <a16:creationId xmlns:a16="http://schemas.microsoft.com/office/drawing/2014/main" id="{87845FDF-8453-FA97-80BE-DE07220BCF38}"/>
               </a:ext>
             </a:extLst>
           </p:cNvPr>
@@ -1445,7 +1458,7 @@
           <p:cNvPr id="7" name="Slide Number Placeholder 6">
             <a:extLst>
               <a:ext uri="{FF2B5EF4-FFF2-40B4-BE49-F238E27FC236}">
-                <a16:creationId xmlns:a16="http://schemas.microsoft.com/office/drawing/2014/main" xmlns="" id="{61D59091-6BF3-FEA9-0B00-8439FAC4FCEA}"/>
+                <a16:creationId xmlns:a16="http://schemas.microsoft.com/office/drawing/2014/main" id="{61D59091-6BF3-FEA9-0B00-8439FAC4FCEA}"/>
               </a:ext>
             </a:extLst>
           </p:cNvPr>
@@ -1504,7 +1517,7 @@
           <p:cNvPr id="2" name="Title 1">
             <a:extLst>
               <a:ext uri="{FF2B5EF4-FFF2-40B4-BE49-F238E27FC236}">
-                <a16:creationId xmlns:a16="http://schemas.microsoft.com/office/drawing/2014/main" xmlns="" id="{21AE0E60-490C-2FAA-CAFA-EAA2AFD7BEDD}"/>
+                <a16:creationId xmlns:a16="http://schemas.microsoft.com/office/drawing/2014/main" id="{21AE0E60-490C-2FAA-CAFA-EAA2AFD7BEDD}"/>
               </a:ext>
             </a:extLst>
           </p:cNvPr>
@@ -1537,7 +1550,7 @@
           <p:cNvPr id="3" name="Text Placeholder 2">
             <a:extLst>
               <a:ext uri="{FF2B5EF4-FFF2-40B4-BE49-F238E27FC236}">
-                <a16:creationId xmlns:a16="http://schemas.microsoft.com/office/drawing/2014/main" xmlns="" id="{8A4F0CB0-CE7F-5EFC-9BCA-A661E4A7FDD9}"/>
+                <a16:creationId xmlns:a16="http://schemas.microsoft.com/office/drawing/2014/main" id="{8A4F0CB0-CE7F-5EFC-9BCA-A661E4A7FDD9}"/>
               </a:ext>
             </a:extLst>
           </p:cNvPr>
@@ -1608,7 +1621,7 @@
           <p:cNvPr id="4" name="Content Placeholder 3">
             <a:extLst>
               <a:ext uri="{FF2B5EF4-FFF2-40B4-BE49-F238E27FC236}">
-                <a16:creationId xmlns:a16="http://schemas.microsoft.com/office/drawing/2014/main" xmlns="" id="{880385B8-4417-BCFF-9D7B-3726D9A49E71}"/>
+                <a16:creationId xmlns:a16="http://schemas.microsoft.com/office/drawing/2014/main" id="{880385B8-4417-BCFF-9D7B-3726D9A49E71}"/>
               </a:ext>
             </a:extLst>
           </p:cNvPr>
@@ -1670,7 +1683,7 @@
           <p:cNvPr id="5" name="Text Placeholder 4">
             <a:extLst>
               <a:ext uri="{FF2B5EF4-FFF2-40B4-BE49-F238E27FC236}">
-                <a16:creationId xmlns:a16="http://schemas.microsoft.com/office/drawing/2014/main" xmlns="" id="{3E320428-EDA4-C0BF-F97C-62C0B618BB79}"/>
+                <a16:creationId xmlns:a16="http://schemas.microsoft.com/office/drawing/2014/main" id="{3E320428-EDA4-C0BF-F97C-62C0B618BB79}"/>
               </a:ext>
             </a:extLst>
           </p:cNvPr>
@@ -1741,7 +1754,7 @@
           <p:cNvPr id="6" name="Content Placeholder 5">
             <a:extLst>
               <a:ext uri="{FF2B5EF4-FFF2-40B4-BE49-F238E27FC236}">
-                <a16:creationId xmlns:a16="http://schemas.microsoft.com/office/drawing/2014/main" xmlns="" id="{6E20F4F7-3061-F4E0-0F05-1F398D5983CA}"/>
+                <a16:creationId xmlns:a16="http://schemas.microsoft.com/office/drawing/2014/main" id="{6E20F4F7-3061-F4E0-0F05-1F398D5983CA}"/>
               </a:ext>
             </a:extLst>
           </p:cNvPr>
@@ -1803,7 +1816,7 @@
           <p:cNvPr id="7" name="Date Placeholder 6">
             <a:extLst>
               <a:ext uri="{FF2B5EF4-FFF2-40B4-BE49-F238E27FC236}">
-                <a16:creationId xmlns:a16="http://schemas.microsoft.com/office/drawing/2014/main" xmlns="" id="{F4EA3360-1512-2F66-9F55-525A8366CB48}"/>
+                <a16:creationId xmlns:a16="http://schemas.microsoft.com/office/drawing/2014/main" id="{F4EA3360-1512-2F66-9F55-525A8366CB48}"/>
               </a:ext>
             </a:extLst>
           </p:cNvPr>
@@ -1832,7 +1845,7 @@
           <p:cNvPr id="8" name="Footer Placeholder 7">
             <a:extLst>
               <a:ext uri="{FF2B5EF4-FFF2-40B4-BE49-F238E27FC236}">
-                <a16:creationId xmlns:a16="http://schemas.microsoft.com/office/drawing/2014/main" xmlns="" id="{0F39389A-FAF9-BD65-D8CD-156D45A12F56}"/>
+                <a16:creationId xmlns:a16="http://schemas.microsoft.com/office/drawing/2014/main" id="{0F39389A-FAF9-BD65-D8CD-156D45A12F56}"/>
               </a:ext>
             </a:extLst>
           </p:cNvPr>
@@ -1857,7 +1870,7 @@
           <p:cNvPr id="9" name="Slide Number Placeholder 8">
             <a:extLst>
               <a:ext uri="{FF2B5EF4-FFF2-40B4-BE49-F238E27FC236}">
-                <a16:creationId xmlns:a16="http://schemas.microsoft.com/office/drawing/2014/main" xmlns="" id="{FFFBF88B-C81E-4789-028F-439B2B326EF6}"/>
+                <a16:creationId xmlns:a16="http://schemas.microsoft.com/office/drawing/2014/main" id="{FFFBF88B-C81E-4789-028F-439B2B326EF6}"/>
               </a:ext>
             </a:extLst>
           </p:cNvPr>
@@ -1916,7 +1929,7 @@
           <p:cNvPr id="2" name="Title 1">
             <a:extLst>
               <a:ext uri="{FF2B5EF4-FFF2-40B4-BE49-F238E27FC236}">
-                <a16:creationId xmlns:a16="http://schemas.microsoft.com/office/drawing/2014/main" xmlns="" id="{592A1A8C-4916-835A-60A0-6CF7B2A9FDC2}"/>
+                <a16:creationId xmlns:a16="http://schemas.microsoft.com/office/drawing/2014/main" id="{592A1A8C-4916-835A-60A0-6CF7B2A9FDC2}"/>
               </a:ext>
             </a:extLst>
           </p:cNvPr>
@@ -1944,7 +1957,7 @@
           <p:cNvPr id="3" name="Date Placeholder 2">
             <a:extLst>
               <a:ext uri="{FF2B5EF4-FFF2-40B4-BE49-F238E27FC236}">
-                <a16:creationId xmlns:a16="http://schemas.microsoft.com/office/drawing/2014/main" xmlns="" id="{25DFB5C5-C63A-1AEA-AFDD-A41091F191C8}"/>
+                <a16:creationId xmlns:a16="http://schemas.microsoft.com/office/drawing/2014/main" id="{25DFB5C5-C63A-1AEA-AFDD-A41091F191C8}"/>
               </a:ext>
             </a:extLst>
           </p:cNvPr>
@@ -1973,7 +1986,7 @@
           <p:cNvPr id="4" name="Footer Placeholder 3">
             <a:extLst>
               <a:ext uri="{FF2B5EF4-FFF2-40B4-BE49-F238E27FC236}">
-                <a16:creationId xmlns:a16="http://schemas.microsoft.com/office/drawing/2014/main" xmlns="" id="{F54AC235-5133-27FC-93C5-0E928184E465}"/>
+                <a16:creationId xmlns:a16="http://schemas.microsoft.com/office/drawing/2014/main" id="{F54AC235-5133-27FC-93C5-0E928184E465}"/>
               </a:ext>
             </a:extLst>
           </p:cNvPr>
@@ -1998,7 +2011,7 @@
           <p:cNvPr id="5" name="Slide Number Placeholder 4">
             <a:extLst>
               <a:ext uri="{FF2B5EF4-FFF2-40B4-BE49-F238E27FC236}">
-                <a16:creationId xmlns:a16="http://schemas.microsoft.com/office/drawing/2014/main" xmlns="" id="{55E9208B-53E3-8821-AF1E-D60237FFF5CA}"/>
+                <a16:creationId xmlns:a16="http://schemas.microsoft.com/office/drawing/2014/main" id="{55E9208B-53E3-8821-AF1E-D60237FFF5CA}"/>
               </a:ext>
             </a:extLst>
           </p:cNvPr>
@@ -2057,7 +2070,7 @@
           <p:cNvPr id="2" name="Date Placeholder 1">
             <a:extLst>
               <a:ext uri="{FF2B5EF4-FFF2-40B4-BE49-F238E27FC236}">
-                <a16:creationId xmlns:a16="http://schemas.microsoft.com/office/drawing/2014/main" xmlns="" id="{6A3E0B53-8EF6-353D-FBA0-388384AF8C00}"/>
+                <a16:creationId xmlns:a16="http://schemas.microsoft.com/office/drawing/2014/main" id="{6A3E0B53-8EF6-353D-FBA0-388384AF8C00}"/>
               </a:ext>
             </a:extLst>
           </p:cNvPr>
@@ -2086,7 +2099,7 @@
           <p:cNvPr id="3" name="Footer Placeholder 2">
             <a:extLst>
               <a:ext uri="{FF2B5EF4-FFF2-40B4-BE49-F238E27FC236}">
-                <a16:creationId xmlns:a16="http://schemas.microsoft.com/office/drawing/2014/main" xmlns="" id="{0D42A1CC-AE7F-03EF-065D-AF2F33051F0F}"/>
+                <a16:creationId xmlns:a16="http://schemas.microsoft.com/office/drawing/2014/main" id="{0D42A1CC-AE7F-03EF-065D-AF2F33051F0F}"/>
               </a:ext>
             </a:extLst>
           </p:cNvPr>
@@ -2111,7 +2124,7 @@
           <p:cNvPr id="4" name="Slide Number Placeholder 3">
             <a:extLst>
               <a:ext uri="{FF2B5EF4-FFF2-40B4-BE49-F238E27FC236}">
-                <a16:creationId xmlns:a16="http://schemas.microsoft.com/office/drawing/2014/main" xmlns="" id="{49FC0077-6E69-F304-03E5-4129CDF2933E}"/>
+                <a16:creationId xmlns:a16="http://schemas.microsoft.com/office/drawing/2014/main" id="{49FC0077-6E69-F304-03E5-4129CDF2933E}"/>
               </a:ext>
             </a:extLst>
           </p:cNvPr>
@@ -2170,7 +2183,7 @@
           <p:cNvPr id="2" name="Title 1">
             <a:extLst>
               <a:ext uri="{FF2B5EF4-FFF2-40B4-BE49-F238E27FC236}">
-                <a16:creationId xmlns:a16="http://schemas.microsoft.com/office/drawing/2014/main" xmlns="" id="{C90CEA5D-6631-7135-813A-31138565330C}"/>
+                <a16:creationId xmlns:a16="http://schemas.microsoft.com/office/drawing/2014/main" id="{C90CEA5D-6631-7135-813A-31138565330C}"/>
               </a:ext>
             </a:extLst>
           </p:cNvPr>
@@ -2207,7 +2220,7 @@
           <p:cNvPr id="3" name="Content Placeholder 2">
             <a:extLst>
               <a:ext uri="{FF2B5EF4-FFF2-40B4-BE49-F238E27FC236}">
-                <a16:creationId xmlns:a16="http://schemas.microsoft.com/office/drawing/2014/main" xmlns="" id="{98FF2403-1CD2-CCD3-1BDB-7E9942D02B7D}"/>
+                <a16:creationId xmlns:a16="http://schemas.microsoft.com/office/drawing/2014/main" id="{98FF2403-1CD2-CCD3-1BDB-7E9942D02B7D}"/>
               </a:ext>
             </a:extLst>
           </p:cNvPr>
@@ -2297,7 +2310,7 @@
           <p:cNvPr id="4" name="Text Placeholder 3">
             <a:extLst>
               <a:ext uri="{FF2B5EF4-FFF2-40B4-BE49-F238E27FC236}">
-                <a16:creationId xmlns:a16="http://schemas.microsoft.com/office/drawing/2014/main" xmlns="" id="{F8A59947-03C5-1D2D-13CB-EC1E151DC989}"/>
+                <a16:creationId xmlns:a16="http://schemas.microsoft.com/office/drawing/2014/main" id="{F8A59947-03C5-1D2D-13CB-EC1E151DC989}"/>
               </a:ext>
             </a:extLst>
           </p:cNvPr>
@@ -2368,7 +2381,7 @@
           <p:cNvPr id="5" name="Date Placeholder 4">
             <a:extLst>
               <a:ext uri="{FF2B5EF4-FFF2-40B4-BE49-F238E27FC236}">
-                <a16:creationId xmlns:a16="http://schemas.microsoft.com/office/drawing/2014/main" xmlns="" id="{27660445-B618-0E02-A0A3-C5885508276A}"/>
+                <a16:creationId xmlns:a16="http://schemas.microsoft.com/office/drawing/2014/main" id="{27660445-B618-0E02-A0A3-C5885508276A}"/>
               </a:ext>
             </a:extLst>
           </p:cNvPr>
@@ -2397,7 +2410,7 @@
           <p:cNvPr id="6" name="Footer Placeholder 5">
             <a:extLst>
               <a:ext uri="{FF2B5EF4-FFF2-40B4-BE49-F238E27FC236}">
-                <a16:creationId xmlns:a16="http://schemas.microsoft.com/office/drawing/2014/main" xmlns="" id="{4052884B-9111-F3F7-7DF3-30A8DE2470CC}"/>
+                <a16:creationId xmlns:a16="http://schemas.microsoft.com/office/drawing/2014/main" id="{4052884B-9111-F3F7-7DF3-30A8DE2470CC}"/>
               </a:ext>
             </a:extLst>
           </p:cNvPr>
@@ -2422,7 +2435,7 @@
           <p:cNvPr id="7" name="Slide Number Placeholder 6">
             <a:extLst>
               <a:ext uri="{FF2B5EF4-FFF2-40B4-BE49-F238E27FC236}">
-                <a16:creationId xmlns:a16="http://schemas.microsoft.com/office/drawing/2014/main" xmlns="" id="{CB0570B3-4B5B-253A-D7A9-FC43B985954F}"/>
+                <a16:creationId xmlns:a16="http://schemas.microsoft.com/office/drawing/2014/main" id="{CB0570B3-4B5B-253A-D7A9-FC43B985954F}"/>
               </a:ext>
             </a:extLst>
           </p:cNvPr>
@@ -2481,7 +2494,7 @@
           <p:cNvPr id="2" name="Title 1">
             <a:extLst>
               <a:ext uri="{FF2B5EF4-FFF2-40B4-BE49-F238E27FC236}">
-                <a16:creationId xmlns:a16="http://schemas.microsoft.com/office/drawing/2014/main" xmlns="" id="{5B4C1B6D-A7FD-4D63-02EE-09D41DA222A2}"/>
+                <a16:creationId xmlns:a16="http://schemas.microsoft.com/office/drawing/2014/main" id="{5B4C1B6D-A7FD-4D63-02EE-09D41DA222A2}"/>
               </a:ext>
             </a:extLst>
           </p:cNvPr>
@@ -2518,7 +2531,7 @@
           <p:cNvPr id="3" name="Picture Placeholder 2">
             <a:extLst>
               <a:ext uri="{FF2B5EF4-FFF2-40B4-BE49-F238E27FC236}">
-                <a16:creationId xmlns:a16="http://schemas.microsoft.com/office/drawing/2014/main" xmlns="" id="{8F604FD7-0D4D-87E3-0F52-1E9BE5F97436}"/>
+                <a16:creationId xmlns:a16="http://schemas.microsoft.com/office/drawing/2014/main" id="{8F604FD7-0D4D-87E3-0F52-1E9BE5F97436}"/>
               </a:ext>
             </a:extLst>
           </p:cNvPr>
@@ -2585,7 +2598,7 @@
           <p:cNvPr id="4" name="Text Placeholder 3">
             <a:extLst>
               <a:ext uri="{FF2B5EF4-FFF2-40B4-BE49-F238E27FC236}">
-                <a16:creationId xmlns:a16="http://schemas.microsoft.com/office/drawing/2014/main" xmlns="" id="{6EC1A05E-F8A8-012D-8C12-A6AB49E3AA57}"/>
+                <a16:creationId xmlns:a16="http://schemas.microsoft.com/office/drawing/2014/main" id="{6EC1A05E-F8A8-012D-8C12-A6AB49E3AA57}"/>
               </a:ext>
             </a:extLst>
           </p:cNvPr>
@@ -2656,7 +2669,7 @@
           <p:cNvPr id="5" name="Date Placeholder 4">
             <a:extLst>
               <a:ext uri="{FF2B5EF4-FFF2-40B4-BE49-F238E27FC236}">
-                <a16:creationId xmlns:a16="http://schemas.microsoft.com/office/drawing/2014/main" xmlns="" id="{4882D62F-9FFB-0741-D493-E84E7D3164B8}"/>
+                <a16:creationId xmlns:a16="http://schemas.microsoft.com/office/drawing/2014/main" id="{4882D62F-9FFB-0741-D493-E84E7D3164B8}"/>
               </a:ext>
             </a:extLst>
           </p:cNvPr>
@@ -2685,7 +2698,7 @@
           <p:cNvPr id="6" name="Footer Placeholder 5">
             <a:extLst>
               <a:ext uri="{FF2B5EF4-FFF2-40B4-BE49-F238E27FC236}">
-                <a16:creationId xmlns:a16="http://schemas.microsoft.com/office/drawing/2014/main" xmlns="" id="{9B73645A-2100-BBAF-5BB0-A1B1FDB94382}"/>
+                <a16:creationId xmlns:a16="http://schemas.microsoft.com/office/drawing/2014/main" id="{9B73645A-2100-BBAF-5BB0-A1B1FDB94382}"/>
               </a:ext>
             </a:extLst>
           </p:cNvPr>
@@ -2710,7 +2723,7 @@
           <p:cNvPr id="7" name="Slide Number Placeholder 6">
             <a:extLst>
               <a:ext uri="{FF2B5EF4-FFF2-40B4-BE49-F238E27FC236}">
-                <a16:creationId xmlns:a16="http://schemas.microsoft.com/office/drawing/2014/main" xmlns="" id="{A096F40B-F5A5-2BA7-22FF-10E2AB9F80EB}"/>
+                <a16:creationId xmlns:a16="http://schemas.microsoft.com/office/drawing/2014/main" id="{A096F40B-F5A5-2BA7-22FF-10E2AB9F80EB}"/>
               </a:ext>
             </a:extLst>
           </p:cNvPr>
@@ -2774,7 +2787,7 @@
           <p:cNvPr id="2" name="Title Placeholder 1">
             <a:extLst>
               <a:ext uri="{FF2B5EF4-FFF2-40B4-BE49-F238E27FC236}">
-                <a16:creationId xmlns:a16="http://schemas.microsoft.com/office/drawing/2014/main" xmlns="" id="{0FC70D25-C3F3-8F59-35C8-00312F5266CB}"/>
+                <a16:creationId xmlns:a16="http://schemas.microsoft.com/office/drawing/2014/main" id="{0FC70D25-C3F3-8F59-35C8-00312F5266CB}"/>
               </a:ext>
             </a:extLst>
           </p:cNvPr>
@@ -2812,7 +2825,7 @@
           <p:cNvPr id="3" name="Text Placeholder 2">
             <a:extLst>
               <a:ext uri="{FF2B5EF4-FFF2-40B4-BE49-F238E27FC236}">
-                <a16:creationId xmlns:a16="http://schemas.microsoft.com/office/drawing/2014/main" xmlns="" id="{9E994A6B-D34D-8E01-EE9B-BA3781420FCB}"/>
+                <a16:creationId xmlns:a16="http://schemas.microsoft.com/office/drawing/2014/main" id="{9E994A6B-D34D-8E01-EE9B-BA3781420FCB}"/>
               </a:ext>
             </a:extLst>
           </p:cNvPr>
@@ -2879,7 +2892,7 @@
           <p:cNvPr id="4" name="Date Placeholder 3">
             <a:extLst>
               <a:ext uri="{FF2B5EF4-FFF2-40B4-BE49-F238E27FC236}">
-                <a16:creationId xmlns:a16="http://schemas.microsoft.com/office/drawing/2014/main" xmlns="" id="{C9BD5823-83D1-0F27-3E44-8712825C4E17}"/>
+                <a16:creationId xmlns:a16="http://schemas.microsoft.com/office/drawing/2014/main" id="{C9BD5823-83D1-0F27-3E44-8712825C4E17}"/>
               </a:ext>
             </a:extLst>
           </p:cNvPr>
@@ -2926,7 +2939,7 @@
           <p:cNvPr id="5" name="Footer Placeholder 4">
             <a:extLst>
               <a:ext uri="{FF2B5EF4-FFF2-40B4-BE49-F238E27FC236}">
-                <a16:creationId xmlns:a16="http://schemas.microsoft.com/office/drawing/2014/main" xmlns="" id="{3D8FC6C2-1F4F-5233-E2C2-53ECF9AFF1C8}"/>
+                <a16:creationId xmlns:a16="http://schemas.microsoft.com/office/drawing/2014/main" id="{3D8FC6C2-1F4F-5233-E2C2-53ECF9AFF1C8}"/>
               </a:ext>
             </a:extLst>
           </p:cNvPr>
@@ -2969,7 +2982,7 @@
           <p:cNvPr id="6" name="Slide Number Placeholder 5">
             <a:extLst>
               <a:ext uri="{FF2B5EF4-FFF2-40B4-BE49-F238E27FC236}">
-                <a16:creationId xmlns:a16="http://schemas.microsoft.com/office/drawing/2014/main" xmlns="" id="{41522096-6DD3-2F10-AAA8-EC0CE442F7FC}"/>
+                <a16:creationId xmlns:a16="http://schemas.microsoft.com/office/drawing/2014/main" id="{41522096-6DD3-2F10-AAA8-EC0CE442F7FC}"/>
               </a:ext>
             </a:extLst>
           </p:cNvPr>
@@ -3337,7 +3350,7 @@
           <p:cNvPr id="2" name="Title 1">
             <a:extLst>
               <a:ext uri="{FF2B5EF4-FFF2-40B4-BE49-F238E27FC236}">
-                <a16:creationId xmlns:a16="http://schemas.microsoft.com/office/drawing/2014/main" xmlns="" id="{69E4034B-AAE5-434C-4F17-E5CBB3875D63}"/>
+                <a16:creationId xmlns:a16="http://schemas.microsoft.com/office/drawing/2014/main" id="{69E4034B-AAE5-434C-4F17-E5CBB3875D63}"/>
               </a:ext>
             </a:extLst>
           </p:cNvPr>
@@ -3365,7 +3378,7 @@
           <p:cNvPr id="3" name="Subtitle 2">
             <a:extLst>
               <a:ext uri="{FF2B5EF4-FFF2-40B4-BE49-F238E27FC236}">
-                <a16:creationId xmlns:a16="http://schemas.microsoft.com/office/drawing/2014/main" xmlns="" id="{C4954345-570C-863D-0318-9401BFA3F94A}"/>
+                <a16:creationId xmlns:a16="http://schemas.microsoft.com/office/drawing/2014/main" id="{C4954345-570C-863D-0318-9401BFA3F94A}"/>
               </a:ext>
             </a:extLst>
           </p:cNvPr>
@@ -3420,7 +3433,7 @@
           <p:cNvPr id="2" name="Title 1">
             <a:extLst>
               <a:ext uri="{FF2B5EF4-FFF2-40B4-BE49-F238E27FC236}">
-                <a16:creationId xmlns:a16="http://schemas.microsoft.com/office/drawing/2014/main" xmlns="" id="{EBC8FE42-5B69-3646-4465-CA90DA560DE6}"/>
+                <a16:creationId xmlns:a16="http://schemas.microsoft.com/office/drawing/2014/main" id="{EBC8FE42-5B69-3646-4465-CA90DA560DE6}"/>
               </a:ext>
             </a:extLst>
           </p:cNvPr>
@@ -3437,10 +3450,9 @@
           <a:lstStyle/>
           <a:p>
             <a:r>
-              <a:rPr lang="en-US" dirty="0" smtClean="0"/>
+              <a:rPr lang="en-US" dirty="0"/>
               <a:t>Wire Position 1</a:t>
             </a:r>
-            <a:endParaRPr lang="en-US" dirty="0"/>
           </a:p>
         </p:txBody>
       </p:sp>
@@ -3449,7 +3461,7 @@
           <p:cNvPr id="3" name="Content Placeholder 2">
             <a:extLst>
               <a:ext uri="{FF2B5EF4-FFF2-40B4-BE49-F238E27FC236}">
-                <a16:creationId xmlns:a16="http://schemas.microsoft.com/office/drawing/2014/main" xmlns="" id="{CA83AA07-1277-6384-211A-45877720C484}"/>
+                <a16:creationId xmlns:a16="http://schemas.microsoft.com/office/drawing/2014/main" id="{CA83AA07-1277-6384-211A-45877720C484}"/>
               </a:ext>
             </a:extLst>
           </p:cNvPr>
@@ -3488,12 +3500,8 @@
           </a:p>
           <a:p>
             <a:r>
-              <a:rPr lang="en-US" dirty="0" smtClean="0"/>
-              <a:t>Use </a:t>
-            </a:r>
-            <a:r>
-              <a:rPr lang="en-US" dirty="0"/>
-              <a:t>“</a:t>
+              <a:rPr lang="en-US" dirty="0"/>
+              <a:t>Use “</a:t>
             </a:r>
             <a:r>
               <a:rPr lang="en-US" dirty="0" err="1"/>
@@ -3528,20 +3536,19 @@
               <a:t>” </a:t>
             </a:r>
             <a:r>
-              <a:rPr lang="en-US" dirty="0" err="1" smtClean="0"/>
+              <a:rPr lang="en-US" dirty="0" err="1"/>
               <a:t>wirescans</a:t>
             </a:r>
             <a:r>
-              <a:rPr lang="en-US" dirty="0" smtClean="0"/>
+              <a:rPr lang="en-US" dirty="0"/>
               <a:t> to measure magnetic axis along undulator</a:t>
             </a:r>
           </a:p>
           <a:p>
             <a:r>
-              <a:rPr lang="en-US" dirty="0" smtClean="0"/>
+              <a:rPr lang="en-US" dirty="0"/>
               <a:t>Use velocity signal (flat) to calibration amplitude vs voltage.</a:t>
             </a:r>
-            <a:endParaRPr lang="en-US" dirty="0"/>
           </a:p>
         </p:txBody>
       </p:sp>
@@ -3591,10 +3598,9 @@
           <a:lstStyle/>
           <a:p>
             <a:r>
-              <a:rPr lang="en-US" dirty="0" smtClean="0"/>
+              <a:rPr lang="en-US" dirty="0"/>
               <a:t>Calibration</a:t>
             </a:r>
-            <a:endParaRPr lang="en-US" dirty="0"/>
           </a:p>
         </p:txBody>
       </p:sp>
@@ -3619,22 +3625,21 @@
           <a:lstStyle/>
           <a:p>
             <a:r>
-              <a:rPr lang="en-US" dirty="0" smtClean="0"/>
+              <a:rPr lang="en-US" dirty="0"/>
               <a:t>Non-flat trajectories will sample voltages outside the linear region.</a:t>
             </a:r>
           </a:p>
           <a:p>
             <a:r>
-              <a:rPr lang="en-US" dirty="0" smtClean="0"/>
+              <a:rPr lang="en-US" dirty="0"/>
               <a:t>Calibration curve allows us to correct for this error afterwards. </a:t>
             </a:r>
           </a:p>
           <a:p>
             <a:r>
-              <a:rPr lang="en-US" dirty="0" smtClean="0"/>
+              <a:rPr lang="en-US" dirty="0"/>
               <a:t>Error in calibration data is &lt;0.5%</a:t>
             </a:r>
-            <a:endParaRPr lang="en-US" dirty="0"/>
           </a:p>
         </p:txBody>
       </p:sp>
@@ -3738,18 +3743,17 @@
           <a:lstStyle/>
           <a:p>
             <a:r>
-              <a:rPr lang="en-US" dirty="0" smtClean="0"/>
+              <a:rPr lang="en-US" dirty="0"/>
               <a:t>Frequency </a:t>
             </a:r>
             <a:r>
-              <a:rPr lang="en-US" dirty="0" err="1" smtClean="0"/>
+              <a:rPr lang="en-US" dirty="0" err="1"/>
               <a:t>Lowpass</a:t>
             </a:r>
             <a:r>
-              <a:rPr lang="en-US" dirty="0" smtClean="0"/>
+              <a:rPr lang="en-US" dirty="0"/>
               <a:t> Filter</a:t>
             </a:r>
-            <a:endParaRPr lang="en-US" dirty="0"/>
           </a:p>
         </p:txBody>
       </p:sp>
@@ -3769,33 +3773,33 @@
           <a:lstStyle/>
           <a:p>
             <a:r>
-              <a:rPr lang="en-US" dirty="0" smtClean="0"/>
+              <a:rPr lang="en-US" dirty="0"/>
               <a:t>One laser/photodiode pair has a very large signature at 50kHz. </a:t>
             </a:r>
           </a:p>
           <a:p>
             <a:r>
-              <a:rPr lang="en-US" dirty="0" smtClean="0"/>
+              <a:rPr lang="en-US" dirty="0"/>
               <a:t>I have implemented a low pass filter where frequencies above a specified cutoff are set to zero amplitude.</a:t>
             </a:r>
           </a:p>
           <a:p>
             <a:r>
-              <a:rPr lang="en-US" dirty="0" smtClean="0"/>
+              <a:rPr lang="en-US" dirty="0"/>
               <a:t>This introduces noise near the edges of the signal </a:t>
             </a:r>
           </a:p>
           <a:p>
             <a:pPr lvl="1"/>
             <a:r>
-              <a:rPr lang="en-US" dirty="0" smtClean="0"/>
+              <a:rPr lang="en-US" dirty="0"/>
               <a:t>1-2 percent of full window</a:t>
             </a:r>
           </a:p>
           <a:p>
             <a:pPr lvl="1"/>
             <a:r>
-              <a:rPr lang="en-US" dirty="0" smtClean="0"/>
+              <a:rPr lang="en-US" dirty="0"/>
               <a:t>Doesn’t affect measurement in the middle.</a:t>
             </a:r>
           </a:p>
@@ -3836,7 +3840,7 @@
           <p:cNvPr id="2" name="Title 1">
             <a:extLst>
               <a:ext uri="{FF2B5EF4-FFF2-40B4-BE49-F238E27FC236}">
-                <a16:creationId xmlns:a16="http://schemas.microsoft.com/office/drawing/2014/main" xmlns="" id="{80D8FB11-E7EC-4570-85E3-3D9D77794551}"/>
+                <a16:creationId xmlns:a16="http://schemas.microsoft.com/office/drawing/2014/main" id="{80D8FB11-E7EC-4570-85E3-3D9D77794551}"/>
               </a:ext>
             </a:extLst>
           </p:cNvPr>
@@ -3853,19 +3857,19 @@
           <a:lstStyle/>
           <a:p>
             <a:r>
-              <a:rPr lang="en-US" dirty="0" smtClean="0"/>
+              <a:rPr lang="en-US" dirty="0"/>
               <a:t>Dec 19: </a:t>
             </a:r>
             <a:r>
-              <a:rPr lang="en-US" dirty="0" err="1" smtClean="0"/>
+              <a:rPr lang="en-US" dirty="0" err="1"/>
               <a:t>Xtraj</a:t>
             </a:r>
             <a:r>
-              <a:rPr lang="en-US" dirty="0" smtClean="0"/>
+              <a:rPr lang="en-US" dirty="0"/>
               <a:t> vs </a:t>
             </a:r>
             <a:r>
-              <a:rPr lang="en-US" dirty="0" err="1" smtClean="0"/>
+              <a:rPr lang="en-US" dirty="0" err="1"/>
               <a:t>Yoffset</a:t>
             </a:r>
             <a:endParaRPr lang="en-US" dirty="0"/>
@@ -3877,7 +3881,7 @@
           <p:cNvPr id="3" name="Content Placeholder 2">
             <a:extLst>
               <a:ext uri="{FF2B5EF4-FFF2-40B4-BE49-F238E27FC236}">
-                <a16:creationId xmlns:a16="http://schemas.microsoft.com/office/drawing/2014/main" xmlns="" id="{9D2872F6-FEEE-7854-2BAD-A14CD4EA438D}"/>
+                <a16:creationId xmlns:a16="http://schemas.microsoft.com/office/drawing/2014/main" id="{9D2872F6-FEEE-7854-2BAD-A14CD4EA438D}"/>
               </a:ext>
             </a:extLst>
           </p:cNvPr>
@@ -3901,28 +3905,28 @@
           <a:lstStyle/>
           <a:p>
             <a:r>
-              <a:rPr lang="en-US" dirty="0" smtClean="0"/>
+              <a:rPr lang="en-US" dirty="0"/>
               <a:t>First 5 peak concavities look very nice!</a:t>
             </a:r>
           </a:p>
           <a:p>
             <a:r>
-              <a:rPr lang="en-US" dirty="0" smtClean="0"/>
+              <a:rPr lang="en-US" dirty="0"/>
               <a:t>Graph shows magnetic axis along undulator with color showing the error in quadratic fit.</a:t>
             </a:r>
           </a:p>
           <a:p>
             <a:pPr lvl="1"/>
             <a:r>
-              <a:rPr lang="en-US" dirty="0" smtClean="0"/>
+              <a:rPr lang="en-US" dirty="0"/>
               <a:t>Fit with line, weights given by 1/</a:t>
             </a:r>
             <a:r>
-              <a:rPr lang="en-US" dirty="0" err="1" smtClean="0"/>
+              <a:rPr lang="en-US" dirty="0" err="1"/>
               <a:t>rmse</a:t>
             </a:r>
             <a:r>
-              <a:rPr lang="en-US" dirty="0" smtClean="0"/>
+              <a:rPr lang="en-US" dirty="0"/>
               <a:t> </a:t>
             </a:r>
           </a:p>
@@ -3935,42 +3939,24 @@
           <a:p>
             <a:pPr lvl="1"/>
             <a:r>
-              <a:rPr lang="en-US" dirty="0" smtClean="0"/>
-              <a:t>yP1 </a:t>
-            </a:r>
-            <a:r>
-              <a:rPr lang="en-US" dirty="0"/>
-              <a:t>= </a:t>
-            </a:r>
-            <a:r>
-              <a:rPr lang="en-US" dirty="0" smtClean="0"/>
-              <a:t>470um</a:t>
-            </a:r>
+              <a:rPr lang="en-US" dirty="0"/>
+              <a:t>yP1 = 470um</a:t>
+            </a:r>
+          </a:p>
+          <a:p>
+            <a:pPr lvl="1"/>
+            <a:r>
+              <a:rPr lang="en-US" dirty="0"/>
+              <a:t>yP2 = 100um</a:t>
+            </a:r>
+          </a:p>
+          <a:p>
+            <a:pPr lvl="2"/>
             <a:endParaRPr lang="en-US" dirty="0"/>
           </a:p>
           <a:p>
             <a:pPr lvl="1"/>
-            <a:r>
-              <a:rPr lang="en-US" dirty="0" smtClean="0"/>
-              <a:t>yP2 </a:t>
-            </a:r>
-            <a:r>
-              <a:rPr lang="en-US" dirty="0"/>
-              <a:t>= </a:t>
-            </a:r>
-            <a:r>
-              <a:rPr lang="en-US" dirty="0" smtClean="0"/>
-              <a:t>100um</a:t>
-            </a:r>
             <a:endParaRPr lang="en-US" dirty="0"/>
-          </a:p>
-          <a:p>
-            <a:pPr lvl="2"/>
-            <a:endParaRPr lang="en-US" dirty="0" smtClean="0"/>
-          </a:p>
-          <a:p>
-            <a:pPr lvl="1"/>
-            <a:endParaRPr lang="en-US" dirty="0" smtClean="0"/>
           </a:p>
         </p:txBody>
       </p:sp>
@@ -4236,19 +4222,19 @@
           <a:lstStyle/>
           <a:p>
             <a:r>
-              <a:rPr lang="en-US" dirty="0" smtClean="0"/>
+              <a:rPr lang="en-US" dirty="0"/>
               <a:t>Dec 21: </a:t>
             </a:r>
             <a:r>
-              <a:rPr lang="en-US" dirty="0" err="1" smtClean="0"/>
+              <a:rPr lang="en-US" dirty="0" err="1"/>
               <a:t>Ytraj</a:t>
             </a:r>
             <a:r>
-              <a:rPr lang="en-US" dirty="0" smtClean="0"/>
+              <a:rPr lang="en-US" dirty="0"/>
               <a:t> vs </a:t>
             </a:r>
             <a:r>
-              <a:rPr lang="en-US" dirty="0" err="1" smtClean="0"/>
+              <a:rPr lang="en-US" dirty="0" err="1"/>
               <a:t>Xoffset</a:t>
             </a:r>
             <a:endParaRPr lang="en-US" dirty="0"/>
@@ -4276,59 +4262,65 @@
           <a:lstStyle/>
           <a:p>
             <a:r>
-              <a:rPr lang="en-US" dirty="0" smtClean="0"/>
+              <a:rPr lang="en-US" dirty="0"/>
               <a:t>Nice linear trend for magnetic axis vs </a:t>
             </a:r>
             <a:r>
-              <a:rPr lang="en-US" dirty="0" err="1" smtClean="0"/>
+              <a:rPr lang="en-US" dirty="0" err="1"/>
               <a:t>xoffset</a:t>
             </a:r>
             <a:r>
-              <a:rPr lang="en-US" dirty="0" smtClean="0"/>
+              <a:rPr lang="en-US" dirty="0"/>
               <a:t>.</a:t>
             </a:r>
           </a:p>
           <a:p>
             <a:r>
-              <a:rPr lang="en-US" dirty="0" smtClean="0"/>
+              <a:rPr lang="en-US" dirty="0"/>
               <a:t>Suggested wire adjustment:</a:t>
             </a:r>
           </a:p>
           <a:p>
             <a:pPr lvl="1"/>
             <a:r>
-              <a:rPr lang="en-US" dirty="0" smtClean="0"/>
+              <a:rPr lang="en-US" dirty="0"/>
               <a:t>xP1 = 970um</a:t>
             </a:r>
           </a:p>
           <a:p>
             <a:pPr lvl="1"/>
             <a:r>
-              <a:rPr lang="en-US" dirty="0" smtClean="0"/>
+              <a:rPr lang="en-US" dirty="0"/>
               <a:t>xP2 = -850um</a:t>
             </a:r>
           </a:p>
           <a:p>
             <a:r>
-              <a:rPr lang="en-US" dirty="0" smtClean="0"/>
+              <a:rPr lang="en-US" dirty="0"/>
               <a:t>Not surprised there is more noise</a:t>
             </a:r>
           </a:p>
           <a:p>
             <a:pPr lvl="1"/>
             <a:r>
-              <a:rPr lang="en-US" dirty="0" smtClean="0"/>
-              <a:t>Noise to signal ratio was 5x larger than for </a:t>
-            </a:r>
-            <a:r>
-              <a:rPr lang="en-US" dirty="0" err="1" smtClean="0"/>
+              <a:rPr lang="en-US" dirty="0"/>
+              <a:t>Noise to signal ratio was 3x larger than for </a:t>
+            </a:r>
+            <a:r>
+              <a:rPr lang="en-US" dirty="0" err="1"/>
               <a:t>xtraj</a:t>
             </a:r>
             <a:r>
-              <a:rPr lang="en-US" dirty="0" smtClean="0"/>
+              <a:rPr lang="en-US" dirty="0"/>
               <a:t>.</a:t>
             </a:r>
-            <a:endParaRPr lang="en-US" dirty="0"/>
+          </a:p>
+          <a:p>
+            <a:pPr lvl="1"/>
+            <a:r>
+              <a:rPr lang="en-US" dirty="0"/>
+              <a:t>Should these results be trusted?</a:t>
+            </a:r>
           </a:p>
         </p:txBody>
       </p:sp>
@@ -4594,147 +4586,134 @@
           <a:lstStyle/>
           <a:p>
             <a:r>
-              <a:rPr lang="en-US" dirty="0" smtClean="0"/>
+              <a:rPr lang="en-US" dirty="0"/>
               <a:t>Wire Position 2</a:t>
             </a:r>
+          </a:p>
+        </p:txBody>
+      </p:sp>
+      <p:sp>
+        <p:nvSpPr>
+          <p:cNvPr id="3" name="Content Placeholder 2"/>
+          <p:cNvSpPr>
+            <a:spLocks noGrp="1"/>
+          </p:cNvSpPr>
+          <p:nvPr>
+            <p:ph idx="1"/>
+          </p:nvPr>
+        </p:nvSpPr>
+        <p:spPr/>
+        <p:txBody>
+          <a:bodyPr>
+            <a:normAutofit fontScale="77500" lnSpcReduction="20000"/>
+          </a:bodyPr>
+          <a:lstStyle/>
+          <a:p>
+            <a:r>
+              <a:rPr lang="en-US" dirty="0"/>
+              <a:t>Old Positions:</a:t>
+            </a:r>
+          </a:p>
+          <a:p>
+            <a:pPr lvl="1"/>
+            <a:r>
+              <a:rPr lang="en-US" dirty="0"/>
+              <a:t>X1,y1 = (12, 18)</a:t>
+            </a:r>
+          </a:p>
+          <a:p>
+            <a:pPr lvl="1"/>
+            <a:r>
+              <a:rPr lang="en-US" dirty="0"/>
+              <a:t>X2, y2 = (11, 12)</a:t>
+            </a:r>
+          </a:p>
+          <a:p>
+            <a:r>
+              <a:rPr lang="en-US" dirty="0"/>
+              <a:t>Adjustments:</a:t>
+            </a:r>
+          </a:p>
+          <a:p>
+            <a:pPr lvl="1"/>
+            <a:r>
+              <a:rPr lang="en-US" dirty="0"/>
+              <a:t>xP1 = 970um</a:t>
+            </a:r>
+          </a:p>
+          <a:p>
+            <a:pPr lvl="1"/>
+            <a:r>
+              <a:rPr lang="en-US" dirty="0"/>
+              <a:t>yP1 = 470um</a:t>
+            </a:r>
+          </a:p>
+          <a:p>
+            <a:pPr lvl="1"/>
+            <a:r>
+              <a:rPr lang="en-US" dirty="0"/>
+              <a:t>xP2 = -850um</a:t>
+            </a:r>
+          </a:p>
+          <a:p>
+            <a:pPr lvl="1"/>
+            <a:r>
+              <a:rPr lang="en-US" dirty="0"/>
+              <a:t>yP2 = 100um</a:t>
+            </a:r>
+          </a:p>
+          <a:p>
+            <a:r>
+              <a:rPr lang="en-US" dirty="0"/>
+              <a:t>New Positions:</a:t>
+            </a:r>
+          </a:p>
+          <a:p>
+            <a:pPr lvl="1"/>
+            <a:r>
+              <a:rPr lang="en-US" dirty="0"/>
+              <a:t>X1,y1 = (12.97, 18.47)</a:t>
+            </a:r>
+          </a:p>
+          <a:p>
+            <a:pPr lvl="1"/>
+            <a:r>
+              <a:rPr lang="en-US" dirty="0"/>
+              <a:t>X2, y2 = (10.15, 12.10)</a:t>
+            </a:r>
+          </a:p>
+          <a:p>
+            <a:r>
+              <a:rPr lang="en-US" dirty="0"/>
+              <a:t>Trajectories after moving to new location</a:t>
+            </a:r>
+          </a:p>
+          <a:p>
+            <a:pPr lvl="1"/>
+            <a:r>
+              <a:rPr lang="en-US" dirty="0"/>
+              <a:t>Y trajectory looks good</a:t>
+            </a:r>
+          </a:p>
+          <a:p>
+            <a:pPr lvl="1"/>
+            <a:r>
+              <a:rPr lang="en-US" dirty="0"/>
+              <a:t>X trajectory has a little concavity for first 60% of undulator. </a:t>
+            </a:r>
+            <a:r>
+              <a:rPr lang="en-US" b="1" dirty="0"/>
+              <a:t>I do not like the kick around t=4ms…</a:t>
+            </a:r>
+          </a:p>
+          <a:p>
             <a:endParaRPr lang="en-US" dirty="0"/>
           </a:p>
-        </p:txBody>
-      </p:sp>
-      <p:sp>
-        <p:nvSpPr>
-          <p:cNvPr id="3" name="Content Placeholder 2"/>
-          <p:cNvSpPr>
-            <a:spLocks noGrp="1"/>
-          </p:cNvSpPr>
-          <p:nvPr>
-            <p:ph idx="1"/>
-          </p:nvPr>
-        </p:nvSpPr>
-        <p:spPr/>
-        <p:txBody>
-          <a:bodyPr>
-            <a:normAutofit lnSpcReduction="10000"/>
-          </a:bodyPr>
-          <a:lstStyle/>
-          <a:p>
-            <a:r>
-              <a:rPr lang="en-US" dirty="0" smtClean="0"/>
-              <a:t>Old Positions:</a:t>
-            </a:r>
-          </a:p>
-          <a:p>
-            <a:pPr lvl="1"/>
-            <a:r>
-              <a:rPr lang="en-US" dirty="0" smtClean="0"/>
-              <a:t>X1,y1 </a:t>
-            </a:r>
-            <a:r>
-              <a:rPr lang="en-US" dirty="0"/>
-              <a:t>= (12, 18)</a:t>
-            </a:r>
-          </a:p>
-          <a:p>
-            <a:pPr lvl="1"/>
-            <a:r>
-              <a:rPr lang="en-US" dirty="0"/>
-              <a:t>X2, y2 = (11, 12</a:t>
-            </a:r>
-            <a:r>
-              <a:rPr lang="en-US" dirty="0" smtClean="0"/>
-              <a:t>)</a:t>
-            </a:r>
-          </a:p>
-          <a:p>
-            <a:r>
-              <a:rPr lang="en-US" dirty="0" smtClean="0"/>
-              <a:t>Adjustments:</a:t>
-            </a:r>
-          </a:p>
-          <a:p>
-            <a:pPr lvl="1"/>
-            <a:r>
-              <a:rPr lang="en-US" dirty="0" smtClean="0"/>
-              <a:t>xP1 </a:t>
-            </a:r>
-            <a:r>
-              <a:rPr lang="en-US" dirty="0"/>
-              <a:t>= </a:t>
-            </a:r>
-            <a:r>
-              <a:rPr lang="en-US" dirty="0" smtClean="0"/>
-              <a:t>970um</a:t>
-            </a:r>
-          </a:p>
-          <a:p>
-            <a:pPr lvl="1"/>
-            <a:r>
-              <a:rPr lang="en-US" dirty="0"/>
-              <a:t>yP1 = </a:t>
-            </a:r>
-            <a:r>
-              <a:rPr lang="en-US" dirty="0" smtClean="0"/>
-              <a:t>470um</a:t>
-            </a:r>
-          </a:p>
-          <a:p>
-            <a:pPr lvl="1"/>
-            <a:r>
-              <a:rPr lang="en-US" dirty="0"/>
-              <a:t>xP2 = -</a:t>
-            </a:r>
-            <a:r>
-              <a:rPr lang="en-US" dirty="0" smtClean="0"/>
-              <a:t>850um</a:t>
-            </a:r>
+          <a:p>
+            <a:pPr marL="0" indent="0">
+              <a:buNone/>
+            </a:pPr>
             <a:endParaRPr lang="en-US" dirty="0"/>
-          </a:p>
-          <a:p>
-            <a:pPr lvl="1"/>
-            <a:r>
-              <a:rPr lang="en-US" dirty="0"/>
-              <a:t>yP2 = 100um</a:t>
-            </a:r>
-          </a:p>
-          <a:p>
-            <a:r>
-              <a:rPr lang="en-US" dirty="0" smtClean="0"/>
-              <a:t>New Positions:</a:t>
-            </a:r>
-          </a:p>
-          <a:p>
-            <a:pPr lvl="1"/>
-            <a:r>
-              <a:rPr lang="en-US" dirty="0"/>
-              <a:t>X1,y1 = (</a:t>
-            </a:r>
-            <a:r>
-              <a:rPr lang="en-US" dirty="0" smtClean="0"/>
-              <a:t>12.97, 18.47)</a:t>
-            </a:r>
-            <a:endParaRPr lang="en-US" dirty="0"/>
-          </a:p>
-          <a:p>
-            <a:pPr lvl="1"/>
-            <a:r>
-              <a:rPr lang="en-US" dirty="0"/>
-              <a:t>X2, y2 = (</a:t>
-            </a:r>
-            <a:r>
-              <a:rPr lang="en-US" dirty="0" smtClean="0"/>
-              <a:t>10.15, 12.10)</a:t>
-            </a:r>
-            <a:endParaRPr lang="en-US" dirty="0"/>
-          </a:p>
-          <a:p>
-            <a:pPr marL="0" indent="0">
-              <a:buNone/>
-            </a:pPr>
-            <a:endParaRPr lang="en-US" dirty="0" smtClean="0"/>
-          </a:p>
-          <a:p>
-            <a:pPr lvl="1"/>
-            <a:endParaRPr lang="en-US" dirty="0" smtClean="0"/>
           </a:p>
           <a:p>
             <a:pPr lvl="1"/>
@@ -4749,14 +4728,371 @@
             <a:endParaRPr lang="en-US" dirty="0"/>
           </a:p>
           <a:p>
+            <a:pPr lvl="1"/>
             <a:endParaRPr lang="en-US" dirty="0"/>
           </a:p>
-        </p:txBody>
-      </p:sp>
+          <a:p>
+            <a:endParaRPr lang="en-US" dirty="0"/>
+          </a:p>
+        </p:txBody>
+      </p:sp>
+      <p:pic>
+        <p:nvPicPr>
+          <p:cNvPr id="5" name="Picture 4">
+            <a:extLst>
+              <a:ext uri="{FF2B5EF4-FFF2-40B4-BE49-F238E27FC236}">
+                <a16:creationId xmlns:a16="http://schemas.microsoft.com/office/drawing/2014/main" id="{75A3AF0A-2B48-0EA2-AF5B-A14DCC938814}"/>
+              </a:ext>
+            </a:extLst>
+          </p:cNvPr>
+          <p:cNvPicPr>
+            <a:picLocks noChangeAspect="1"/>
+          </p:cNvPicPr>
+          <p:nvPr/>
+        </p:nvPicPr>
+        <p:blipFill>
+          <a:blip r:embed="rId2"/>
+          <a:stretch>
+            <a:fillRect/>
+          </a:stretch>
+        </p:blipFill>
+        <p:spPr>
+          <a:xfrm>
+            <a:off x="5885954" y="908284"/>
+            <a:ext cx="5315223" cy="3886400"/>
+          </a:xfrm>
+          <a:prstGeom prst="rect">
+            <a:avLst/>
+          </a:prstGeom>
+        </p:spPr>
+      </p:pic>
     </p:spTree>
     <p:extLst>
       <p:ext uri="{BB962C8B-B14F-4D97-AF65-F5344CB8AC3E}">
         <p14:creationId xmlns:p14="http://schemas.microsoft.com/office/powerpoint/2010/main" val="4069291664"/>
+      </p:ext>
+    </p:extLst>
+  </p:cSld>
+  <p:clrMapOvr>
+    <a:masterClrMapping/>
+  </p:clrMapOvr>
+</p:sld>
+</file>
+
+<file path=ppt/slides/slide8.xml><?xml version="1.0" encoding="utf-8"?>
+<p:sld xmlns:a="http://schemas.openxmlformats.org/drawingml/2006/main" xmlns:r="http://schemas.openxmlformats.org/officeDocument/2006/relationships" xmlns:p="http://schemas.openxmlformats.org/presentationml/2006/main">
+  <p:cSld>
+    <p:spTree>
+      <p:nvGrpSpPr>
+        <p:cNvPr id="1" name=""/>
+        <p:cNvGrpSpPr/>
+        <p:nvPr/>
+      </p:nvGrpSpPr>
+      <p:grpSpPr>
+        <a:xfrm>
+          <a:off x="0" y="0"/>
+          <a:ext cx="0" cy="0"/>
+          <a:chOff x="0" y="0"/>
+          <a:chExt cx="0" cy="0"/>
+        </a:xfrm>
+      </p:grpSpPr>
+      <p:sp>
+        <p:nvSpPr>
+          <p:cNvPr id="2" name="Title 1">
+            <a:extLst>
+              <a:ext uri="{FF2B5EF4-FFF2-40B4-BE49-F238E27FC236}">
+                <a16:creationId xmlns:a16="http://schemas.microsoft.com/office/drawing/2014/main" id="{0A76321B-E087-78C4-17C3-E06C0E8D208C}"/>
+              </a:ext>
+            </a:extLst>
+          </p:cNvPr>
+          <p:cNvSpPr>
+            <a:spLocks noGrp="1"/>
+          </p:cNvSpPr>
+          <p:nvPr>
+            <p:ph type="title"/>
+          </p:nvPr>
+        </p:nvSpPr>
+        <p:spPr/>
+        <p:txBody>
+          <a:bodyPr/>
+          <a:lstStyle/>
+          <a:p>
+            <a:r>
+              <a:rPr lang="en-US" dirty="0"/>
+              <a:t>Dec 21: </a:t>
+            </a:r>
+            <a:r>
+              <a:rPr lang="en-US" dirty="0" err="1"/>
+              <a:t>Xtraj</a:t>
+            </a:r>
+            <a:r>
+              <a:rPr lang="en-US" dirty="0"/>
+              <a:t> vs </a:t>
+            </a:r>
+            <a:r>
+              <a:rPr lang="en-US" dirty="0" err="1"/>
+              <a:t>Xoffset</a:t>
+            </a:r>
+            <a:endParaRPr lang="en-US" dirty="0"/>
+          </a:p>
+        </p:txBody>
+      </p:sp>
+      <p:sp>
+        <p:nvSpPr>
+          <p:cNvPr id="3" name="Content Placeholder 2">
+            <a:extLst>
+              <a:ext uri="{FF2B5EF4-FFF2-40B4-BE49-F238E27FC236}">
+                <a16:creationId xmlns:a16="http://schemas.microsoft.com/office/drawing/2014/main" id="{3B9E35F8-D244-EE00-E392-A9D06D2CDF92}"/>
+              </a:ext>
+            </a:extLst>
+          </p:cNvPr>
+          <p:cNvSpPr>
+            <a:spLocks noGrp="1"/>
+          </p:cNvSpPr>
+          <p:nvPr>
+            <p:ph idx="1"/>
+          </p:nvPr>
+        </p:nvSpPr>
+        <p:spPr>
+          <a:xfrm>
+            <a:off x="838200" y="1825625"/>
+            <a:ext cx="4971334" cy="3750152"/>
+          </a:xfrm>
+        </p:spPr>
+        <p:txBody>
+          <a:bodyPr/>
+          <a:lstStyle/>
+          <a:p>
+            <a:r>
+              <a:rPr lang="en-US" dirty="0"/>
+              <a:t>Have to tune trajectory straightish with entrance magnet to have measurement be feasible. </a:t>
+            </a:r>
+          </a:p>
+          <a:p>
+            <a:r>
+              <a:rPr lang="en-US" dirty="0"/>
+              <a:t>Tried again, still failed to get good results</a:t>
+            </a:r>
+          </a:p>
+        </p:txBody>
+      </p:sp>
+      <p:pic>
+        <p:nvPicPr>
+          <p:cNvPr id="5" name="Picture 4">
+            <a:extLst>
+              <a:ext uri="{FF2B5EF4-FFF2-40B4-BE49-F238E27FC236}">
+                <a16:creationId xmlns:a16="http://schemas.microsoft.com/office/drawing/2014/main" id="{BE7249A0-46A3-18A3-6A64-74EEEA20DF40}"/>
+              </a:ext>
+            </a:extLst>
+          </p:cNvPr>
+          <p:cNvPicPr>
+            <a:picLocks noChangeAspect="1"/>
+          </p:cNvPicPr>
+          <p:nvPr/>
+        </p:nvPicPr>
+        <p:blipFill>
+          <a:blip r:embed="rId2"/>
+          <a:stretch>
+            <a:fillRect/>
+          </a:stretch>
+        </p:blipFill>
+        <p:spPr>
+          <a:xfrm>
+            <a:off x="5978955" y="1507896"/>
+            <a:ext cx="5569236" cy="4254719"/>
+          </a:xfrm>
+          <a:prstGeom prst="rect">
+            <a:avLst/>
+          </a:prstGeom>
+        </p:spPr>
+      </p:pic>
+    </p:spTree>
+    <p:extLst>
+      <p:ext uri="{BB962C8B-B14F-4D97-AF65-F5344CB8AC3E}">
+        <p14:creationId xmlns:p14="http://schemas.microsoft.com/office/powerpoint/2010/main" val="2212062142"/>
+      </p:ext>
+    </p:extLst>
+  </p:cSld>
+  <p:clrMapOvr>
+    <a:masterClrMapping/>
+  </p:clrMapOvr>
+</p:sld>
+</file>
+
+<file path=ppt/slides/slide9.xml><?xml version="1.0" encoding="utf-8"?>
+<p:sld xmlns:a="http://schemas.openxmlformats.org/drawingml/2006/main" xmlns:r="http://schemas.openxmlformats.org/officeDocument/2006/relationships" xmlns:p="http://schemas.openxmlformats.org/presentationml/2006/main">
+  <p:cSld>
+    <p:spTree>
+      <p:nvGrpSpPr>
+        <p:cNvPr id="1" name=""/>
+        <p:cNvGrpSpPr/>
+        <p:nvPr/>
+      </p:nvGrpSpPr>
+      <p:grpSpPr>
+        <a:xfrm>
+          <a:off x="0" y="0"/>
+          <a:ext cx="0" cy="0"/>
+          <a:chOff x="0" y="0"/>
+          <a:chExt cx="0" cy="0"/>
+        </a:xfrm>
+      </p:grpSpPr>
+      <p:sp>
+        <p:nvSpPr>
+          <p:cNvPr id="2" name="Title 1">
+            <a:extLst>
+              <a:ext uri="{FF2B5EF4-FFF2-40B4-BE49-F238E27FC236}">
+                <a16:creationId xmlns:a16="http://schemas.microsoft.com/office/drawing/2014/main" id="{66E25D20-5A7E-E777-DDD1-647FB122E100}"/>
+              </a:ext>
+            </a:extLst>
+          </p:cNvPr>
+          <p:cNvSpPr>
+            <a:spLocks noGrp="1"/>
+          </p:cNvSpPr>
+          <p:nvPr>
+            <p:ph type="title"/>
+          </p:nvPr>
+        </p:nvSpPr>
+        <p:spPr/>
+        <p:txBody>
+          <a:bodyPr/>
+          <a:lstStyle/>
+          <a:p>
+            <a:r>
+              <a:rPr lang="en-US" dirty="0"/>
+              <a:t>Straighten X manually</a:t>
+            </a:r>
+          </a:p>
+        </p:txBody>
+      </p:sp>
+      <p:sp>
+        <p:nvSpPr>
+          <p:cNvPr id="3" name="Content Placeholder 2">
+            <a:extLst>
+              <a:ext uri="{FF2B5EF4-FFF2-40B4-BE49-F238E27FC236}">
+                <a16:creationId xmlns:a16="http://schemas.microsoft.com/office/drawing/2014/main" id="{C5CF756D-566E-0421-EA8F-768929DAE644}"/>
+              </a:ext>
+            </a:extLst>
+          </p:cNvPr>
+          <p:cNvSpPr>
+            <a:spLocks noGrp="1"/>
+          </p:cNvSpPr>
+          <p:nvPr>
+            <p:ph idx="1"/>
+          </p:nvPr>
+        </p:nvSpPr>
+        <p:spPr/>
+        <p:txBody>
+          <a:bodyPr>
+            <a:normAutofit fontScale="92500" lnSpcReduction="10000"/>
+          </a:bodyPr>
+          <a:lstStyle/>
+          <a:p>
+            <a:r>
+              <a:rPr lang="en-US" dirty="0"/>
+              <a:t>Old Positions:</a:t>
+            </a:r>
+          </a:p>
+          <a:p>
+            <a:pPr lvl="1"/>
+            <a:r>
+              <a:rPr lang="en-US" dirty="0"/>
+              <a:t>X1,y1 = (12.97, 18.47)</a:t>
+            </a:r>
+          </a:p>
+          <a:p>
+            <a:pPr lvl="1"/>
+            <a:r>
+              <a:rPr lang="en-US" dirty="0"/>
+              <a:t>X2, y2 = (10.15, 12.10)</a:t>
+            </a:r>
+          </a:p>
+          <a:p>
+            <a:r>
+              <a:rPr lang="en-US" dirty="0"/>
+              <a:t>Adjustments:</a:t>
+            </a:r>
+          </a:p>
+          <a:p>
+            <a:pPr lvl="1"/>
+            <a:r>
+              <a:rPr lang="en-US" dirty="0"/>
+              <a:t>xP2 = 1.0</a:t>
+            </a:r>
+          </a:p>
+          <a:p>
+            <a:r>
+              <a:rPr lang="en-US" dirty="0"/>
+              <a:t>New Positions:</a:t>
+            </a:r>
+          </a:p>
+          <a:p>
+            <a:pPr lvl="1"/>
+            <a:r>
+              <a:rPr lang="en-US" dirty="0"/>
+              <a:t>X1,y1 = (12.97, 18.47)</a:t>
+            </a:r>
+          </a:p>
+          <a:p>
+            <a:pPr lvl="1"/>
+            <a:r>
+              <a:rPr lang="en-US" dirty="0"/>
+              <a:t>X2, y2 = (11.15, 12.10)</a:t>
+            </a:r>
+          </a:p>
+          <a:p>
+            <a:r>
+              <a:rPr lang="en-US" dirty="0"/>
+              <a:t>My impression playing around the x position at both posts is that the kick at t=4ms is not being fixed, just masked..</a:t>
+            </a:r>
+          </a:p>
+          <a:p>
+            <a:r>
+              <a:rPr lang="en-US" dirty="0"/>
+              <a:t>What do we do about this…</a:t>
+            </a:r>
+          </a:p>
+          <a:p>
+            <a:endParaRPr lang="en-US" dirty="0"/>
+          </a:p>
+          <a:p>
+            <a:endParaRPr lang="en-US" dirty="0"/>
+          </a:p>
+        </p:txBody>
+      </p:sp>
+      <p:pic>
+        <p:nvPicPr>
+          <p:cNvPr id="7" name="Picture 6">
+            <a:extLst>
+              <a:ext uri="{FF2B5EF4-FFF2-40B4-BE49-F238E27FC236}">
+                <a16:creationId xmlns:a16="http://schemas.microsoft.com/office/drawing/2014/main" id="{209B01DF-8EB8-BD68-4FDE-F5B5D8A9BAA6}"/>
+              </a:ext>
+            </a:extLst>
+          </p:cNvPr>
+          <p:cNvPicPr>
+            <a:picLocks noChangeAspect="1"/>
+          </p:cNvPicPr>
+          <p:nvPr/>
+        </p:nvPicPr>
+        <p:blipFill>
+          <a:blip r:embed="rId2"/>
+          <a:stretch>
+            <a:fillRect/>
+          </a:stretch>
+        </p:blipFill>
+        <p:spPr>
+          <a:xfrm>
+            <a:off x="6186785" y="1278784"/>
+            <a:ext cx="4606665" cy="3385873"/>
+          </a:xfrm>
+          <a:prstGeom prst="rect">
+            <a:avLst/>
+          </a:prstGeom>
+        </p:spPr>
+      </p:pic>
+    </p:spTree>
+    <p:extLst>
+      <p:ext uri="{BB962C8B-B14F-4D97-AF65-F5344CB8AC3E}">
+        <p14:creationId xmlns:p14="http://schemas.microsoft.com/office/powerpoint/2010/main" val="471260684"/>
       </p:ext>
     </p:extLst>
   </p:cSld>
@@ -5055,7 +5391,7 @@
   <a:extraClrSchemeLst/>
   <a:extLst>
     <a:ext uri="{05A4C25C-085E-4340-85A3-A5531E510DB2}">
-      <thm15:themeFamily xmlns:thm15="http://schemas.microsoft.com/office/thememl/2012/main" xmlns="" name="Office Theme" id="{62F939B6-93AF-4DB8-9C6B-D6C7DFDC589F}" vid="{4A3C46E8-61CC-4603-A589-7422A47A8E4A}"/>
+      <thm15:themeFamily xmlns:thm15="http://schemas.microsoft.com/office/thememl/2012/main" name="Office Theme" id="{62F939B6-93AF-4DB8-9C6B-D6C7DFDC589F}" vid="{4A3C46E8-61CC-4603-A589-7422A47A8E4A}"/>
     </a:ext>
   </a:extLst>
 </a:theme>

--- a/Undulator 1 Pulsed-Wire Alignment Dec. 2022.pptx
+++ b/Undulator 1 Pulsed-Wire Alignment Dec. 2022.pptx
@@ -14,6 +14,9 @@
     <p:sldId id="262" r:id="rId8"/>
     <p:sldId id="263" r:id="rId9"/>
     <p:sldId id="264" r:id="rId10"/>
+    <p:sldId id="266" r:id="rId11"/>
+    <p:sldId id="267" r:id="rId12"/>
+    <p:sldId id="268" r:id="rId13"/>
   </p:sldIdLst>
   <p:sldSz cx="12192000" cy="6858000"/>
   <p:notesSz cx="6858000" cy="9144000"/>
@@ -278,7 +281,7 @@
           <a:p>
             <a:fld id="{CC723744-7631-45EC-9413-1AE502D85CB6}" type="datetimeFigureOut">
               <a:rPr lang="en-US" smtClean="0"/>
-              <a:t>12/21/2022</a:t>
+              <a:t>12/22/2022</a:t>
             </a:fld>
             <a:endParaRPr lang="en-US"/>
           </a:p>
@@ -476,7 +479,7 @@
           <a:p>
             <a:fld id="{CC723744-7631-45EC-9413-1AE502D85CB6}" type="datetimeFigureOut">
               <a:rPr lang="en-US" smtClean="0"/>
-              <a:t>12/21/2022</a:t>
+              <a:t>12/22/2022</a:t>
             </a:fld>
             <a:endParaRPr lang="en-US"/>
           </a:p>
@@ -684,7 +687,7 @@
           <a:p>
             <a:fld id="{CC723744-7631-45EC-9413-1AE502D85CB6}" type="datetimeFigureOut">
               <a:rPr lang="en-US" smtClean="0"/>
-              <a:t>12/21/2022</a:t>
+              <a:t>12/22/2022</a:t>
             </a:fld>
             <a:endParaRPr lang="en-US"/>
           </a:p>
@@ -882,7 +885,7 @@
           <a:p>
             <a:fld id="{CC723744-7631-45EC-9413-1AE502D85CB6}" type="datetimeFigureOut">
               <a:rPr lang="en-US" smtClean="0"/>
-              <a:t>12/21/2022</a:t>
+              <a:t>12/22/2022</a:t>
             </a:fld>
             <a:endParaRPr lang="en-US"/>
           </a:p>
@@ -1157,7 +1160,7 @@
           <a:p>
             <a:fld id="{CC723744-7631-45EC-9413-1AE502D85CB6}" type="datetimeFigureOut">
               <a:rPr lang="en-US" smtClean="0"/>
-              <a:t>12/21/2022</a:t>
+              <a:t>12/22/2022</a:t>
             </a:fld>
             <a:endParaRPr lang="en-US"/>
           </a:p>
@@ -1422,7 +1425,7 @@
           <a:p>
             <a:fld id="{CC723744-7631-45EC-9413-1AE502D85CB6}" type="datetimeFigureOut">
               <a:rPr lang="en-US" smtClean="0"/>
-              <a:t>12/21/2022</a:t>
+              <a:t>12/22/2022</a:t>
             </a:fld>
             <a:endParaRPr lang="en-US"/>
           </a:p>
@@ -1834,7 +1837,7 @@
           <a:p>
             <a:fld id="{CC723744-7631-45EC-9413-1AE502D85CB6}" type="datetimeFigureOut">
               <a:rPr lang="en-US" smtClean="0"/>
-              <a:t>12/21/2022</a:t>
+              <a:t>12/22/2022</a:t>
             </a:fld>
             <a:endParaRPr lang="en-US"/>
           </a:p>
@@ -1975,7 +1978,7 @@
           <a:p>
             <a:fld id="{CC723744-7631-45EC-9413-1AE502D85CB6}" type="datetimeFigureOut">
               <a:rPr lang="en-US" smtClean="0"/>
-              <a:t>12/21/2022</a:t>
+              <a:t>12/22/2022</a:t>
             </a:fld>
             <a:endParaRPr lang="en-US"/>
           </a:p>
@@ -2088,7 +2091,7 @@
           <a:p>
             <a:fld id="{CC723744-7631-45EC-9413-1AE502D85CB6}" type="datetimeFigureOut">
               <a:rPr lang="en-US" smtClean="0"/>
-              <a:t>12/21/2022</a:t>
+              <a:t>12/22/2022</a:t>
             </a:fld>
             <a:endParaRPr lang="en-US"/>
           </a:p>
@@ -2399,7 +2402,7 @@
           <a:p>
             <a:fld id="{CC723744-7631-45EC-9413-1AE502D85CB6}" type="datetimeFigureOut">
               <a:rPr lang="en-US" smtClean="0"/>
-              <a:t>12/21/2022</a:t>
+              <a:t>12/22/2022</a:t>
             </a:fld>
             <a:endParaRPr lang="en-US"/>
           </a:p>
@@ -2687,7 +2690,7 @@
           <a:p>
             <a:fld id="{CC723744-7631-45EC-9413-1AE502D85CB6}" type="datetimeFigureOut">
               <a:rPr lang="en-US" smtClean="0"/>
-              <a:t>12/21/2022</a:t>
+              <a:t>12/22/2022</a:t>
             </a:fld>
             <a:endParaRPr lang="en-US"/>
           </a:p>
@@ -2928,7 +2931,7 @@
           <a:p>
             <a:fld id="{CC723744-7631-45EC-9413-1AE502D85CB6}" type="datetimeFigureOut">
               <a:rPr lang="en-US" smtClean="0"/>
-              <a:t>12/21/2022</a:t>
+              <a:t>12/22/2022</a:t>
             </a:fld>
             <a:endParaRPr lang="en-US"/>
           </a:p>
@@ -3411,6 +3414,539 @@
 </p:sld>
 </file>
 
+<file path=ppt/slides/slide10.xml><?xml version="1.0" encoding="utf-8"?>
+<p:sld xmlns:a="http://schemas.openxmlformats.org/drawingml/2006/main" xmlns:r="http://schemas.openxmlformats.org/officeDocument/2006/relationships" xmlns:p="http://schemas.openxmlformats.org/presentationml/2006/main">
+  <p:cSld>
+    <p:spTree>
+      <p:nvGrpSpPr>
+        <p:cNvPr id="1" name=""/>
+        <p:cNvGrpSpPr/>
+        <p:nvPr/>
+      </p:nvGrpSpPr>
+      <p:grpSpPr>
+        <a:xfrm>
+          <a:off x="0" y="0"/>
+          <a:ext cx="0" cy="0"/>
+          <a:chOff x="0" y="0"/>
+          <a:chExt cx="0" cy="0"/>
+        </a:xfrm>
+      </p:grpSpPr>
+      <p:sp>
+        <p:nvSpPr>
+          <p:cNvPr id="2" name="Title 1">
+            <a:extLst>
+              <a:ext uri="{FF2B5EF4-FFF2-40B4-BE49-F238E27FC236}">
+                <a16:creationId xmlns:a16="http://schemas.microsoft.com/office/drawing/2014/main" id="{CED6CEE3-7CEE-BBAA-2ADC-C096B9186E91}"/>
+              </a:ext>
+            </a:extLst>
+          </p:cNvPr>
+          <p:cNvSpPr>
+            <a:spLocks noGrp="1"/>
+          </p:cNvSpPr>
+          <p:nvPr>
+            <p:ph type="title"/>
+          </p:nvPr>
+        </p:nvSpPr>
+        <p:spPr/>
+        <p:txBody>
+          <a:bodyPr/>
+          <a:lstStyle/>
+          <a:p>
+            <a:r>
+              <a:rPr lang="en-US" dirty="0"/>
+              <a:t>Position so trajectories straight until kick</a:t>
+            </a:r>
+          </a:p>
+        </p:txBody>
+      </p:sp>
+      <p:sp>
+        <p:nvSpPr>
+          <p:cNvPr id="3" name="Content Placeholder 2">
+            <a:extLst>
+              <a:ext uri="{FF2B5EF4-FFF2-40B4-BE49-F238E27FC236}">
+                <a16:creationId xmlns:a16="http://schemas.microsoft.com/office/drawing/2014/main" id="{6D9E2BB0-14AB-162F-70BC-6C07E896F2BB}"/>
+              </a:ext>
+            </a:extLst>
+          </p:cNvPr>
+          <p:cNvSpPr>
+            <a:spLocks noGrp="1"/>
+          </p:cNvSpPr>
+          <p:nvPr>
+            <p:ph idx="1"/>
+          </p:nvPr>
+        </p:nvSpPr>
+        <p:spPr>
+          <a:xfrm>
+            <a:off x="838200" y="1825625"/>
+            <a:ext cx="4428194" cy="1831975"/>
+          </a:xfrm>
+        </p:spPr>
+        <p:txBody>
+          <a:bodyPr>
+            <a:normAutofit lnSpcReduction="10000"/>
+          </a:bodyPr>
+          <a:lstStyle/>
+          <a:p>
+            <a:r>
+              <a:rPr lang="en-US" dirty="0"/>
+              <a:t>Positions:</a:t>
+            </a:r>
+          </a:p>
+          <a:p>
+            <a:pPr lvl="1"/>
+            <a:r>
+              <a:rPr lang="en-US" dirty="0"/>
+              <a:t>X1,y1 = (12.97, 18.47)</a:t>
+            </a:r>
+          </a:p>
+          <a:p>
+            <a:pPr lvl="1"/>
+            <a:r>
+              <a:rPr lang="en-US" dirty="0"/>
+              <a:t>X2, y2 = (10.65, 12.10)</a:t>
+            </a:r>
+          </a:p>
+          <a:p>
+            <a:pPr lvl="1"/>
+            <a:r>
+              <a:rPr lang="en-US" dirty="0"/>
+              <a:t>Just adjust xP2=.5mm from Wire Position 2.</a:t>
+            </a:r>
+          </a:p>
+          <a:p>
+            <a:endParaRPr lang="en-US" dirty="0"/>
+          </a:p>
+        </p:txBody>
+      </p:sp>
+      <p:pic>
+        <p:nvPicPr>
+          <p:cNvPr id="5" name="Picture 4">
+            <a:extLst>
+              <a:ext uri="{FF2B5EF4-FFF2-40B4-BE49-F238E27FC236}">
+                <a16:creationId xmlns:a16="http://schemas.microsoft.com/office/drawing/2014/main" id="{4EA95FB3-AAE4-E499-B0B5-BC5FF9EB8F9C}"/>
+              </a:ext>
+            </a:extLst>
+          </p:cNvPr>
+          <p:cNvPicPr>
+            <a:picLocks noChangeAspect="1"/>
+          </p:cNvPicPr>
+          <p:nvPr/>
+        </p:nvPicPr>
+        <p:blipFill>
+          <a:blip r:embed="rId2"/>
+          <a:stretch>
+            <a:fillRect/>
+          </a:stretch>
+        </p:blipFill>
+        <p:spPr>
+          <a:xfrm>
+            <a:off x="5335146" y="1489504"/>
+            <a:ext cx="6197409" cy="3313080"/>
+          </a:xfrm>
+          <a:prstGeom prst="rect">
+            <a:avLst/>
+          </a:prstGeom>
+        </p:spPr>
+      </p:pic>
+    </p:spTree>
+    <p:extLst>
+      <p:ext uri="{BB962C8B-B14F-4D97-AF65-F5344CB8AC3E}">
+        <p14:creationId xmlns:p14="http://schemas.microsoft.com/office/powerpoint/2010/main" val="75767446"/>
+      </p:ext>
+    </p:extLst>
+  </p:cSld>
+  <p:clrMapOvr>
+    <a:masterClrMapping/>
+  </p:clrMapOvr>
+</p:sld>
+</file>
+
+<file path=ppt/slides/slide11.xml><?xml version="1.0" encoding="utf-8"?>
+<p:sld xmlns:a="http://schemas.openxmlformats.org/drawingml/2006/main" xmlns:r="http://schemas.openxmlformats.org/officeDocument/2006/relationships" xmlns:p="http://schemas.openxmlformats.org/presentationml/2006/main">
+  <p:cSld>
+    <p:spTree>
+      <p:nvGrpSpPr>
+        <p:cNvPr id="1" name=""/>
+        <p:cNvGrpSpPr/>
+        <p:nvPr/>
+      </p:nvGrpSpPr>
+      <p:grpSpPr>
+        <a:xfrm>
+          <a:off x="0" y="0"/>
+          <a:ext cx="0" cy="0"/>
+          <a:chOff x="0" y="0"/>
+          <a:chExt cx="0" cy="0"/>
+        </a:xfrm>
+      </p:grpSpPr>
+      <p:sp>
+        <p:nvSpPr>
+          <p:cNvPr id="2" name="Title 1">
+            <a:extLst>
+              <a:ext uri="{FF2B5EF4-FFF2-40B4-BE49-F238E27FC236}">
+                <a16:creationId xmlns:a16="http://schemas.microsoft.com/office/drawing/2014/main" id="{1A763B2D-4A52-28E1-FED9-DC95CBF23AFC}"/>
+              </a:ext>
+            </a:extLst>
+          </p:cNvPr>
+          <p:cNvSpPr>
+            <a:spLocks noGrp="1"/>
+          </p:cNvSpPr>
+          <p:nvPr>
+            <p:ph type="title"/>
+          </p:nvPr>
+        </p:nvSpPr>
+        <p:spPr/>
+        <p:txBody>
+          <a:bodyPr/>
+          <a:lstStyle/>
+          <a:p>
+            <a:r>
+              <a:rPr lang="en-US" dirty="0"/>
+              <a:t>Move Wire up and Down</a:t>
+            </a:r>
+          </a:p>
+        </p:txBody>
+      </p:sp>
+      <p:sp>
+        <p:nvSpPr>
+          <p:cNvPr id="3" name="Content Placeholder 2">
+            <a:extLst>
+              <a:ext uri="{FF2B5EF4-FFF2-40B4-BE49-F238E27FC236}">
+                <a16:creationId xmlns:a16="http://schemas.microsoft.com/office/drawing/2014/main" id="{A278338D-635E-0B0D-6A89-F876ACEE58B8}"/>
+              </a:ext>
+            </a:extLst>
+          </p:cNvPr>
+          <p:cNvSpPr>
+            <a:spLocks noGrp="1"/>
+          </p:cNvSpPr>
+          <p:nvPr>
+            <p:ph idx="1"/>
+          </p:nvPr>
+        </p:nvSpPr>
+        <p:spPr>
+          <a:xfrm>
+            <a:off x="838200" y="1825625"/>
+            <a:ext cx="5954486" cy="4080161"/>
+          </a:xfrm>
+        </p:spPr>
+        <p:txBody>
+          <a:bodyPr>
+            <a:normAutofit fontScale="85000" lnSpcReduction="20000"/>
+          </a:bodyPr>
+          <a:lstStyle/>
+          <a:p>
+            <a:r>
+              <a:rPr lang="en-US" dirty="0"/>
+              <a:t>Original is shown with x and y trajectories.</a:t>
+            </a:r>
+          </a:p>
+          <a:p>
+            <a:r>
+              <a:rPr lang="en-US" dirty="0"/>
+              <a:t>Pics above are wire moved up .5mm steps</a:t>
+            </a:r>
+          </a:p>
+          <a:p>
+            <a:r>
+              <a:rPr lang="en-US" dirty="0"/>
+              <a:t>Pics below are wire moved down .5mm steps.</a:t>
+            </a:r>
+          </a:p>
+          <a:p>
+            <a:r>
+              <a:rPr lang="en-US" dirty="0"/>
+              <a:t>Suggests magnet on top slipped?</a:t>
+            </a:r>
+          </a:p>
+          <a:p>
+            <a:pPr lvl="1"/>
+            <a:r>
+              <a:rPr lang="en-US" dirty="0"/>
+              <a:t>NS magnet can only slip closer to axis</a:t>
+            </a:r>
+          </a:p>
+          <a:p>
+            <a:pPr lvl="1"/>
+            <a:r>
+              <a:rPr lang="en-US" dirty="0"/>
+              <a:t>Kick would be from N magnet on top or S magnet on bottom.</a:t>
+            </a:r>
+          </a:p>
+          <a:p>
+            <a:pPr lvl="1"/>
+            <a:r>
+              <a:rPr lang="en-US" dirty="0"/>
+              <a:t>Kick occurs at trajectory minima </a:t>
+            </a:r>
+          </a:p>
+          <a:p>
+            <a:pPr lvl="2"/>
+            <a:r>
+              <a:rPr lang="en-US" dirty="0"/>
+              <a:t>Looks like 21 minima or 22nd N (top)/S(bottom pair</a:t>
+            </a:r>
+          </a:p>
+          <a:p>
+            <a:r>
+              <a:rPr lang="en-US" dirty="0"/>
+              <a:t>This restricts us to T80 (North), check against hall probe tuning.</a:t>
+            </a:r>
+          </a:p>
+          <a:p>
+            <a:pPr lvl="1"/>
+            <a:r>
+              <a:rPr lang="en-US" dirty="0"/>
+              <a:t>Were T79-T81 tuned recently?</a:t>
+            </a:r>
+          </a:p>
+        </p:txBody>
+      </p:sp>
+      <p:pic>
+        <p:nvPicPr>
+          <p:cNvPr id="5" name="Picture 4">
+            <a:extLst>
+              <a:ext uri="{FF2B5EF4-FFF2-40B4-BE49-F238E27FC236}">
+                <a16:creationId xmlns:a16="http://schemas.microsoft.com/office/drawing/2014/main" id="{279E62C3-1504-A0A6-2572-85A8A39FB01E}"/>
+              </a:ext>
+            </a:extLst>
+          </p:cNvPr>
+          <p:cNvPicPr>
+            <a:picLocks noChangeAspect="1"/>
+          </p:cNvPicPr>
+          <p:nvPr/>
+        </p:nvPicPr>
+        <p:blipFill>
+          <a:blip r:embed="rId2"/>
+          <a:stretch>
+            <a:fillRect/>
+          </a:stretch>
+        </p:blipFill>
+        <p:spPr>
+          <a:xfrm>
+            <a:off x="6758044" y="0"/>
+            <a:ext cx="4739086" cy="2513408"/>
+          </a:xfrm>
+          <a:prstGeom prst="rect">
+            <a:avLst/>
+          </a:prstGeom>
+        </p:spPr>
+      </p:pic>
+      <p:pic>
+        <p:nvPicPr>
+          <p:cNvPr id="6" name="Picture 5">
+            <a:extLst>
+              <a:ext uri="{FF2B5EF4-FFF2-40B4-BE49-F238E27FC236}">
+                <a16:creationId xmlns:a16="http://schemas.microsoft.com/office/drawing/2014/main" id="{8192804E-AFFD-AE03-802E-8E1008364AE4}"/>
+              </a:ext>
+            </a:extLst>
+          </p:cNvPr>
+          <p:cNvPicPr>
+            <a:picLocks noChangeAspect="1"/>
+          </p:cNvPicPr>
+          <p:nvPr/>
+        </p:nvPicPr>
+        <p:blipFill>
+          <a:blip r:embed="rId3"/>
+          <a:stretch>
+            <a:fillRect/>
+          </a:stretch>
+        </p:blipFill>
+        <p:spPr>
+          <a:xfrm>
+            <a:off x="6792686" y="1820008"/>
+            <a:ext cx="4808423" cy="2570541"/>
+          </a:xfrm>
+          <a:prstGeom prst="rect">
+            <a:avLst/>
+          </a:prstGeom>
+        </p:spPr>
+      </p:pic>
+      <p:pic>
+        <p:nvPicPr>
+          <p:cNvPr id="8" name="Picture 7">
+            <a:extLst>
+              <a:ext uri="{FF2B5EF4-FFF2-40B4-BE49-F238E27FC236}">
+                <a16:creationId xmlns:a16="http://schemas.microsoft.com/office/drawing/2014/main" id="{358010FE-A2AE-78DD-7412-9629A79BFB48}"/>
+              </a:ext>
+            </a:extLst>
+          </p:cNvPr>
+          <p:cNvPicPr>
+            <a:picLocks noChangeAspect="1"/>
+          </p:cNvPicPr>
+          <p:nvPr/>
+        </p:nvPicPr>
+        <p:blipFill>
+          <a:blip r:embed="rId4"/>
+          <a:stretch>
+            <a:fillRect/>
+          </a:stretch>
+        </p:blipFill>
+        <p:spPr>
+          <a:xfrm>
+            <a:off x="6792686" y="3510696"/>
+            <a:ext cx="5247791" cy="2798194"/>
+          </a:xfrm>
+          <a:prstGeom prst="rect">
+            <a:avLst/>
+          </a:prstGeom>
+        </p:spPr>
+      </p:pic>
+      <p:pic>
+        <p:nvPicPr>
+          <p:cNvPr id="10" name="Picture 9">
+            <a:extLst>
+              <a:ext uri="{FF2B5EF4-FFF2-40B4-BE49-F238E27FC236}">
+                <a16:creationId xmlns:a16="http://schemas.microsoft.com/office/drawing/2014/main" id="{2046A62F-2E1A-D0CD-9CE1-69F02AE67DEF}"/>
+              </a:ext>
+            </a:extLst>
+          </p:cNvPr>
+          <p:cNvPicPr>
+            <a:picLocks noChangeAspect="1"/>
+          </p:cNvPicPr>
+          <p:nvPr/>
+        </p:nvPicPr>
+        <p:blipFill>
+          <a:blip r:embed="rId5"/>
+          <a:stretch>
+            <a:fillRect/>
+          </a:stretch>
+        </p:blipFill>
+        <p:spPr>
+          <a:xfrm>
+            <a:off x="6655191" y="5490662"/>
+            <a:ext cx="5735645" cy="2978221"/>
+          </a:xfrm>
+          <a:prstGeom prst="rect">
+            <a:avLst/>
+          </a:prstGeom>
+        </p:spPr>
+      </p:pic>
+    </p:spTree>
+    <p:extLst>
+      <p:ext uri="{BB962C8B-B14F-4D97-AF65-F5344CB8AC3E}">
+        <p14:creationId xmlns:p14="http://schemas.microsoft.com/office/powerpoint/2010/main" val="2517951298"/>
+      </p:ext>
+    </p:extLst>
+  </p:cSld>
+  <p:clrMapOvr>
+    <a:masterClrMapping/>
+  </p:clrMapOvr>
+</p:sld>
+</file>
+
+<file path=ppt/slides/slide12.xml><?xml version="1.0" encoding="utf-8"?>
+<p:sld xmlns:a="http://schemas.openxmlformats.org/drawingml/2006/main" xmlns:r="http://schemas.openxmlformats.org/officeDocument/2006/relationships" xmlns:p="http://schemas.openxmlformats.org/presentationml/2006/main">
+  <p:cSld>
+    <p:spTree>
+      <p:nvGrpSpPr>
+        <p:cNvPr id="1" name=""/>
+        <p:cNvGrpSpPr/>
+        <p:nvPr/>
+      </p:nvGrpSpPr>
+      <p:grpSpPr>
+        <a:xfrm>
+          <a:off x="0" y="0"/>
+          <a:ext cx="0" cy="0"/>
+          <a:chOff x="0" y="0"/>
+          <a:chExt cx="0" cy="0"/>
+        </a:xfrm>
+      </p:grpSpPr>
+      <p:sp>
+        <p:nvSpPr>
+          <p:cNvPr id="2" name="Title 1">
+            <a:extLst>
+              <a:ext uri="{FF2B5EF4-FFF2-40B4-BE49-F238E27FC236}">
+                <a16:creationId xmlns:a16="http://schemas.microsoft.com/office/drawing/2014/main" id="{78B10E82-B82E-F254-ACC9-2E72CA9AD2C0}"/>
+              </a:ext>
+            </a:extLst>
+          </p:cNvPr>
+          <p:cNvSpPr>
+            <a:spLocks noGrp="1"/>
+          </p:cNvSpPr>
+          <p:nvPr>
+            <p:ph type="title"/>
+          </p:nvPr>
+        </p:nvSpPr>
+        <p:spPr/>
+        <p:txBody>
+          <a:bodyPr/>
+          <a:lstStyle/>
+          <a:p>
+            <a:r>
+              <a:rPr lang="en-US" dirty="0"/>
+              <a:t>X </a:t>
+            </a:r>
+            <a:r>
+              <a:rPr lang="en-US" dirty="0" err="1"/>
+              <a:t>traj</a:t>
+            </a:r>
+            <a:r>
+              <a:rPr lang="en-US" dirty="0"/>
+              <a:t> vs Y offset</a:t>
+            </a:r>
+          </a:p>
+        </p:txBody>
+      </p:sp>
+      <p:sp>
+        <p:nvSpPr>
+          <p:cNvPr id="3" name="Content Placeholder 2">
+            <a:extLst>
+              <a:ext uri="{FF2B5EF4-FFF2-40B4-BE49-F238E27FC236}">
+                <a16:creationId xmlns:a16="http://schemas.microsoft.com/office/drawing/2014/main" id="{1C4E8765-F967-3CEA-550F-C0D67EAC2990}"/>
+              </a:ext>
+            </a:extLst>
+          </p:cNvPr>
+          <p:cNvSpPr>
+            <a:spLocks noGrp="1"/>
+          </p:cNvSpPr>
+          <p:nvPr>
+            <p:ph idx="1"/>
+          </p:nvPr>
+        </p:nvSpPr>
+        <p:spPr/>
+        <p:txBody>
+          <a:bodyPr/>
+          <a:lstStyle/>
+          <a:p>
+            <a:r>
+              <a:rPr lang="en-US" dirty="0"/>
+              <a:t>Positions:</a:t>
+            </a:r>
+          </a:p>
+          <a:p>
+            <a:pPr lvl="1"/>
+            <a:r>
+              <a:rPr lang="en-US" dirty="0"/>
+              <a:t>X1,y1 = (12.97, 18.47)</a:t>
+            </a:r>
+          </a:p>
+          <a:p>
+            <a:pPr lvl="1"/>
+            <a:r>
+              <a:rPr lang="en-US"/>
+              <a:t>X2, y2 = (10.65, 12.10)</a:t>
+            </a:r>
+          </a:p>
+          <a:p>
+            <a:pPr marL="0" indent="0">
+              <a:buNone/>
+            </a:pPr>
+            <a:endParaRPr lang="en-US" dirty="0"/>
+          </a:p>
+        </p:txBody>
+      </p:sp>
+    </p:spTree>
+    <p:extLst>
+      <p:ext uri="{BB962C8B-B14F-4D97-AF65-F5344CB8AC3E}">
+        <p14:creationId xmlns:p14="http://schemas.microsoft.com/office/powerpoint/2010/main" val="3039989018"/>
+      </p:ext>
+    </p:extLst>
+  </p:cSld>
+  <p:clrMapOvr>
+    <a:masterClrMapping/>
+  </p:clrMapOvr>
+</p:sld>
+</file>
+
 <file path=ppt/slides/slide2.xml><?xml version="1.0" encoding="utf-8"?>
 <p:sld xmlns:a="http://schemas.openxmlformats.org/drawingml/2006/main" xmlns:r="http://schemas.openxmlformats.org/officeDocument/2006/relationships" xmlns:p="http://schemas.openxmlformats.org/presentationml/2006/main">
   <p:cSld>
@@ -4983,7 +5519,7 @@
         <p:spPr/>
         <p:txBody>
           <a:bodyPr>
-            <a:normAutofit fontScale="92500" lnSpcReduction="10000"/>
+            <a:normAutofit fontScale="85000" lnSpcReduction="20000"/>
           </a:bodyPr>
           <a:lstStyle/>
           <a:p>
@@ -5048,10 +5584,36 @@
           <a:p>
             <a:r>
               <a:rPr lang="en-US" dirty="0"/>
-              <a:t>What do we do about this…</a:t>
-            </a:r>
-          </a:p>
-          <a:p>
+              <a:t>Deductions:</a:t>
+            </a:r>
+          </a:p>
+          <a:p>
+            <a:pPr lvl="1"/>
+            <a:r>
+              <a:rPr lang="en-US" dirty="0"/>
+              <a:t>By magnet, more likely to slip during movement than Bx magnet?</a:t>
+            </a:r>
+          </a:p>
+          <a:p>
+            <a:pPr lvl="1"/>
+            <a:r>
+              <a:rPr lang="en-US" dirty="0"/>
+              <a:t>21th x minimum???</a:t>
+            </a:r>
+          </a:p>
+          <a:p>
+            <a:pPr lvl="1"/>
+            <a:r>
+              <a:rPr lang="en-US" dirty="0"/>
+              <a:t>If kick at minimum, a positive, downward By field</a:t>
+            </a:r>
+          </a:p>
+          <a:p>
+            <a:pPr lvl="1"/>
+            <a:endParaRPr lang="en-US" dirty="0"/>
+          </a:p>
+          <a:p>
+            <a:pPr lvl="1"/>
             <a:endParaRPr lang="en-US" dirty="0"/>
           </a:p>
           <a:p>
@@ -5081,8 +5643,8 @@
         </p:blipFill>
         <p:spPr>
           <a:xfrm>
-            <a:off x="6186785" y="1278784"/>
-            <a:ext cx="4606665" cy="3385873"/>
+            <a:off x="6201296" y="456235"/>
+            <a:ext cx="5066541" cy="3723879"/>
           </a:xfrm>
           <a:prstGeom prst="rect">
             <a:avLst/>

--- a/Undulator 1 Pulsed-Wire Alignment Dec. 2022.pptx
+++ b/Undulator 1 Pulsed-Wire Alignment Dec. 2022.pptx
@@ -281,7 +281,7 @@
           <a:p>
             <a:fld id="{CC723744-7631-45EC-9413-1AE502D85CB6}" type="datetimeFigureOut">
               <a:rPr lang="en-US" smtClean="0"/>
-              <a:t>12/22/2022</a:t>
+              <a:t>12/28/2022</a:t>
             </a:fld>
             <a:endParaRPr lang="en-US"/>
           </a:p>
@@ -479,7 +479,7 @@
           <a:p>
             <a:fld id="{CC723744-7631-45EC-9413-1AE502D85CB6}" type="datetimeFigureOut">
               <a:rPr lang="en-US" smtClean="0"/>
-              <a:t>12/22/2022</a:t>
+              <a:t>12/28/2022</a:t>
             </a:fld>
             <a:endParaRPr lang="en-US"/>
           </a:p>
@@ -687,7 +687,7 @@
           <a:p>
             <a:fld id="{CC723744-7631-45EC-9413-1AE502D85CB6}" type="datetimeFigureOut">
               <a:rPr lang="en-US" smtClean="0"/>
-              <a:t>12/22/2022</a:t>
+              <a:t>12/28/2022</a:t>
             </a:fld>
             <a:endParaRPr lang="en-US"/>
           </a:p>
@@ -885,7 +885,7 @@
           <a:p>
             <a:fld id="{CC723744-7631-45EC-9413-1AE502D85CB6}" type="datetimeFigureOut">
               <a:rPr lang="en-US" smtClean="0"/>
-              <a:t>12/22/2022</a:t>
+              <a:t>12/28/2022</a:t>
             </a:fld>
             <a:endParaRPr lang="en-US"/>
           </a:p>
@@ -1160,7 +1160,7 @@
           <a:p>
             <a:fld id="{CC723744-7631-45EC-9413-1AE502D85CB6}" type="datetimeFigureOut">
               <a:rPr lang="en-US" smtClean="0"/>
-              <a:t>12/22/2022</a:t>
+              <a:t>12/28/2022</a:t>
             </a:fld>
             <a:endParaRPr lang="en-US"/>
           </a:p>
@@ -1425,7 +1425,7 @@
           <a:p>
             <a:fld id="{CC723744-7631-45EC-9413-1AE502D85CB6}" type="datetimeFigureOut">
               <a:rPr lang="en-US" smtClean="0"/>
-              <a:t>12/22/2022</a:t>
+              <a:t>12/28/2022</a:t>
             </a:fld>
             <a:endParaRPr lang="en-US"/>
           </a:p>
@@ -1837,7 +1837,7 @@
           <a:p>
             <a:fld id="{CC723744-7631-45EC-9413-1AE502D85CB6}" type="datetimeFigureOut">
               <a:rPr lang="en-US" smtClean="0"/>
-              <a:t>12/22/2022</a:t>
+              <a:t>12/28/2022</a:t>
             </a:fld>
             <a:endParaRPr lang="en-US"/>
           </a:p>
@@ -1978,7 +1978,7 @@
           <a:p>
             <a:fld id="{CC723744-7631-45EC-9413-1AE502D85CB6}" type="datetimeFigureOut">
               <a:rPr lang="en-US" smtClean="0"/>
-              <a:t>12/22/2022</a:t>
+              <a:t>12/28/2022</a:t>
             </a:fld>
             <a:endParaRPr lang="en-US"/>
           </a:p>
@@ -2091,7 +2091,7 @@
           <a:p>
             <a:fld id="{CC723744-7631-45EC-9413-1AE502D85CB6}" type="datetimeFigureOut">
               <a:rPr lang="en-US" smtClean="0"/>
-              <a:t>12/22/2022</a:t>
+              <a:t>12/28/2022</a:t>
             </a:fld>
             <a:endParaRPr lang="en-US"/>
           </a:p>
@@ -2402,7 +2402,7 @@
           <a:p>
             <a:fld id="{CC723744-7631-45EC-9413-1AE502D85CB6}" type="datetimeFigureOut">
               <a:rPr lang="en-US" smtClean="0"/>
-              <a:t>12/22/2022</a:t>
+              <a:t>12/28/2022</a:t>
             </a:fld>
             <a:endParaRPr lang="en-US"/>
           </a:p>
@@ -2690,7 +2690,7 @@
           <a:p>
             <a:fld id="{CC723744-7631-45EC-9413-1AE502D85CB6}" type="datetimeFigureOut">
               <a:rPr lang="en-US" smtClean="0"/>
-              <a:t>12/22/2022</a:t>
+              <a:t>12/28/2022</a:t>
             </a:fld>
             <a:endParaRPr lang="en-US"/>
           </a:p>
@@ -2931,7 +2931,7 @@
           <a:p>
             <a:fld id="{CC723744-7631-45EC-9413-1AE502D85CB6}" type="datetimeFigureOut">
               <a:rPr lang="en-US" smtClean="0"/>
-              <a:t>12/22/2022</a:t>
+              <a:t>12/28/2022</a:t>
             </a:fld>
             <a:endParaRPr lang="en-US"/>
           </a:p>
@@ -3922,8 +3922,56 @@
           <a:p>
             <a:pPr lvl="1"/>
             <a:r>
-              <a:rPr lang="en-US"/>
+              <a:rPr lang="en-US" dirty="0"/>
               <a:t>X2, y2 = (10.65, 12.10)</a:t>
+            </a:r>
+          </a:p>
+          <a:p>
+            <a:pPr lvl="1"/>
+            <a:endParaRPr lang="en-US" dirty="0"/>
+          </a:p>
+          <a:p>
+            <a:pPr lvl="1"/>
+            <a:r>
+              <a:rPr lang="en-US" dirty="0"/>
+              <a:t>Moved -.15mm in x, -.05 mm in y</a:t>
+            </a:r>
+          </a:p>
+          <a:p>
+            <a:pPr marL="457200" lvl="1" indent="0">
+              <a:buNone/>
+            </a:pPr>
+            <a:endParaRPr lang="en-US" dirty="0"/>
+          </a:p>
+          <a:p>
+            <a:pPr marL="457200" lvl="1" indent="0">
+              <a:buNone/>
+            </a:pPr>
+            <a:endParaRPr lang="en-US" dirty="0"/>
+          </a:p>
+          <a:p>
+            <a:r>
+              <a:rPr lang="en-US" dirty="0"/>
+              <a:t>Positions:</a:t>
+            </a:r>
+          </a:p>
+          <a:p>
+            <a:pPr lvl="1"/>
+            <a:r>
+              <a:rPr lang="en-US" dirty="0"/>
+              <a:t>X1,y1 = (12.85</a:t>
+            </a:r>
+            <a:r>
+              <a:rPr lang="en-US"/>
+              <a:t>, 18.45)</a:t>
+            </a:r>
+            <a:endParaRPr lang="en-US" dirty="0"/>
+          </a:p>
+          <a:p>
+            <a:pPr lvl="1"/>
+            <a:r>
+              <a:rPr lang="en-US" dirty="0"/>
+              <a:t>X2, y2 = (10.5, 12.05)</a:t>
             </a:r>
           </a:p>
           <a:p>
